--- a/SDD 관련 자료/작업 결과물/대화 모형도/강의평가 수행.pptx
+++ b/SDD 관련 자료/작업 결과물/대화 모형도/강의평가 수행.pptx
@@ -2,19 +2,18 @@
 <file path=ppt/presentation.xml><?xml version="1.0" encoding="utf-8"?>
 <p:presentation xmlns:a="http://schemas.openxmlformats.org/drawingml/2006/main" xmlns:r="http://schemas.openxmlformats.org/officeDocument/2006/relationships" xmlns:p="http://schemas.openxmlformats.org/presentationml/2006/main" saveSubsetFonts="1">
   <p:sldMasterIdLst>
-    <p:sldMasterId id="2147483648" r:id="rId1"/>
+    <p:sldMasterId id="2147483660" r:id="rId1"/>
   </p:sldMasterIdLst>
   <p:sldIdLst>
     <p:sldId id="258" r:id="rId2"/>
-    <p:sldId id="256" r:id="rId3"/>
   </p:sldIdLst>
-  <p:sldSz cx="12192000" cy="6858000"/>
+  <p:sldSz cx="35999738" cy="35999738"/>
   <p:notesSz cx="6858000" cy="9144000"/>
   <p:defaultTextStyle>
     <a:defPPr>
-      <a:defRPr lang="ko-KR"/>
+      <a:defRPr lang="en-US"/>
     </a:defPPr>
-    <a:lvl1pPr marL="0" algn="l" defTabSz="914400" rtl="0" eaLnBrk="1" latinLnBrk="1" hangingPunct="1">
+    <a:lvl1pPr marL="0" algn="l" defTabSz="457200" rtl="0" eaLnBrk="1" latinLnBrk="0" hangingPunct="1">
       <a:defRPr sz="1800" kern="1200">
         <a:solidFill>
           <a:schemeClr val="tx1"/>
@@ -24,7 +23,7 @@
         <a:cs typeface="+mn-cs"/>
       </a:defRPr>
     </a:lvl1pPr>
-    <a:lvl2pPr marL="457200" algn="l" defTabSz="914400" rtl="0" eaLnBrk="1" latinLnBrk="1" hangingPunct="1">
+    <a:lvl2pPr marL="457200" algn="l" defTabSz="457200" rtl="0" eaLnBrk="1" latinLnBrk="0" hangingPunct="1">
       <a:defRPr sz="1800" kern="1200">
         <a:solidFill>
           <a:schemeClr val="tx1"/>
@@ -34,7 +33,7 @@
         <a:cs typeface="+mn-cs"/>
       </a:defRPr>
     </a:lvl2pPr>
-    <a:lvl3pPr marL="914400" algn="l" defTabSz="914400" rtl="0" eaLnBrk="1" latinLnBrk="1" hangingPunct="1">
+    <a:lvl3pPr marL="914400" algn="l" defTabSz="457200" rtl="0" eaLnBrk="1" latinLnBrk="0" hangingPunct="1">
       <a:defRPr sz="1800" kern="1200">
         <a:solidFill>
           <a:schemeClr val="tx1"/>
@@ -44,7 +43,7 @@
         <a:cs typeface="+mn-cs"/>
       </a:defRPr>
     </a:lvl3pPr>
-    <a:lvl4pPr marL="1371600" algn="l" defTabSz="914400" rtl="0" eaLnBrk="1" latinLnBrk="1" hangingPunct="1">
+    <a:lvl4pPr marL="1371600" algn="l" defTabSz="457200" rtl="0" eaLnBrk="1" latinLnBrk="0" hangingPunct="1">
       <a:defRPr sz="1800" kern="1200">
         <a:solidFill>
           <a:schemeClr val="tx1"/>
@@ -54,7 +53,7 @@
         <a:cs typeface="+mn-cs"/>
       </a:defRPr>
     </a:lvl4pPr>
-    <a:lvl5pPr marL="1828800" algn="l" defTabSz="914400" rtl="0" eaLnBrk="1" latinLnBrk="1" hangingPunct="1">
+    <a:lvl5pPr marL="1828800" algn="l" defTabSz="457200" rtl="0" eaLnBrk="1" latinLnBrk="0" hangingPunct="1">
       <a:defRPr sz="1800" kern="1200">
         <a:solidFill>
           <a:schemeClr val="tx1"/>
@@ -64,7 +63,7 @@
         <a:cs typeface="+mn-cs"/>
       </a:defRPr>
     </a:lvl5pPr>
-    <a:lvl6pPr marL="2286000" algn="l" defTabSz="914400" rtl="0" eaLnBrk="1" latinLnBrk="1" hangingPunct="1">
+    <a:lvl6pPr marL="2286000" algn="l" defTabSz="457200" rtl="0" eaLnBrk="1" latinLnBrk="0" hangingPunct="1">
       <a:defRPr sz="1800" kern="1200">
         <a:solidFill>
           <a:schemeClr val="tx1"/>
@@ -74,7 +73,7 @@
         <a:cs typeface="+mn-cs"/>
       </a:defRPr>
     </a:lvl6pPr>
-    <a:lvl7pPr marL="2743200" algn="l" defTabSz="914400" rtl="0" eaLnBrk="1" latinLnBrk="1" hangingPunct="1">
+    <a:lvl7pPr marL="2743200" algn="l" defTabSz="457200" rtl="0" eaLnBrk="1" latinLnBrk="0" hangingPunct="1">
       <a:defRPr sz="1800" kern="1200">
         <a:solidFill>
           <a:schemeClr val="tx1"/>
@@ -84,7 +83,7 @@
         <a:cs typeface="+mn-cs"/>
       </a:defRPr>
     </a:lvl7pPr>
-    <a:lvl8pPr marL="3200400" algn="l" defTabSz="914400" rtl="0" eaLnBrk="1" latinLnBrk="1" hangingPunct="1">
+    <a:lvl8pPr marL="3200400" algn="l" defTabSz="457200" rtl="0" eaLnBrk="1" latinLnBrk="0" hangingPunct="1">
       <a:defRPr sz="1800" kern="1200">
         <a:solidFill>
           <a:schemeClr val="tx1"/>
@@ -94,7 +93,7 @@
         <a:cs typeface="+mn-cs"/>
       </a:defRPr>
     </a:lvl8pPr>
-    <a:lvl9pPr marL="3657600" algn="l" defTabSz="914400" rtl="0" eaLnBrk="1" latinLnBrk="1" hangingPunct="1">
+    <a:lvl9pPr marL="3657600" algn="l" defTabSz="457200" rtl="0" eaLnBrk="1" latinLnBrk="0" hangingPunct="1">
       <a:defRPr sz="1800" kern="1200">
         <a:solidFill>
           <a:schemeClr val="tx1"/>
@@ -132,7 +131,7 @@
       </p:grpSpPr>
       <p:sp>
         <p:nvSpPr>
-          <p:cNvPr id="2" name="제목 1"/>
+          <p:cNvPr id="2" name="Title 1"/>
           <p:cNvSpPr>
             <a:spLocks noGrp="1"/>
           </p:cNvSpPr>
@@ -142,15 +141,15 @@
         </p:nvSpPr>
         <p:spPr>
           <a:xfrm>
-            <a:off x="1524000" y="1122363"/>
-            <a:ext cx="9144000" cy="2387600"/>
+            <a:off x="2699981" y="5891626"/>
+            <a:ext cx="30599777" cy="12533242"/>
           </a:xfrm>
         </p:spPr>
         <p:txBody>
           <a:bodyPr anchor="b"/>
           <a:lstStyle>
             <a:lvl1pPr algn="ctr">
-              <a:defRPr sz="6000"/>
+              <a:defRPr sz="23622"/>
             </a:lvl1pPr>
           </a:lstStyle>
           <a:p>
@@ -158,12 +157,13 @@
               <a:rPr lang="ko-KR" altLang="en-US"/>
               <a:t>마스터 제목 스타일 편집</a:t>
             </a:r>
-          </a:p>
-        </p:txBody>
-      </p:sp>
-      <p:sp>
-        <p:nvSpPr>
-          <p:cNvPr id="3" name="부제목 2"/>
+            <a:endParaRPr lang="en-US" dirty="0"/>
+          </a:p>
+        </p:txBody>
+      </p:sp>
+      <p:sp>
+        <p:nvSpPr>
+          <p:cNvPr id="3" name="Subtitle 2"/>
           <p:cNvSpPr>
             <a:spLocks noGrp="1"/>
           </p:cNvSpPr>
@@ -173,8 +173,8 @@
         </p:nvSpPr>
         <p:spPr>
           <a:xfrm>
-            <a:off x="1524000" y="3602038"/>
-            <a:ext cx="9144000" cy="1655762"/>
+            <a:off x="4499967" y="18908198"/>
+            <a:ext cx="26999804" cy="8691601"/>
           </a:xfrm>
         </p:spPr>
         <p:txBody>
@@ -182,39 +182,39 @@
           <a:lstStyle>
             <a:lvl1pPr marL="0" indent="0" algn="ctr">
               <a:buNone/>
-              <a:defRPr sz="2400"/>
+              <a:defRPr sz="9449"/>
             </a:lvl1pPr>
-            <a:lvl2pPr marL="457200" indent="0" algn="ctr">
-              <a:buNone/>
-              <a:defRPr sz="2000"/>
+            <a:lvl2pPr marL="1799996" indent="0" algn="ctr">
+              <a:buNone/>
+              <a:defRPr sz="7874"/>
             </a:lvl2pPr>
-            <a:lvl3pPr marL="914400" indent="0" algn="ctr">
-              <a:buNone/>
-              <a:defRPr sz="1800"/>
+            <a:lvl3pPr marL="3599993" indent="0" algn="ctr">
+              <a:buNone/>
+              <a:defRPr sz="7087"/>
             </a:lvl3pPr>
-            <a:lvl4pPr marL="1371600" indent="0" algn="ctr">
-              <a:buNone/>
-              <a:defRPr sz="1600"/>
+            <a:lvl4pPr marL="5399989" indent="0" algn="ctr">
+              <a:buNone/>
+              <a:defRPr sz="6299"/>
             </a:lvl4pPr>
-            <a:lvl5pPr marL="1828800" indent="0" algn="ctr">
-              <a:buNone/>
-              <a:defRPr sz="1600"/>
+            <a:lvl5pPr marL="7199986" indent="0" algn="ctr">
+              <a:buNone/>
+              <a:defRPr sz="6299"/>
             </a:lvl5pPr>
-            <a:lvl6pPr marL="2286000" indent="0" algn="ctr">
-              <a:buNone/>
-              <a:defRPr sz="1600"/>
+            <a:lvl6pPr marL="8999982" indent="0" algn="ctr">
+              <a:buNone/>
+              <a:defRPr sz="6299"/>
             </a:lvl6pPr>
-            <a:lvl7pPr marL="2743200" indent="0" algn="ctr">
-              <a:buNone/>
-              <a:defRPr sz="1600"/>
+            <a:lvl7pPr marL="10799978" indent="0" algn="ctr">
+              <a:buNone/>
+              <a:defRPr sz="6299"/>
             </a:lvl7pPr>
-            <a:lvl8pPr marL="3200400" indent="0" algn="ctr">
-              <a:buNone/>
-              <a:defRPr sz="1600"/>
+            <a:lvl8pPr marL="12599975" indent="0" algn="ctr">
+              <a:buNone/>
+              <a:defRPr sz="6299"/>
             </a:lvl8pPr>
-            <a:lvl9pPr marL="3657600" indent="0" algn="ctr">
-              <a:buNone/>
-              <a:defRPr sz="1600"/>
+            <a:lvl9pPr marL="14399971" indent="0" algn="ctr">
+              <a:buNone/>
+              <a:defRPr sz="6299"/>
             </a:lvl9pPr>
           </a:lstStyle>
           <a:p>
@@ -222,12 +222,13 @@
               <a:rPr lang="ko-KR" altLang="en-US"/>
               <a:t>클릭하여 마스터 부제목 스타일 편집</a:t>
             </a:r>
-          </a:p>
-        </p:txBody>
-      </p:sp>
-      <p:sp>
-        <p:nvSpPr>
-          <p:cNvPr id="4" name="날짜 개체 틀 3"/>
+            <a:endParaRPr lang="en-US" dirty="0"/>
+          </a:p>
+        </p:txBody>
+      </p:sp>
+      <p:sp>
+        <p:nvSpPr>
+          <p:cNvPr id="4" name="Date Placeholder 3"/>
           <p:cNvSpPr>
             <a:spLocks noGrp="1"/>
           </p:cNvSpPr>
@@ -242,7 +243,7 @@
           <a:p>
             <a:fld id="{FEB97611-7D34-4565-8BE2-EC668B9DC89E}" type="datetimeFigureOut">
               <a:rPr lang="ko-KR" altLang="en-US" smtClean="0"/>
-              <a:t>2016-05-23</a:t>
+              <a:t>2016-05-24</a:t>
             </a:fld>
             <a:endParaRPr lang="ko-KR" altLang="en-US"/>
           </a:p>
@@ -250,7 +251,7 @@
       </p:sp>
       <p:sp>
         <p:nvSpPr>
-          <p:cNvPr id="5" name="바닥글 개체 틀 4"/>
+          <p:cNvPr id="5" name="Footer Placeholder 4"/>
           <p:cNvSpPr>
             <a:spLocks noGrp="1"/>
           </p:cNvSpPr>
@@ -269,7 +270,7 @@
       </p:sp>
       <p:sp>
         <p:nvSpPr>
-          <p:cNvPr id="6" name="슬라이드 번호 개체 틀 5"/>
+          <p:cNvPr id="6" name="Slide Number Placeholder 5"/>
           <p:cNvSpPr>
             <a:spLocks noGrp="1"/>
           </p:cNvSpPr>
@@ -293,7 +294,7 @@
     </p:spTree>
     <p:extLst>
       <p:ext uri="{BB962C8B-B14F-4D97-AF65-F5344CB8AC3E}">
-        <p14:creationId xmlns:p14="http://schemas.microsoft.com/office/powerpoint/2010/main" val="781542660"/>
+        <p14:creationId xmlns:p14="http://schemas.microsoft.com/office/powerpoint/2010/main" val="4171467523"/>
       </p:ext>
     </p:extLst>
   </p:cSld>
@@ -322,7 +323,7 @@
       </p:grpSpPr>
       <p:sp>
         <p:nvSpPr>
-          <p:cNvPr id="2" name="제목 1"/>
+          <p:cNvPr id="2" name="Title 1"/>
           <p:cNvSpPr>
             <a:spLocks noGrp="1"/>
           </p:cNvSpPr>
@@ -339,12 +340,13 @@
               <a:rPr lang="ko-KR" altLang="en-US"/>
               <a:t>마스터 제목 스타일 편집</a:t>
             </a:r>
-          </a:p>
-        </p:txBody>
-      </p:sp>
-      <p:sp>
-        <p:nvSpPr>
-          <p:cNvPr id="3" name="세로 텍스트 개체 틀 2"/>
+            <a:endParaRPr lang="en-US" dirty="0"/>
+          </a:p>
+        </p:txBody>
+      </p:sp>
+      <p:sp>
+        <p:nvSpPr>
+          <p:cNvPr id="3" name="Vertical Text Placeholder 2"/>
           <p:cNvSpPr>
             <a:spLocks noGrp="1"/>
           </p:cNvSpPr>
@@ -390,12 +392,13 @@
               <a:rPr lang="ko-KR" altLang="en-US"/>
               <a:t>다섯째 수준</a:t>
             </a:r>
-          </a:p>
-        </p:txBody>
-      </p:sp>
-      <p:sp>
-        <p:nvSpPr>
-          <p:cNvPr id="4" name="날짜 개체 틀 3"/>
+            <a:endParaRPr lang="en-US" dirty="0"/>
+          </a:p>
+        </p:txBody>
+      </p:sp>
+      <p:sp>
+        <p:nvSpPr>
+          <p:cNvPr id="4" name="Date Placeholder 3"/>
           <p:cNvSpPr>
             <a:spLocks noGrp="1"/>
           </p:cNvSpPr>
@@ -410,7 +413,7 @@
           <a:p>
             <a:fld id="{FEB97611-7D34-4565-8BE2-EC668B9DC89E}" type="datetimeFigureOut">
               <a:rPr lang="ko-KR" altLang="en-US" smtClean="0"/>
-              <a:t>2016-05-23</a:t>
+              <a:t>2016-05-24</a:t>
             </a:fld>
             <a:endParaRPr lang="ko-KR" altLang="en-US"/>
           </a:p>
@@ -418,7 +421,7 @@
       </p:sp>
       <p:sp>
         <p:nvSpPr>
-          <p:cNvPr id="5" name="바닥글 개체 틀 4"/>
+          <p:cNvPr id="5" name="Footer Placeholder 4"/>
           <p:cNvSpPr>
             <a:spLocks noGrp="1"/>
           </p:cNvSpPr>
@@ -437,7 +440,7 @@
       </p:sp>
       <p:sp>
         <p:nvSpPr>
-          <p:cNvPr id="6" name="슬라이드 번호 개체 틀 5"/>
+          <p:cNvPr id="6" name="Slide Number Placeholder 5"/>
           <p:cNvSpPr>
             <a:spLocks noGrp="1"/>
           </p:cNvSpPr>
@@ -461,7 +464,7 @@
     </p:spTree>
     <p:extLst>
       <p:ext uri="{BB962C8B-B14F-4D97-AF65-F5344CB8AC3E}">
-        <p14:creationId xmlns:p14="http://schemas.microsoft.com/office/powerpoint/2010/main" val="2669828515"/>
+        <p14:creationId xmlns:p14="http://schemas.microsoft.com/office/powerpoint/2010/main" val="2094692688"/>
       </p:ext>
     </p:extLst>
   </p:cSld>
@@ -490,7 +493,7 @@
       </p:grpSpPr>
       <p:sp>
         <p:nvSpPr>
-          <p:cNvPr id="2" name="세로 제목 1"/>
+          <p:cNvPr id="2" name="Vertical Title 1"/>
           <p:cNvSpPr>
             <a:spLocks noGrp="1"/>
           </p:cNvSpPr>
@@ -500,8 +503,8 @@
         </p:nvSpPr>
         <p:spPr>
           <a:xfrm>
-            <a:off x="8724900" y="365125"/>
-            <a:ext cx="2628900" cy="5811838"/>
+            <a:off x="25762314" y="1916653"/>
+            <a:ext cx="7762444" cy="30508114"/>
           </a:xfrm>
         </p:spPr>
         <p:txBody>
@@ -512,12 +515,13 @@
               <a:rPr lang="ko-KR" altLang="en-US"/>
               <a:t>마스터 제목 스타일 편집</a:t>
             </a:r>
-          </a:p>
-        </p:txBody>
-      </p:sp>
-      <p:sp>
-        <p:nvSpPr>
-          <p:cNvPr id="3" name="세로 텍스트 개체 틀 2"/>
+            <a:endParaRPr lang="en-US" dirty="0"/>
+          </a:p>
+        </p:txBody>
+      </p:sp>
+      <p:sp>
+        <p:nvSpPr>
+          <p:cNvPr id="3" name="Vertical Text Placeholder 2"/>
           <p:cNvSpPr>
             <a:spLocks noGrp="1"/>
           </p:cNvSpPr>
@@ -527,8 +531,8 @@
         </p:nvSpPr>
         <p:spPr>
           <a:xfrm>
-            <a:off x="838200" y="365125"/>
-            <a:ext cx="7734300" cy="5811838"/>
+            <a:off x="2474984" y="1916653"/>
+            <a:ext cx="22837334" cy="30508114"/>
           </a:xfrm>
         </p:spPr>
         <p:txBody>
@@ -568,12 +572,13 @@
               <a:rPr lang="ko-KR" altLang="en-US"/>
               <a:t>다섯째 수준</a:t>
             </a:r>
-          </a:p>
-        </p:txBody>
-      </p:sp>
-      <p:sp>
-        <p:nvSpPr>
-          <p:cNvPr id="4" name="날짜 개체 틀 3"/>
+            <a:endParaRPr lang="en-US" dirty="0"/>
+          </a:p>
+        </p:txBody>
+      </p:sp>
+      <p:sp>
+        <p:nvSpPr>
+          <p:cNvPr id="4" name="Date Placeholder 3"/>
           <p:cNvSpPr>
             <a:spLocks noGrp="1"/>
           </p:cNvSpPr>
@@ -588,7 +593,7 @@
           <a:p>
             <a:fld id="{FEB97611-7D34-4565-8BE2-EC668B9DC89E}" type="datetimeFigureOut">
               <a:rPr lang="ko-KR" altLang="en-US" smtClean="0"/>
-              <a:t>2016-05-23</a:t>
+              <a:t>2016-05-24</a:t>
             </a:fld>
             <a:endParaRPr lang="ko-KR" altLang="en-US"/>
           </a:p>
@@ -596,7 +601,7 @@
       </p:sp>
       <p:sp>
         <p:nvSpPr>
-          <p:cNvPr id="5" name="바닥글 개체 틀 4"/>
+          <p:cNvPr id="5" name="Footer Placeholder 4"/>
           <p:cNvSpPr>
             <a:spLocks noGrp="1"/>
           </p:cNvSpPr>
@@ -615,7 +620,7 @@
       </p:sp>
       <p:sp>
         <p:nvSpPr>
-          <p:cNvPr id="6" name="슬라이드 번호 개체 틀 5"/>
+          <p:cNvPr id="6" name="Slide Number Placeholder 5"/>
           <p:cNvSpPr>
             <a:spLocks noGrp="1"/>
           </p:cNvSpPr>
@@ -639,7 +644,7 @@
     </p:spTree>
     <p:extLst>
       <p:ext uri="{BB962C8B-B14F-4D97-AF65-F5344CB8AC3E}">
-        <p14:creationId xmlns:p14="http://schemas.microsoft.com/office/powerpoint/2010/main" val="2239879746"/>
+        <p14:creationId xmlns:p14="http://schemas.microsoft.com/office/powerpoint/2010/main" val="929223054"/>
       </p:ext>
     </p:extLst>
   </p:cSld>
@@ -668,7 +673,7 @@
       </p:grpSpPr>
       <p:sp>
         <p:nvSpPr>
-          <p:cNvPr id="2" name="제목 1"/>
+          <p:cNvPr id="2" name="Title 1"/>
           <p:cNvSpPr>
             <a:spLocks noGrp="1"/>
           </p:cNvSpPr>
@@ -685,12 +690,13 @@
               <a:rPr lang="ko-KR" altLang="en-US"/>
               <a:t>마스터 제목 스타일 편집</a:t>
             </a:r>
-          </a:p>
-        </p:txBody>
-      </p:sp>
-      <p:sp>
-        <p:nvSpPr>
-          <p:cNvPr id="3" name="내용 개체 틀 2"/>
+            <a:endParaRPr lang="en-US" dirty="0"/>
+          </a:p>
+        </p:txBody>
+      </p:sp>
+      <p:sp>
+        <p:nvSpPr>
+          <p:cNvPr id="3" name="Content Placeholder 2"/>
           <p:cNvSpPr>
             <a:spLocks noGrp="1"/>
           </p:cNvSpPr>
@@ -736,12 +742,13 @@
               <a:rPr lang="ko-KR" altLang="en-US"/>
               <a:t>다섯째 수준</a:t>
             </a:r>
-          </a:p>
-        </p:txBody>
-      </p:sp>
-      <p:sp>
-        <p:nvSpPr>
-          <p:cNvPr id="4" name="날짜 개체 틀 3"/>
+            <a:endParaRPr lang="en-US" dirty="0"/>
+          </a:p>
+        </p:txBody>
+      </p:sp>
+      <p:sp>
+        <p:nvSpPr>
+          <p:cNvPr id="4" name="Date Placeholder 3"/>
           <p:cNvSpPr>
             <a:spLocks noGrp="1"/>
           </p:cNvSpPr>
@@ -756,7 +763,7 @@
           <a:p>
             <a:fld id="{FEB97611-7D34-4565-8BE2-EC668B9DC89E}" type="datetimeFigureOut">
               <a:rPr lang="ko-KR" altLang="en-US" smtClean="0"/>
-              <a:t>2016-05-23</a:t>
+              <a:t>2016-05-24</a:t>
             </a:fld>
             <a:endParaRPr lang="ko-KR" altLang="en-US"/>
           </a:p>
@@ -764,7 +771,7 @@
       </p:sp>
       <p:sp>
         <p:nvSpPr>
-          <p:cNvPr id="5" name="바닥글 개체 틀 4"/>
+          <p:cNvPr id="5" name="Footer Placeholder 4"/>
           <p:cNvSpPr>
             <a:spLocks noGrp="1"/>
           </p:cNvSpPr>
@@ -783,7 +790,7 @@
       </p:sp>
       <p:sp>
         <p:nvSpPr>
-          <p:cNvPr id="6" name="슬라이드 번호 개체 틀 5"/>
+          <p:cNvPr id="6" name="Slide Number Placeholder 5"/>
           <p:cNvSpPr>
             <a:spLocks noGrp="1"/>
           </p:cNvSpPr>
@@ -807,7 +814,7 @@
     </p:spTree>
     <p:extLst>
       <p:ext uri="{BB962C8B-B14F-4D97-AF65-F5344CB8AC3E}">
-        <p14:creationId xmlns:p14="http://schemas.microsoft.com/office/powerpoint/2010/main" val="2099986918"/>
+        <p14:creationId xmlns:p14="http://schemas.microsoft.com/office/powerpoint/2010/main" val="845491960"/>
       </p:ext>
     </p:extLst>
   </p:cSld>
@@ -836,7 +843,7 @@
       </p:grpSpPr>
       <p:sp>
         <p:nvSpPr>
-          <p:cNvPr id="2" name="제목 1"/>
+          <p:cNvPr id="2" name="Title 1"/>
           <p:cNvSpPr>
             <a:spLocks noGrp="1"/>
           </p:cNvSpPr>
@@ -846,15 +853,15 @@
         </p:nvSpPr>
         <p:spPr>
           <a:xfrm>
-            <a:off x="831850" y="1709738"/>
-            <a:ext cx="10515600" cy="2852737"/>
+            <a:off x="2456234" y="8974945"/>
+            <a:ext cx="31049774" cy="14974888"/>
           </a:xfrm>
         </p:spPr>
         <p:txBody>
           <a:bodyPr anchor="b"/>
           <a:lstStyle>
             <a:lvl1pPr>
-              <a:defRPr sz="6000"/>
+              <a:defRPr sz="23622"/>
             </a:lvl1pPr>
           </a:lstStyle>
           <a:p>
@@ -862,12 +869,13 @@
               <a:rPr lang="ko-KR" altLang="en-US"/>
               <a:t>마스터 제목 스타일 편집</a:t>
             </a:r>
-          </a:p>
-        </p:txBody>
-      </p:sp>
-      <p:sp>
-        <p:nvSpPr>
-          <p:cNvPr id="3" name="텍스트 개체 틀 2"/>
+            <a:endParaRPr lang="en-US" dirty="0"/>
+          </a:p>
+        </p:txBody>
+      </p:sp>
+      <p:sp>
+        <p:nvSpPr>
+          <p:cNvPr id="3" name="Text Placeholder 2"/>
           <p:cNvSpPr>
             <a:spLocks noGrp="1"/>
           </p:cNvSpPr>
@@ -877,8 +885,8 @@
         </p:nvSpPr>
         <p:spPr>
           <a:xfrm>
-            <a:off x="831850" y="4589463"/>
-            <a:ext cx="10515600" cy="1500187"/>
+            <a:off x="2456234" y="24091502"/>
+            <a:ext cx="31049774" cy="7874940"/>
           </a:xfrm>
         </p:spPr>
         <p:txBody>
@@ -886,17 +894,15 @@
           <a:lstStyle>
             <a:lvl1pPr marL="0" indent="0">
               <a:buNone/>
-              <a:defRPr sz="2400">
+              <a:defRPr sz="9449">
                 <a:solidFill>
-                  <a:schemeClr val="tx1">
-                    <a:tint val="75000"/>
-                  </a:schemeClr>
+                  <a:schemeClr val="tx1"/>
                 </a:solidFill>
               </a:defRPr>
             </a:lvl1pPr>
-            <a:lvl2pPr marL="457200" indent="0">
-              <a:buNone/>
-              <a:defRPr sz="2000">
+            <a:lvl2pPr marL="1799996" indent="0">
+              <a:buNone/>
+              <a:defRPr sz="7874">
                 <a:solidFill>
                   <a:schemeClr val="tx1">
                     <a:tint val="75000"/>
@@ -904,9 +910,9 @@
                 </a:solidFill>
               </a:defRPr>
             </a:lvl2pPr>
-            <a:lvl3pPr marL="914400" indent="0">
-              <a:buNone/>
-              <a:defRPr sz="1800">
+            <a:lvl3pPr marL="3599993" indent="0">
+              <a:buNone/>
+              <a:defRPr sz="7087">
                 <a:solidFill>
                   <a:schemeClr val="tx1">
                     <a:tint val="75000"/>
@@ -914,9 +920,9 @@
                 </a:solidFill>
               </a:defRPr>
             </a:lvl3pPr>
-            <a:lvl4pPr marL="1371600" indent="0">
-              <a:buNone/>
-              <a:defRPr sz="1600">
+            <a:lvl4pPr marL="5399989" indent="0">
+              <a:buNone/>
+              <a:defRPr sz="6299">
                 <a:solidFill>
                   <a:schemeClr val="tx1">
                     <a:tint val="75000"/>
@@ -924,9 +930,9 @@
                 </a:solidFill>
               </a:defRPr>
             </a:lvl4pPr>
-            <a:lvl5pPr marL="1828800" indent="0">
-              <a:buNone/>
-              <a:defRPr sz="1600">
+            <a:lvl5pPr marL="7199986" indent="0">
+              <a:buNone/>
+              <a:defRPr sz="6299">
                 <a:solidFill>
                   <a:schemeClr val="tx1">
                     <a:tint val="75000"/>
@@ -934,9 +940,9 @@
                 </a:solidFill>
               </a:defRPr>
             </a:lvl5pPr>
-            <a:lvl6pPr marL="2286000" indent="0">
-              <a:buNone/>
-              <a:defRPr sz="1600">
+            <a:lvl6pPr marL="8999982" indent="0">
+              <a:buNone/>
+              <a:defRPr sz="6299">
                 <a:solidFill>
                   <a:schemeClr val="tx1">
                     <a:tint val="75000"/>
@@ -944,9 +950,9 @@
                 </a:solidFill>
               </a:defRPr>
             </a:lvl6pPr>
-            <a:lvl7pPr marL="2743200" indent="0">
-              <a:buNone/>
-              <a:defRPr sz="1600">
+            <a:lvl7pPr marL="10799978" indent="0">
+              <a:buNone/>
+              <a:defRPr sz="6299">
                 <a:solidFill>
                   <a:schemeClr val="tx1">
                     <a:tint val="75000"/>
@@ -954,9 +960,9 @@
                 </a:solidFill>
               </a:defRPr>
             </a:lvl7pPr>
-            <a:lvl8pPr marL="3200400" indent="0">
-              <a:buNone/>
-              <a:defRPr sz="1600">
+            <a:lvl8pPr marL="12599975" indent="0">
+              <a:buNone/>
+              <a:defRPr sz="6299">
                 <a:solidFill>
                   <a:schemeClr val="tx1">
                     <a:tint val="75000"/>
@@ -964,9 +970,9 @@
                 </a:solidFill>
               </a:defRPr>
             </a:lvl8pPr>
-            <a:lvl9pPr marL="3657600" indent="0">
-              <a:buNone/>
-              <a:defRPr sz="1600">
+            <a:lvl9pPr marL="14399971" indent="0">
+              <a:buNone/>
+              <a:defRPr sz="6299">
                 <a:solidFill>
                   <a:schemeClr val="tx1">
                     <a:tint val="75000"/>
@@ -986,7 +992,7 @@
       </p:sp>
       <p:sp>
         <p:nvSpPr>
-          <p:cNvPr id="4" name="날짜 개체 틀 3"/>
+          <p:cNvPr id="4" name="Date Placeholder 3"/>
           <p:cNvSpPr>
             <a:spLocks noGrp="1"/>
           </p:cNvSpPr>
@@ -1001,7 +1007,7 @@
           <a:p>
             <a:fld id="{FEB97611-7D34-4565-8BE2-EC668B9DC89E}" type="datetimeFigureOut">
               <a:rPr lang="ko-KR" altLang="en-US" smtClean="0"/>
-              <a:t>2016-05-23</a:t>
+              <a:t>2016-05-24</a:t>
             </a:fld>
             <a:endParaRPr lang="ko-KR" altLang="en-US"/>
           </a:p>
@@ -1009,7 +1015,7 @@
       </p:sp>
       <p:sp>
         <p:nvSpPr>
-          <p:cNvPr id="5" name="바닥글 개체 틀 4"/>
+          <p:cNvPr id="5" name="Footer Placeholder 4"/>
           <p:cNvSpPr>
             <a:spLocks noGrp="1"/>
           </p:cNvSpPr>
@@ -1028,7 +1034,7 @@
       </p:sp>
       <p:sp>
         <p:nvSpPr>
-          <p:cNvPr id="6" name="슬라이드 번호 개체 틀 5"/>
+          <p:cNvPr id="6" name="Slide Number Placeholder 5"/>
           <p:cNvSpPr>
             <a:spLocks noGrp="1"/>
           </p:cNvSpPr>
@@ -1052,7 +1058,7 @@
     </p:spTree>
     <p:extLst>
       <p:ext uri="{BB962C8B-B14F-4D97-AF65-F5344CB8AC3E}">
-        <p14:creationId xmlns:p14="http://schemas.microsoft.com/office/powerpoint/2010/main" val="4207693328"/>
+        <p14:creationId xmlns:p14="http://schemas.microsoft.com/office/powerpoint/2010/main" val="1305332477"/>
       </p:ext>
     </p:extLst>
   </p:cSld>
@@ -1081,7 +1087,7 @@
       </p:grpSpPr>
       <p:sp>
         <p:nvSpPr>
-          <p:cNvPr id="2" name="제목 1"/>
+          <p:cNvPr id="2" name="Title 1"/>
           <p:cNvSpPr>
             <a:spLocks noGrp="1"/>
           </p:cNvSpPr>
@@ -1098,12 +1104,13 @@
               <a:rPr lang="ko-KR" altLang="en-US"/>
               <a:t>마스터 제목 스타일 편집</a:t>
             </a:r>
-          </a:p>
-        </p:txBody>
-      </p:sp>
-      <p:sp>
-        <p:nvSpPr>
-          <p:cNvPr id="3" name="내용 개체 틀 2"/>
+            <a:endParaRPr lang="en-US" dirty="0"/>
+          </a:p>
+        </p:txBody>
+      </p:sp>
+      <p:sp>
+        <p:nvSpPr>
+          <p:cNvPr id="3" name="Content Placeholder 2"/>
           <p:cNvSpPr>
             <a:spLocks noGrp="1"/>
           </p:cNvSpPr>
@@ -1113,8 +1120,8 @@
         </p:nvSpPr>
         <p:spPr>
           <a:xfrm>
-            <a:off x="838200" y="1825625"/>
-            <a:ext cx="5181600" cy="4351338"/>
+            <a:off x="2474982" y="9583264"/>
+            <a:ext cx="15299889" cy="22841503"/>
           </a:xfrm>
         </p:spPr>
         <p:txBody>
@@ -1154,12 +1161,13 @@
               <a:rPr lang="ko-KR" altLang="en-US"/>
               <a:t>다섯째 수준</a:t>
             </a:r>
-          </a:p>
-        </p:txBody>
-      </p:sp>
-      <p:sp>
-        <p:nvSpPr>
-          <p:cNvPr id="4" name="내용 개체 틀 3"/>
+            <a:endParaRPr lang="en-US" dirty="0"/>
+          </a:p>
+        </p:txBody>
+      </p:sp>
+      <p:sp>
+        <p:nvSpPr>
+          <p:cNvPr id="4" name="Content Placeholder 3"/>
           <p:cNvSpPr>
             <a:spLocks noGrp="1"/>
           </p:cNvSpPr>
@@ -1169,8 +1177,8 @@
         </p:nvSpPr>
         <p:spPr>
           <a:xfrm>
-            <a:off x="6172200" y="1825625"/>
-            <a:ext cx="5181600" cy="4351338"/>
+            <a:off x="18224867" y="9583264"/>
+            <a:ext cx="15299889" cy="22841503"/>
           </a:xfrm>
         </p:spPr>
         <p:txBody>
@@ -1210,12 +1218,13 @@
               <a:rPr lang="ko-KR" altLang="en-US"/>
               <a:t>다섯째 수준</a:t>
             </a:r>
-          </a:p>
-        </p:txBody>
-      </p:sp>
-      <p:sp>
-        <p:nvSpPr>
-          <p:cNvPr id="5" name="날짜 개체 틀 4"/>
+            <a:endParaRPr lang="en-US" dirty="0"/>
+          </a:p>
+        </p:txBody>
+      </p:sp>
+      <p:sp>
+        <p:nvSpPr>
+          <p:cNvPr id="5" name="Date Placeholder 4"/>
           <p:cNvSpPr>
             <a:spLocks noGrp="1"/>
           </p:cNvSpPr>
@@ -1230,7 +1239,7 @@
           <a:p>
             <a:fld id="{FEB97611-7D34-4565-8BE2-EC668B9DC89E}" type="datetimeFigureOut">
               <a:rPr lang="ko-KR" altLang="en-US" smtClean="0"/>
-              <a:t>2016-05-23</a:t>
+              <a:t>2016-05-24</a:t>
             </a:fld>
             <a:endParaRPr lang="ko-KR" altLang="en-US"/>
           </a:p>
@@ -1238,7 +1247,7 @@
       </p:sp>
       <p:sp>
         <p:nvSpPr>
-          <p:cNvPr id="6" name="바닥글 개체 틀 5"/>
+          <p:cNvPr id="6" name="Footer Placeholder 5"/>
           <p:cNvSpPr>
             <a:spLocks noGrp="1"/>
           </p:cNvSpPr>
@@ -1257,7 +1266,7 @@
       </p:sp>
       <p:sp>
         <p:nvSpPr>
-          <p:cNvPr id="7" name="슬라이드 번호 개체 틀 6"/>
+          <p:cNvPr id="7" name="Slide Number Placeholder 6"/>
           <p:cNvSpPr>
             <a:spLocks noGrp="1"/>
           </p:cNvSpPr>
@@ -1281,7 +1290,7 @@
     </p:spTree>
     <p:extLst>
       <p:ext uri="{BB962C8B-B14F-4D97-AF65-F5344CB8AC3E}">
-        <p14:creationId xmlns:p14="http://schemas.microsoft.com/office/powerpoint/2010/main" val="2175347603"/>
+        <p14:creationId xmlns:p14="http://schemas.microsoft.com/office/powerpoint/2010/main" val="1687923238"/>
       </p:ext>
     </p:extLst>
   </p:cSld>
@@ -1310,7 +1319,7 @@
       </p:grpSpPr>
       <p:sp>
         <p:nvSpPr>
-          <p:cNvPr id="2" name="제목 1"/>
+          <p:cNvPr id="2" name="Title 1"/>
           <p:cNvSpPr>
             <a:spLocks noGrp="1"/>
           </p:cNvSpPr>
@@ -1320,8 +1329,8 @@
         </p:nvSpPr>
         <p:spPr>
           <a:xfrm>
-            <a:off x="839788" y="365125"/>
-            <a:ext cx="10515600" cy="1325563"/>
+            <a:off x="2479671" y="1916661"/>
+            <a:ext cx="31049774" cy="6958285"/>
           </a:xfrm>
         </p:spPr>
         <p:txBody>
@@ -1332,12 +1341,13 @@
               <a:rPr lang="ko-KR" altLang="en-US"/>
               <a:t>마스터 제목 스타일 편집</a:t>
             </a:r>
-          </a:p>
-        </p:txBody>
-      </p:sp>
-      <p:sp>
-        <p:nvSpPr>
-          <p:cNvPr id="3" name="텍스트 개체 틀 2"/>
+            <a:endParaRPr lang="en-US" dirty="0"/>
+          </a:p>
+        </p:txBody>
+      </p:sp>
+      <p:sp>
+        <p:nvSpPr>
+          <p:cNvPr id="3" name="Text Placeholder 2"/>
           <p:cNvSpPr>
             <a:spLocks noGrp="1"/>
           </p:cNvSpPr>
@@ -1347,8 +1357,8 @@
         </p:nvSpPr>
         <p:spPr>
           <a:xfrm>
-            <a:off x="839788" y="1681163"/>
-            <a:ext cx="5157787" cy="823912"/>
+            <a:off x="2479675" y="8824938"/>
+            <a:ext cx="15229574" cy="4324966"/>
           </a:xfrm>
         </p:spPr>
         <p:txBody>
@@ -1356,39 +1366,39 @@
           <a:lstStyle>
             <a:lvl1pPr marL="0" indent="0">
               <a:buNone/>
-              <a:defRPr sz="2400" b="1"/>
+              <a:defRPr sz="9449" b="1"/>
             </a:lvl1pPr>
-            <a:lvl2pPr marL="457200" indent="0">
-              <a:buNone/>
-              <a:defRPr sz="2000" b="1"/>
+            <a:lvl2pPr marL="1799996" indent="0">
+              <a:buNone/>
+              <a:defRPr sz="7874" b="1"/>
             </a:lvl2pPr>
-            <a:lvl3pPr marL="914400" indent="0">
-              <a:buNone/>
-              <a:defRPr sz="1800" b="1"/>
+            <a:lvl3pPr marL="3599993" indent="0">
+              <a:buNone/>
+              <a:defRPr sz="7087" b="1"/>
             </a:lvl3pPr>
-            <a:lvl4pPr marL="1371600" indent="0">
-              <a:buNone/>
-              <a:defRPr sz="1600" b="1"/>
+            <a:lvl4pPr marL="5399989" indent="0">
+              <a:buNone/>
+              <a:defRPr sz="6299" b="1"/>
             </a:lvl4pPr>
-            <a:lvl5pPr marL="1828800" indent="0">
-              <a:buNone/>
-              <a:defRPr sz="1600" b="1"/>
+            <a:lvl5pPr marL="7199986" indent="0">
+              <a:buNone/>
+              <a:defRPr sz="6299" b="1"/>
             </a:lvl5pPr>
-            <a:lvl6pPr marL="2286000" indent="0">
-              <a:buNone/>
-              <a:defRPr sz="1600" b="1"/>
+            <a:lvl6pPr marL="8999982" indent="0">
+              <a:buNone/>
+              <a:defRPr sz="6299" b="1"/>
             </a:lvl6pPr>
-            <a:lvl7pPr marL="2743200" indent="0">
-              <a:buNone/>
-              <a:defRPr sz="1600" b="1"/>
+            <a:lvl7pPr marL="10799978" indent="0">
+              <a:buNone/>
+              <a:defRPr sz="6299" b="1"/>
             </a:lvl7pPr>
-            <a:lvl8pPr marL="3200400" indent="0">
-              <a:buNone/>
-              <a:defRPr sz="1600" b="1"/>
+            <a:lvl8pPr marL="12599975" indent="0">
+              <a:buNone/>
+              <a:defRPr sz="6299" b="1"/>
             </a:lvl8pPr>
-            <a:lvl9pPr marL="3657600" indent="0">
-              <a:buNone/>
-              <a:defRPr sz="1600" b="1"/>
+            <a:lvl9pPr marL="14399971" indent="0">
+              <a:buNone/>
+              <a:defRPr sz="6299" b="1"/>
             </a:lvl9pPr>
           </a:lstStyle>
           <a:p>
@@ -1402,7 +1412,7 @@
       </p:sp>
       <p:sp>
         <p:nvSpPr>
-          <p:cNvPr id="4" name="내용 개체 틀 3"/>
+          <p:cNvPr id="4" name="Content Placeholder 3"/>
           <p:cNvSpPr>
             <a:spLocks noGrp="1"/>
           </p:cNvSpPr>
@@ -1412,8 +1422,8 @@
         </p:nvSpPr>
         <p:spPr>
           <a:xfrm>
-            <a:off x="839788" y="2505075"/>
-            <a:ext cx="5157787" cy="3684588"/>
+            <a:off x="2479675" y="13149904"/>
+            <a:ext cx="15229574" cy="19341529"/>
           </a:xfrm>
         </p:spPr>
         <p:txBody>
@@ -1453,12 +1463,13 @@
               <a:rPr lang="ko-KR" altLang="en-US"/>
               <a:t>다섯째 수준</a:t>
             </a:r>
-          </a:p>
-        </p:txBody>
-      </p:sp>
-      <p:sp>
-        <p:nvSpPr>
-          <p:cNvPr id="5" name="텍스트 개체 틀 4"/>
+            <a:endParaRPr lang="en-US" dirty="0"/>
+          </a:p>
+        </p:txBody>
+      </p:sp>
+      <p:sp>
+        <p:nvSpPr>
+          <p:cNvPr id="5" name="Text Placeholder 4"/>
           <p:cNvSpPr>
             <a:spLocks noGrp="1"/>
           </p:cNvSpPr>
@@ -1468,8 +1479,8 @@
         </p:nvSpPr>
         <p:spPr>
           <a:xfrm>
-            <a:off x="6172200" y="1681163"/>
-            <a:ext cx="5183188" cy="823912"/>
+            <a:off x="18224869" y="8824938"/>
+            <a:ext cx="15304578" cy="4324966"/>
           </a:xfrm>
         </p:spPr>
         <p:txBody>
@@ -1477,39 +1488,39 @@
           <a:lstStyle>
             <a:lvl1pPr marL="0" indent="0">
               <a:buNone/>
-              <a:defRPr sz="2400" b="1"/>
+              <a:defRPr sz="9449" b="1"/>
             </a:lvl1pPr>
-            <a:lvl2pPr marL="457200" indent="0">
-              <a:buNone/>
-              <a:defRPr sz="2000" b="1"/>
+            <a:lvl2pPr marL="1799996" indent="0">
+              <a:buNone/>
+              <a:defRPr sz="7874" b="1"/>
             </a:lvl2pPr>
-            <a:lvl3pPr marL="914400" indent="0">
-              <a:buNone/>
-              <a:defRPr sz="1800" b="1"/>
+            <a:lvl3pPr marL="3599993" indent="0">
+              <a:buNone/>
+              <a:defRPr sz="7087" b="1"/>
             </a:lvl3pPr>
-            <a:lvl4pPr marL="1371600" indent="0">
-              <a:buNone/>
-              <a:defRPr sz="1600" b="1"/>
+            <a:lvl4pPr marL="5399989" indent="0">
+              <a:buNone/>
+              <a:defRPr sz="6299" b="1"/>
             </a:lvl4pPr>
-            <a:lvl5pPr marL="1828800" indent="0">
-              <a:buNone/>
-              <a:defRPr sz="1600" b="1"/>
+            <a:lvl5pPr marL="7199986" indent="0">
+              <a:buNone/>
+              <a:defRPr sz="6299" b="1"/>
             </a:lvl5pPr>
-            <a:lvl6pPr marL="2286000" indent="0">
-              <a:buNone/>
-              <a:defRPr sz="1600" b="1"/>
+            <a:lvl6pPr marL="8999982" indent="0">
+              <a:buNone/>
+              <a:defRPr sz="6299" b="1"/>
             </a:lvl6pPr>
-            <a:lvl7pPr marL="2743200" indent="0">
-              <a:buNone/>
-              <a:defRPr sz="1600" b="1"/>
+            <a:lvl7pPr marL="10799978" indent="0">
+              <a:buNone/>
+              <a:defRPr sz="6299" b="1"/>
             </a:lvl7pPr>
-            <a:lvl8pPr marL="3200400" indent="0">
-              <a:buNone/>
-              <a:defRPr sz="1600" b="1"/>
+            <a:lvl8pPr marL="12599975" indent="0">
+              <a:buNone/>
+              <a:defRPr sz="6299" b="1"/>
             </a:lvl8pPr>
-            <a:lvl9pPr marL="3657600" indent="0">
-              <a:buNone/>
-              <a:defRPr sz="1600" b="1"/>
+            <a:lvl9pPr marL="14399971" indent="0">
+              <a:buNone/>
+              <a:defRPr sz="6299" b="1"/>
             </a:lvl9pPr>
           </a:lstStyle>
           <a:p>
@@ -1523,7 +1534,7 @@
       </p:sp>
       <p:sp>
         <p:nvSpPr>
-          <p:cNvPr id="6" name="내용 개체 틀 5"/>
+          <p:cNvPr id="6" name="Content Placeholder 5"/>
           <p:cNvSpPr>
             <a:spLocks noGrp="1"/>
           </p:cNvSpPr>
@@ -1533,8 +1544,8 @@
         </p:nvSpPr>
         <p:spPr>
           <a:xfrm>
-            <a:off x="6172200" y="2505075"/>
-            <a:ext cx="5183188" cy="3684588"/>
+            <a:off x="18224869" y="13149904"/>
+            <a:ext cx="15304578" cy="19341529"/>
           </a:xfrm>
         </p:spPr>
         <p:txBody>
@@ -1574,12 +1585,13 @@
               <a:rPr lang="ko-KR" altLang="en-US"/>
               <a:t>다섯째 수준</a:t>
             </a:r>
-          </a:p>
-        </p:txBody>
-      </p:sp>
-      <p:sp>
-        <p:nvSpPr>
-          <p:cNvPr id="7" name="날짜 개체 틀 6"/>
+            <a:endParaRPr lang="en-US" dirty="0"/>
+          </a:p>
+        </p:txBody>
+      </p:sp>
+      <p:sp>
+        <p:nvSpPr>
+          <p:cNvPr id="7" name="Date Placeholder 6"/>
           <p:cNvSpPr>
             <a:spLocks noGrp="1"/>
           </p:cNvSpPr>
@@ -1594,7 +1606,7 @@
           <a:p>
             <a:fld id="{FEB97611-7D34-4565-8BE2-EC668B9DC89E}" type="datetimeFigureOut">
               <a:rPr lang="ko-KR" altLang="en-US" smtClean="0"/>
-              <a:t>2016-05-23</a:t>
+              <a:t>2016-05-24</a:t>
             </a:fld>
             <a:endParaRPr lang="ko-KR" altLang="en-US"/>
           </a:p>
@@ -1602,7 +1614,7 @@
       </p:sp>
       <p:sp>
         <p:nvSpPr>
-          <p:cNvPr id="8" name="바닥글 개체 틀 7"/>
+          <p:cNvPr id="8" name="Footer Placeholder 7"/>
           <p:cNvSpPr>
             <a:spLocks noGrp="1"/>
           </p:cNvSpPr>
@@ -1621,7 +1633,7 @@
       </p:sp>
       <p:sp>
         <p:nvSpPr>
-          <p:cNvPr id="9" name="슬라이드 번호 개체 틀 8"/>
+          <p:cNvPr id="9" name="Slide Number Placeholder 8"/>
           <p:cNvSpPr>
             <a:spLocks noGrp="1"/>
           </p:cNvSpPr>
@@ -1645,7 +1657,7 @@
     </p:spTree>
     <p:extLst>
       <p:ext uri="{BB962C8B-B14F-4D97-AF65-F5344CB8AC3E}">
-        <p14:creationId xmlns:p14="http://schemas.microsoft.com/office/powerpoint/2010/main" val="2657553607"/>
+        <p14:creationId xmlns:p14="http://schemas.microsoft.com/office/powerpoint/2010/main" val="2395072011"/>
       </p:ext>
     </p:extLst>
   </p:cSld>
@@ -1674,7 +1686,7 @@
       </p:grpSpPr>
       <p:sp>
         <p:nvSpPr>
-          <p:cNvPr id="2" name="제목 1"/>
+          <p:cNvPr id="2" name="Title 1"/>
           <p:cNvSpPr>
             <a:spLocks noGrp="1"/>
           </p:cNvSpPr>
@@ -1691,12 +1703,13 @@
               <a:rPr lang="ko-KR" altLang="en-US"/>
               <a:t>마스터 제목 스타일 편집</a:t>
             </a:r>
-          </a:p>
-        </p:txBody>
-      </p:sp>
-      <p:sp>
-        <p:nvSpPr>
-          <p:cNvPr id="3" name="날짜 개체 틀 2"/>
+            <a:endParaRPr lang="en-US" dirty="0"/>
+          </a:p>
+        </p:txBody>
+      </p:sp>
+      <p:sp>
+        <p:nvSpPr>
+          <p:cNvPr id="3" name="Date Placeholder 2"/>
           <p:cNvSpPr>
             <a:spLocks noGrp="1"/>
           </p:cNvSpPr>
@@ -1711,7 +1724,7 @@
           <a:p>
             <a:fld id="{FEB97611-7D34-4565-8BE2-EC668B9DC89E}" type="datetimeFigureOut">
               <a:rPr lang="ko-KR" altLang="en-US" smtClean="0"/>
-              <a:t>2016-05-23</a:t>
+              <a:t>2016-05-24</a:t>
             </a:fld>
             <a:endParaRPr lang="ko-KR" altLang="en-US"/>
           </a:p>
@@ -1719,7 +1732,7 @@
       </p:sp>
       <p:sp>
         <p:nvSpPr>
-          <p:cNvPr id="4" name="바닥글 개체 틀 3"/>
+          <p:cNvPr id="4" name="Footer Placeholder 3"/>
           <p:cNvSpPr>
             <a:spLocks noGrp="1"/>
           </p:cNvSpPr>
@@ -1738,7 +1751,7 @@
       </p:sp>
       <p:sp>
         <p:nvSpPr>
-          <p:cNvPr id="5" name="슬라이드 번호 개체 틀 4"/>
+          <p:cNvPr id="5" name="Slide Number Placeholder 4"/>
           <p:cNvSpPr>
             <a:spLocks noGrp="1"/>
           </p:cNvSpPr>
@@ -1762,7 +1775,7 @@
     </p:spTree>
     <p:extLst>
       <p:ext uri="{BB962C8B-B14F-4D97-AF65-F5344CB8AC3E}">
-        <p14:creationId xmlns:p14="http://schemas.microsoft.com/office/powerpoint/2010/main" val="3798462279"/>
+        <p14:creationId xmlns:p14="http://schemas.microsoft.com/office/powerpoint/2010/main" val="2021860066"/>
       </p:ext>
     </p:extLst>
   </p:cSld>
@@ -1791,7 +1804,7 @@
       </p:grpSpPr>
       <p:sp>
         <p:nvSpPr>
-          <p:cNvPr id="2" name="날짜 개체 틀 1"/>
+          <p:cNvPr id="2" name="Date Placeholder 1"/>
           <p:cNvSpPr>
             <a:spLocks noGrp="1"/>
           </p:cNvSpPr>
@@ -1806,7 +1819,7 @@
           <a:p>
             <a:fld id="{FEB97611-7D34-4565-8BE2-EC668B9DC89E}" type="datetimeFigureOut">
               <a:rPr lang="ko-KR" altLang="en-US" smtClean="0"/>
-              <a:t>2016-05-23</a:t>
+              <a:t>2016-05-24</a:t>
             </a:fld>
             <a:endParaRPr lang="ko-KR" altLang="en-US"/>
           </a:p>
@@ -1814,7 +1827,7 @@
       </p:sp>
       <p:sp>
         <p:nvSpPr>
-          <p:cNvPr id="3" name="바닥글 개체 틀 2"/>
+          <p:cNvPr id="3" name="Footer Placeholder 2"/>
           <p:cNvSpPr>
             <a:spLocks noGrp="1"/>
           </p:cNvSpPr>
@@ -1833,7 +1846,7 @@
       </p:sp>
       <p:sp>
         <p:nvSpPr>
-          <p:cNvPr id="4" name="슬라이드 번호 개체 틀 3"/>
+          <p:cNvPr id="4" name="Slide Number Placeholder 3"/>
           <p:cNvSpPr>
             <a:spLocks noGrp="1"/>
           </p:cNvSpPr>
@@ -1857,7 +1870,7 @@
     </p:spTree>
     <p:extLst>
       <p:ext uri="{BB962C8B-B14F-4D97-AF65-F5344CB8AC3E}">
-        <p14:creationId xmlns:p14="http://schemas.microsoft.com/office/powerpoint/2010/main" val="2326143981"/>
+        <p14:creationId xmlns:p14="http://schemas.microsoft.com/office/powerpoint/2010/main" val="2787611932"/>
       </p:ext>
     </p:extLst>
   </p:cSld>
@@ -1886,7 +1899,7 @@
       </p:grpSpPr>
       <p:sp>
         <p:nvSpPr>
-          <p:cNvPr id="2" name="제목 1"/>
+          <p:cNvPr id="2" name="Title 1"/>
           <p:cNvSpPr>
             <a:spLocks noGrp="1"/>
           </p:cNvSpPr>
@@ -1896,15 +1909,15 @@
         </p:nvSpPr>
         <p:spPr>
           <a:xfrm>
-            <a:off x="839788" y="457200"/>
-            <a:ext cx="3932237" cy="1600200"/>
+            <a:off x="2479671" y="2399982"/>
+            <a:ext cx="11610853" cy="8399939"/>
           </a:xfrm>
         </p:spPr>
         <p:txBody>
           <a:bodyPr anchor="b"/>
           <a:lstStyle>
             <a:lvl1pPr>
-              <a:defRPr sz="3200"/>
+              <a:defRPr sz="12598"/>
             </a:lvl1pPr>
           </a:lstStyle>
           <a:p>
@@ -1912,12 +1925,13 @@
               <a:rPr lang="ko-KR" altLang="en-US"/>
               <a:t>마스터 제목 스타일 편집</a:t>
             </a:r>
-          </a:p>
-        </p:txBody>
-      </p:sp>
-      <p:sp>
-        <p:nvSpPr>
-          <p:cNvPr id="3" name="내용 개체 틀 2"/>
+            <a:endParaRPr lang="en-US" dirty="0"/>
+          </a:p>
+        </p:txBody>
+      </p:sp>
+      <p:sp>
+        <p:nvSpPr>
+          <p:cNvPr id="3" name="Content Placeholder 2"/>
           <p:cNvSpPr>
             <a:spLocks noGrp="1"/>
           </p:cNvSpPr>
@@ -1927,39 +1941,39 @@
         </p:nvSpPr>
         <p:spPr>
           <a:xfrm>
-            <a:off x="5183188" y="987425"/>
-            <a:ext cx="6172200" cy="4873625"/>
+            <a:off x="15304578" y="5183304"/>
+            <a:ext cx="18224867" cy="25583147"/>
           </a:xfrm>
         </p:spPr>
         <p:txBody>
           <a:bodyPr/>
           <a:lstStyle>
             <a:lvl1pPr>
-              <a:defRPr sz="3200"/>
+              <a:defRPr sz="12598"/>
             </a:lvl1pPr>
             <a:lvl2pPr>
-              <a:defRPr sz="2800"/>
+              <a:defRPr sz="11024"/>
             </a:lvl2pPr>
             <a:lvl3pPr>
-              <a:defRPr sz="2400"/>
+              <a:defRPr sz="9449"/>
             </a:lvl3pPr>
             <a:lvl4pPr>
-              <a:defRPr sz="2000"/>
+              <a:defRPr sz="7874"/>
             </a:lvl4pPr>
             <a:lvl5pPr>
-              <a:defRPr sz="2000"/>
+              <a:defRPr sz="7874"/>
             </a:lvl5pPr>
             <a:lvl6pPr>
-              <a:defRPr sz="2000"/>
+              <a:defRPr sz="7874"/>
             </a:lvl6pPr>
             <a:lvl7pPr>
-              <a:defRPr sz="2000"/>
+              <a:defRPr sz="7874"/>
             </a:lvl7pPr>
             <a:lvl8pPr>
-              <a:defRPr sz="2000"/>
+              <a:defRPr sz="7874"/>
             </a:lvl8pPr>
             <a:lvl9pPr>
-              <a:defRPr sz="2000"/>
+              <a:defRPr sz="7874"/>
             </a:lvl9pPr>
           </a:lstStyle>
           <a:p>
@@ -1996,12 +2010,13 @@
               <a:rPr lang="ko-KR" altLang="en-US"/>
               <a:t>다섯째 수준</a:t>
             </a:r>
-          </a:p>
-        </p:txBody>
-      </p:sp>
-      <p:sp>
-        <p:nvSpPr>
-          <p:cNvPr id="4" name="텍스트 개체 틀 3"/>
+            <a:endParaRPr lang="en-US" dirty="0"/>
+          </a:p>
+        </p:txBody>
+      </p:sp>
+      <p:sp>
+        <p:nvSpPr>
+          <p:cNvPr id="4" name="Text Placeholder 3"/>
           <p:cNvSpPr>
             <a:spLocks noGrp="1"/>
           </p:cNvSpPr>
@@ -2011,8 +2026,8 @@
         </p:nvSpPr>
         <p:spPr>
           <a:xfrm>
-            <a:off x="839788" y="2057400"/>
-            <a:ext cx="3932237" cy="3811588"/>
+            <a:off x="2479671" y="10799922"/>
+            <a:ext cx="11610853" cy="20008190"/>
           </a:xfrm>
         </p:spPr>
         <p:txBody>
@@ -2020,39 +2035,39 @@
           <a:lstStyle>
             <a:lvl1pPr marL="0" indent="0">
               <a:buNone/>
-              <a:defRPr sz="1600"/>
+              <a:defRPr sz="6299"/>
             </a:lvl1pPr>
-            <a:lvl2pPr marL="457200" indent="0">
-              <a:buNone/>
-              <a:defRPr sz="1400"/>
+            <a:lvl2pPr marL="1799996" indent="0">
+              <a:buNone/>
+              <a:defRPr sz="5512"/>
             </a:lvl2pPr>
-            <a:lvl3pPr marL="914400" indent="0">
-              <a:buNone/>
-              <a:defRPr sz="1200"/>
+            <a:lvl3pPr marL="3599993" indent="0">
+              <a:buNone/>
+              <a:defRPr sz="4724"/>
             </a:lvl3pPr>
-            <a:lvl4pPr marL="1371600" indent="0">
-              <a:buNone/>
-              <a:defRPr sz="1000"/>
+            <a:lvl4pPr marL="5399989" indent="0">
+              <a:buNone/>
+              <a:defRPr sz="3937"/>
             </a:lvl4pPr>
-            <a:lvl5pPr marL="1828800" indent="0">
-              <a:buNone/>
-              <a:defRPr sz="1000"/>
+            <a:lvl5pPr marL="7199986" indent="0">
+              <a:buNone/>
+              <a:defRPr sz="3937"/>
             </a:lvl5pPr>
-            <a:lvl6pPr marL="2286000" indent="0">
-              <a:buNone/>
-              <a:defRPr sz="1000"/>
+            <a:lvl6pPr marL="8999982" indent="0">
+              <a:buNone/>
+              <a:defRPr sz="3937"/>
             </a:lvl6pPr>
-            <a:lvl7pPr marL="2743200" indent="0">
-              <a:buNone/>
-              <a:defRPr sz="1000"/>
+            <a:lvl7pPr marL="10799978" indent="0">
+              <a:buNone/>
+              <a:defRPr sz="3937"/>
             </a:lvl7pPr>
-            <a:lvl8pPr marL="3200400" indent="0">
-              <a:buNone/>
-              <a:defRPr sz="1000"/>
+            <a:lvl8pPr marL="12599975" indent="0">
+              <a:buNone/>
+              <a:defRPr sz="3937"/>
             </a:lvl8pPr>
-            <a:lvl9pPr marL="3657600" indent="0">
-              <a:buNone/>
-              <a:defRPr sz="1000"/>
+            <a:lvl9pPr marL="14399971" indent="0">
+              <a:buNone/>
+              <a:defRPr sz="3937"/>
             </a:lvl9pPr>
           </a:lstStyle>
           <a:p>
@@ -2066,7 +2081,7 @@
       </p:sp>
       <p:sp>
         <p:nvSpPr>
-          <p:cNvPr id="5" name="날짜 개체 틀 4"/>
+          <p:cNvPr id="5" name="Date Placeholder 4"/>
           <p:cNvSpPr>
             <a:spLocks noGrp="1"/>
           </p:cNvSpPr>
@@ -2081,7 +2096,7 @@
           <a:p>
             <a:fld id="{FEB97611-7D34-4565-8BE2-EC668B9DC89E}" type="datetimeFigureOut">
               <a:rPr lang="ko-KR" altLang="en-US" smtClean="0"/>
-              <a:t>2016-05-23</a:t>
+              <a:t>2016-05-24</a:t>
             </a:fld>
             <a:endParaRPr lang="ko-KR" altLang="en-US"/>
           </a:p>
@@ -2089,7 +2104,7 @@
       </p:sp>
       <p:sp>
         <p:nvSpPr>
-          <p:cNvPr id="6" name="바닥글 개체 틀 5"/>
+          <p:cNvPr id="6" name="Footer Placeholder 5"/>
           <p:cNvSpPr>
             <a:spLocks noGrp="1"/>
           </p:cNvSpPr>
@@ -2108,7 +2123,7 @@
       </p:sp>
       <p:sp>
         <p:nvSpPr>
-          <p:cNvPr id="7" name="슬라이드 번호 개체 틀 6"/>
+          <p:cNvPr id="7" name="Slide Number Placeholder 6"/>
           <p:cNvSpPr>
             <a:spLocks noGrp="1"/>
           </p:cNvSpPr>
@@ -2132,7 +2147,7 @@
     </p:spTree>
     <p:extLst>
       <p:ext uri="{BB962C8B-B14F-4D97-AF65-F5344CB8AC3E}">
-        <p14:creationId xmlns:p14="http://schemas.microsoft.com/office/powerpoint/2010/main" val="3417191012"/>
+        <p14:creationId xmlns:p14="http://schemas.microsoft.com/office/powerpoint/2010/main" val="478914223"/>
       </p:ext>
     </p:extLst>
   </p:cSld>
@@ -2161,7 +2176,7 @@
       </p:grpSpPr>
       <p:sp>
         <p:nvSpPr>
-          <p:cNvPr id="2" name="제목 1"/>
+          <p:cNvPr id="2" name="Title 1"/>
           <p:cNvSpPr>
             <a:spLocks noGrp="1"/>
           </p:cNvSpPr>
@@ -2171,15 +2186,15 @@
         </p:nvSpPr>
         <p:spPr>
           <a:xfrm>
-            <a:off x="839788" y="457200"/>
-            <a:ext cx="3932237" cy="1600200"/>
+            <a:off x="2479671" y="2399982"/>
+            <a:ext cx="11610853" cy="8399939"/>
           </a:xfrm>
         </p:spPr>
         <p:txBody>
           <a:bodyPr anchor="b"/>
           <a:lstStyle>
             <a:lvl1pPr>
-              <a:defRPr sz="3200"/>
+              <a:defRPr sz="12598"/>
             </a:lvl1pPr>
           </a:lstStyle>
           <a:p>
@@ -2187,14 +2202,15 @@
               <a:rPr lang="ko-KR" altLang="en-US"/>
               <a:t>마스터 제목 스타일 편집</a:t>
             </a:r>
-          </a:p>
-        </p:txBody>
-      </p:sp>
-      <p:sp>
-        <p:nvSpPr>
-          <p:cNvPr id="3" name="그림 개체 틀 2"/>
-          <p:cNvSpPr>
-            <a:spLocks noGrp="1"/>
+            <a:endParaRPr lang="en-US" dirty="0"/>
+          </a:p>
+        </p:txBody>
+      </p:sp>
+      <p:sp>
+        <p:nvSpPr>
+          <p:cNvPr id="3" name="Picture Placeholder 2"/>
+          <p:cNvSpPr>
+            <a:spLocks noGrp="1" noChangeAspect="1"/>
           </p:cNvSpPr>
           <p:nvPr>
             <p:ph type="pic" idx="1"/>
@@ -2202,8 +2218,73 @@
         </p:nvSpPr>
         <p:spPr>
           <a:xfrm>
-            <a:off x="5183188" y="987425"/>
-            <a:ext cx="6172200" cy="4873625"/>
+            <a:off x="15304578" y="5183304"/>
+            <a:ext cx="18224867" cy="25583147"/>
+          </a:xfrm>
+        </p:spPr>
+        <p:txBody>
+          <a:bodyPr anchor="t"/>
+          <a:lstStyle>
+            <a:lvl1pPr marL="0" indent="0">
+              <a:buNone/>
+              <a:defRPr sz="12598"/>
+            </a:lvl1pPr>
+            <a:lvl2pPr marL="1799996" indent="0">
+              <a:buNone/>
+              <a:defRPr sz="11024"/>
+            </a:lvl2pPr>
+            <a:lvl3pPr marL="3599993" indent="0">
+              <a:buNone/>
+              <a:defRPr sz="9449"/>
+            </a:lvl3pPr>
+            <a:lvl4pPr marL="5399989" indent="0">
+              <a:buNone/>
+              <a:defRPr sz="7874"/>
+            </a:lvl4pPr>
+            <a:lvl5pPr marL="7199986" indent="0">
+              <a:buNone/>
+              <a:defRPr sz="7874"/>
+            </a:lvl5pPr>
+            <a:lvl6pPr marL="8999982" indent="0">
+              <a:buNone/>
+              <a:defRPr sz="7874"/>
+            </a:lvl6pPr>
+            <a:lvl7pPr marL="10799978" indent="0">
+              <a:buNone/>
+              <a:defRPr sz="7874"/>
+            </a:lvl7pPr>
+            <a:lvl8pPr marL="12599975" indent="0">
+              <a:buNone/>
+              <a:defRPr sz="7874"/>
+            </a:lvl8pPr>
+            <a:lvl9pPr marL="14399971" indent="0">
+              <a:buNone/>
+              <a:defRPr sz="7874"/>
+            </a:lvl9pPr>
+          </a:lstStyle>
+          <a:p>
+            <a:r>
+              <a:rPr lang="ko-KR" altLang="en-US"/>
+              <a:t>그림을 추가하려면 아이콘을 클릭하십시오</a:t>
+            </a:r>
+            <a:endParaRPr lang="en-US" dirty="0"/>
+          </a:p>
+        </p:txBody>
+      </p:sp>
+      <p:sp>
+        <p:nvSpPr>
+          <p:cNvPr id="4" name="Text Placeholder 3"/>
+          <p:cNvSpPr>
+            <a:spLocks noGrp="1"/>
+          </p:cNvSpPr>
+          <p:nvPr>
+            <p:ph type="body" sz="half" idx="2"/>
+          </p:nvPr>
+        </p:nvSpPr>
+        <p:spPr>
+          <a:xfrm>
+            <a:off x="2479671" y="10799922"/>
+            <a:ext cx="11610853" cy="20008190"/>
           </a:xfrm>
         </p:spPr>
         <p:txBody>
@@ -2211,103 +2292,42 @@
           <a:lstStyle>
             <a:lvl1pPr marL="0" indent="0">
               <a:buNone/>
-              <a:defRPr sz="3200"/>
+              <a:defRPr sz="6299"/>
             </a:lvl1pPr>
-            <a:lvl2pPr marL="457200" indent="0">
-              <a:buNone/>
-              <a:defRPr sz="2800"/>
+            <a:lvl2pPr marL="1799996" indent="0">
+              <a:buNone/>
+              <a:defRPr sz="5512"/>
             </a:lvl2pPr>
-            <a:lvl3pPr marL="914400" indent="0">
-              <a:buNone/>
-              <a:defRPr sz="2400"/>
+            <a:lvl3pPr marL="3599993" indent="0">
+              <a:buNone/>
+              <a:defRPr sz="4724"/>
             </a:lvl3pPr>
-            <a:lvl4pPr marL="1371600" indent="0">
-              <a:buNone/>
-              <a:defRPr sz="2000"/>
+            <a:lvl4pPr marL="5399989" indent="0">
+              <a:buNone/>
+              <a:defRPr sz="3937"/>
             </a:lvl4pPr>
-            <a:lvl5pPr marL="1828800" indent="0">
-              <a:buNone/>
-              <a:defRPr sz="2000"/>
+            <a:lvl5pPr marL="7199986" indent="0">
+              <a:buNone/>
+              <a:defRPr sz="3937"/>
             </a:lvl5pPr>
-            <a:lvl6pPr marL="2286000" indent="0">
-              <a:buNone/>
-              <a:defRPr sz="2000"/>
+            <a:lvl6pPr marL="8999982" indent="0">
+              <a:buNone/>
+              <a:defRPr sz="3937"/>
             </a:lvl6pPr>
-            <a:lvl7pPr marL="2743200" indent="0">
-              <a:buNone/>
-              <a:defRPr sz="2000"/>
+            <a:lvl7pPr marL="10799978" indent="0">
+              <a:buNone/>
+              <a:defRPr sz="3937"/>
             </a:lvl7pPr>
-            <a:lvl8pPr marL="3200400" indent="0">
-              <a:buNone/>
-              <a:defRPr sz="2000"/>
+            <a:lvl8pPr marL="12599975" indent="0">
+              <a:buNone/>
+              <a:defRPr sz="3937"/>
             </a:lvl8pPr>
-            <a:lvl9pPr marL="3657600" indent="0">
-              <a:buNone/>
-              <a:defRPr sz="2000"/>
+            <a:lvl9pPr marL="14399971" indent="0">
+              <a:buNone/>
+              <a:defRPr sz="3937"/>
             </a:lvl9pPr>
           </a:lstStyle>
           <a:p>
-            <a:endParaRPr lang="ko-KR" altLang="en-US"/>
-          </a:p>
-        </p:txBody>
-      </p:sp>
-      <p:sp>
-        <p:nvSpPr>
-          <p:cNvPr id="4" name="텍스트 개체 틀 3"/>
-          <p:cNvSpPr>
-            <a:spLocks noGrp="1"/>
-          </p:cNvSpPr>
-          <p:nvPr>
-            <p:ph type="body" sz="half" idx="2"/>
-          </p:nvPr>
-        </p:nvSpPr>
-        <p:spPr>
-          <a:xfrm>
-            <a:off x="839788" y="2057400"/>
-            <a:ext cx="3932237" cy="3811588"/>
-          </a:xfrm>
-        </p:spPr>
-        <p:txBody>
-          <a:bodyPr/>
-          <a:lstStyle>
-            <a:lvl1pPr marL="0" indent="0">
-              <a:buNone/>
-              <a:defRPr sz="1600"/>
-            </a:lvl1pPr>
-            <a:lvl2pPr marL="457200" indent="0">
-              <a:buNone/>
-              <a:defRPr sz="1400"/>
-            </a:lvl2pPr>
-            <a:lvl3pPr marL="914400" indent="0">
-              <a:buNone/>
-              <a:defRPr sz="1200"/>
-            </a:lvl3pPr>
-            <a:lvl4pPr marL="1371600" indent="0">
-              <a:buNone/>
-              <a:defRPr sz="1000"/>
-            </a:lvl4pPr>
-            <a:lvl5pPr marL="1828800" indent="0">
-              <a:buNone/>
-              <a:defRPr sz="1000"/>
-            </a:lvl5pPr>
-            <a:lvl6pPr marL="2286000" indent="0">
-              <a:buNone/>
-              <a:defRPr sz="1000"/>
-            </a:lvl6pPr>
-            <a:lvl7pPr marL="2743200" indent="0">
-              <a:buNone/>
-              <a:defRPr sz="1000"/>
-            </a:lvl7pPr>
-            <a:lvl8pPr marL="3200400" indent="0">
-              <a:buNone/>
-              <a:defRPr sz="1000"/>
-            </a:lvl8pPr>
-            <a:lvl9pPr marL="3657600" indent="0">
-              <a:buNone/>
-              <a:defRPr sz="1000"/>
-            </a:lvl9pPr>
-          </a:lstStyle>
-          <a:p>
             <a:pPr lvl="0"/>
             <a:r>
               <a:rPr lang="ko-KR" altLang="en-US"/>
@@ -2318,7 +2338,7 @@
       </p:sp>
       <p:sp>
         <p:nvSpPr>
-          <p:cNvPr id="5" name="날짜 개체 틀 4"/>
+          <p:cNvPr id="5" name="Date Placeholder 4"/>
           <p:cNvSpPr>
             <a:spLocks noGrp="1"/>
           </p:cNvSpPr>
@@ -2333,7 +2353,7 @@
           <a:p>
             <a:fld id="{FEB97611-7D34-4565-8BE2-EC668B9DC89E}" type="datetimeFigureOut">
               <a:rPr lang="ko-KR" altLang="en-US" smtClean="0"/>
-              <a:t>2016-05-23</a:t>
+              <a:t>2016-05-24</a:t>
             </a:fld>
             <a:endParaRPr lang="ko-KR" altLang="en-US"/>
           </a:p>
@@ -2341,7 +2361,7 @@
       </p:sp>
       <p:sp>
         <p:nvSpPr>
-          <p:cNvPr id="6" name="바닥글 개체 틀 5"/>
+          <p:cNvPr id="6" name="Footer Placeholder 5"/>
           <p:cNvSpPr>
             <a:spLocks noGrp="1"/>
           </p:cNvSpPr>
@@ -2360,7 +2380,7 @@
       </p:sp>
       <p:sp>
         <p:nvSpPr>
-          <p:cNvPr id="7" name="슬라이드 번호 개체 틀 6"/>
+          <p:cNvPr id="7" name="Slide Number Placeholder 6"/>
           <p:cNvSpPr>
             <a:spLocks noGrp="1"/>
           </p:cNvSpPr>
@@ -2384,7 +2404,7 @@
     </p:spTree>
     <p:extLst>
       <p:ext uri="{BB962C8B-B14F-4D97-AF65-F5344CB8AC3E}">
-        <p14:creationId xmlns:p14="http://schemas.microsoft.com/office/powerpoint/2010/main" val="2933002050"/>
+        <p14:creationId xmlns:p14="http://schemas.microsoft.com/office/powerpoint/2010/main" val="2373045268"/>
       </p:ext>
     </p:extLst>
   </p:cSld>
@@ -2418,7 +2438,7 @@
       </p:grpSpPr>
       <p:sp>
         <p:nvSpPr>
-          <p:cNvPr id="2" name="제목 개체 틀 1"/>
+          <p:cNvPr id="2" name="Title Placeholder 1"/>
           <p:cNvSpPr>
             <a:spLocks noGrp="1"/>
           </p:cNvSpPr>
@@ -2428,8 +2448,8 @@
         </p:nvSpPr>
         <p:spPr>
           <a:xfrm>
-            <a:off x="838200" y="365125"/>
-            <a:ext cx="10515600" cy="1325563"/>
+            <a:off x="2474982" y="1916661"/>
+            <a:ext cx="31049774" cy="6958285"/>
           </a:xfrm>
           <a:prstGeom prst="rect">
             <a:avLst/>
@@ -2445,12 +2465,13 @@
               <a:rPr lang="ko-KR" altLang="en-US"/>
               <a:t>마스터 제목 스타일 편집</a:t>
             </a:r>
-          </a:p>
-        </p:txBody>
-      </p:sp>
-      <p:sp>
-        <p:nvSpPr>
-          <p:cNvPr id="3" name="텍스트 개체 틀 2"/>
+            <a:endParaRPr lang="en-US" dirty="0"/>
+          </a:p>
+        </p:txBody>
+      </p:sp>
+      <p:sp>
+        <p:nvSpPr>
+          <p:cNvPr id="3" name="Text Placeholder 2"/>
           <p:cNvSpPr>
             <a:spLocks noGrp="1"/>
           </p:cNvSpPr>
@@ -2460,8 +2481,8 @@
         </p:nvSpPr>
         <p:spPr>
           <a:xfrm>
-            <a:off x="838200" y="1825625"/>
-            <a:ext cx="10515600" cy="4351338"/>
+            <a:off x="2474982" y="9583264"/>
+            <a:ext cx="31049774" cy="22841503"/>
           </a:xfrm>
           <a:prstGeom prst="rect">
             <a:avLst/>
@@ -2506,12 +2527,13 @@
               <a:rPr lang="ko-KR" altLang="en-US"/>
               <a:t>다섯째 수준</a:t>
             </a:r>
-          </a:p>
-        </p:txBody>
-      </p:sp>
-      <p:sp>
-        <p:nvSpPr>
-          <p:cNvPr id="4" name="날짜 개체 틀 3"/>
+            <a:endParaRPr lang="en-US" dirty="0"/>
+          </a:p>
+        </p:txBody>
+      </p:sp>
+      <p:sp>
+        <p:nvSpPr>
+          <p:cNvPr id="4" name="Date Placeholder 3"/>
           <p:cNvSpPr>
             <a:spLocks noGrp="1"/>
           </p:cNvSpPr>
@@ -2521,8 +2543,8 @@
         </p:nvSpPr>
         <p:spPr>
           <a:xfrm>
-            <a:off x="838200" y="6356350"/>
-            <a:ext cx="2743200" cy="365125"/>
+            <a:off x="2474982" y="33366432"/>
+            <a:ext cx="8099941" cy="1916653"/>
           </a:xfrm>
           <a:prstGeom prst="rect">
             <a:avLst/>
@@ -2532,7 +2554,7 @@
           <a:bodyPr vert="horz" lIns="91440" tIns="45720" rIns="91440" bIns="45720" rtlCol="0" anchor="ctr"/>
           <a:lstStyle>
             <a:lvl1pPr algn="l">
-              <a:defRPr sz="1200">
+              <a:defRPr sz="4724">
                 <a:solidFill>
                   <a:schemeClr val="tx1">
                     <a:tint val="75000"/>
@@ -2544,7 +2566,7 @@
           <a:p>
             <a:fld id="{FEB97611-7D34-4565-8BE2-EC668B9DC89E}" type="datetimeFigureOut">
               <a:rPr lang="ko-KR" altLang="en-US" smtClean="0"/>
-              <a:t>2016-05-23</a:t>
+              <a:t>2016-05-24</a:t>
             </a:fld>
             <a:endParaRPr lang="ko-KR" altLang="en-US"/>
           </a:p>
@@ -2552,7 +2574,7 @@
       </p:sp>
       <p:sp>
         <p:nvSpPr>
-          <p:cNvPr id="5" name="바닥글 개체 틀 4"/>
+          <p:cNvPr id="5" name="Footer Placeholder 4"/>
           <p:cNvSpPr>
             <a:spLocks noGrp="1"/>
           </p:cNvSpPr>
@@ -2562,8 +2584,8 @@
         </p:nvSpPr>
         <p:spPr>
           <a:xfrm>
-            <a:off x="4038600" y="6356350"/>
-            <a:ext cx="4114800" cy="365125"/>
+            <a:off x="11924913" y="33366432"/>
+            <a:ext cx="12149912" cy="1916653"/>
           </a:xfrm>
           <a:prstGeom prst="rect">
             <a:avLst/>
@@ -2573,7 +2595,7 @@
           <a:bodyPr vert="horz" lIns="91440" tIns="45720" rIns="91440" bIns="45720" rtlCol="0" anchor="ctr"/>
           <a:lstStyle>
             <a:lvl1pPr algn="ctr">
-              <a:defRPr sz="1200">
+              <a:defRPr sz="4724">
                 <a:solidFill>
                   <a:schemeClr val="tx1">
                     <a:tint val="75000"/>
@@ -2589,7 +2611,7 @@
       </p:sp>
       <p:sp>
         <p:nvSpPr>
-          <p:cNvPr id="6" name="슬라이드 번호 개체 틀 5"/>
+          <p:cNvPr id="6" name="Slide Number Placeholder 5"/>
           <p:cNvSpPr>
             <a:spLocks noGrp="1"/>
           </p:cNvSpPr>
@@ -2599,8 +2621,8 @@
         </p:nvSpPr>
         <p:spPr>
           <a:xfrm>
-            <a:off x="8610600" y="6356350"/>
-            <a:ext cx="2743200" cy="365125"/>
+            <a:off x="25424815" y="33366432"/>
+            <a:ext cx="8099941" cy="1916653"/>
           </a:xfrm>
           <a:prstGeom prst="rect">
             <a:avLst/>
@@ -2610,7 +2632,7 @@
           <a:bodyPr vert="horz" lIns="91440" tIns="45720" rIns="91440" bIns="45720" rtlCol="0" anchor="ctr"/>
           <a:lstStyle>
             <a:lvl1pPr algn="r">
-              <a:defRPr sz="1200">
+              <a:defRPr sz="4724">
                 <a:solidFill>
                   <a:schemeClr val="tx1">
                     <a:tint val="75000"/>
@@ -2631,27 +2653,27 @@
     </p:spTree>
     <p:extLst>
       <p:ext uri="{BB962C8B-B14F-4D97-AF65-F5344CB8AC3E}">
-        <p14:creationId xmlns:p14="http://schemas.microsoft.com/office/powerpoint/2010/main" val="4112532425"/>
+        <p14:creationId xmlns:p14="http://schemas.microsoft.com/office/powerpoint/2010/main" val="3796727942"/>
       </p:ext>
     </p:extLst>
   </p:cSld>
   <p:clrMap bg1="lt1" tx1="dk1" bg2="lt2" tx2="dk2" accent1="accent1" accent2="accent2" accent3="accent3" accent4="accent4" accent5="accent5" accent6="accent6" hlink="hlink" folHlink="folHlink"/>
   <p:sldLayoutIdLst>
-    <p:sldLayoutId id="2147483649" r:id="rId1"/>
-    <p:sldLayoutId id="2147483650" r:id="rId2"/>
-    <p:sldLayoutId id="2147483651" r:id="rId3"/>
-    <p:sldLayoutId id="2147483652" r:id="rId4"/>
-    <p:sldLayoutId id="2147483653" r:id="rId5"/>
-    <p:sldLayoutId id="2147483654" r:id="rId6"/>
-    <p:sldLayoutId id="2147483655" r:id="rId7"/>
-    <p:sldLayoutId id="2147483656" r:id="rId8"/>
-    <p:sldLayoutId id="2147483657" r:id="rId9"/>
-    <p:sldLayoutId id="2147483658" r:id="rId10"/>
-    <p:sldLayoutId id="2147483659" r:id="rId11"/>
+    <p:sldLayoutId id="2147483661" r:id="rId1"/>
+    <p:sldLayoutId id="2147483662" r:id="rId2"/>
+    <p:sldLayoutId id="2147483663" r:id="rId3"/>
+    <p:sldLayoutId id="2147483664" r:id="rId4"/>
+    <p:sldLayoutId id="2147483665" r:id="rId5"/>
+    <p:sldLayoutId id="2147483666" r:id="rId6"/>
+    <p:sldLayoutId id="2147483667" r:id="rId7"/>
+    <p:sldLayoutId id="2147483668" r:id="rId8"/>
+    <p:sldLayoutId id="2147483669" r:id="rId9"/>
+    <p:sldLayoutId id="2147483670" r:id="rId10"/>
+    <p:sldLayoutId id="2147483671" r:id="rId11"/>
   </p:sldLayoutIdLst>
   <p:txStyles>
     <p:titleStyle>
-      <a:lvl1pPr algn="l" defTabSz="914400" rtl="0" eaLnBrk="1" latinLnBrk="1" hangingPunct="1">
+      <a:lvl1pPr algn="l" defTabSz="3599993" rtl="0" eaLnBrk="1" latinLnBrk="1" hangingPunct="1">
         <a:lnSpc>
           <a:spcPct val="90000"/>
         </a:lnSpc>
@@ -2659,7 +2681,7 @@
           <a:spcPct val="0"/>
         </a:spcBef>
         <a:buNone/>
-        <a:defRPr sz="4400" kern="1200">
+        <a:defRPr sz="17323" kern="1200">
           <a:solidFill>
             <a:schemeClr val="tx1"/>
           </a:solidFill>
@@ -2670,16 +2692,16 @@
       </a:lvl1pPr>
     </p:titleStyle>
     <p:bodyStyle>
-      <a:lvl1pPr marL="228600" indent="-228600" algn="l" defTabSz="914400" rtl="0" eaLnBrk="1" latinLnBrk="1" hangingPunct="1">
+      <a:lvl1pPr marL="899998" indent="-899998" algn="l" defTabSz="3599993" rtl="0" eaLnBrk="1" latinLnBrk="1" hangingPunct="1">
         <a:lnSpc>
           <a:spcPct val="90000"/>
         </a:lnSpc>
         <a:spcBef>
-          <a:spcPts val="1000"/>
+          <a:spcPts val="3937"/>
         </a:spcBef>
         <a:buFont typeface="Arial" panose="020B0604020202020204" pitchFamily="34" charset="0"/>
         <a:buChar char="•"/>
-        <a:defRPr sz="2800" kern="1200">
+        <a:defRPr sz="11024" kern="1200">
           <a:solidFill>
             <a:schemeClr val="tx1"/>
           </a:solidFill>
@@ -2688,16 +2710,16 @@
           <a:cs typeface="+mn-cs"/>
         </a:defRPr>
       </a:lvl1pPr>
-      <a:lvl2pPr marL="685800" indent="-228600" algn="l" defTabSz="914400" rtl="0" eaLnBrk="1" latinLnBrk="1" hangingPunct="1">
+      <a:lvl2pPr marL="2699995" indent="-899998" algn="l" defTabSz="3599993" rtl="0" eaLnBrk="1" latinLnBrk="1" hangingPunct="1">
         <a:lnSpc>
           <a:spcPct val="90000"/>
         </a:lnSpc>
         <a:spcBef>
-          <a:spcPts val="500"/>
+          <a:spcPts val="1968"/>
         </a:spcBef>
         <a:buFont typeface="Arial" panose="020B0604020202020204" pitchFamily="34" charset="0"/>
         <a:buChar char="•"/>
-        <a:defRPr sz="2400" kern="1200">
+        <a:defRPr sz="9449" kern="1200">
           <a:solidFill>
             <a:schemeClr val="tx1"/>
           </a:solidFill>
@@ -2706,16 +2728,16 @@
           <a:cs typeface="+mn-cs"/>
         </a:defRPr>
       </a:lvl2pPr>
-      <a:lvl3pPr marL="1143000" indent="-228600" algn="l" defTabSz="914400" rtl="0" eaLnBrk="1" latinLnBrk="1" hangingPunct="1">
+      <a:lvl3pPr marL="4499991" indent="-899998" algn="l" defTabSz="3599993" rtl="0" eaLnBrk="1" latinLnBrk="1" hangingPunct="1">
         <a:lnSpc>
           <a:spcPct val="90000"/>
         </a:lnSpc>
         <a:spcBef>
-          <a:spcPts val="500"/>
+          <a:spcPts val="1968"/>
         </a:spcBef>
         <a:buFont typeface="Arial" panose="020B0604020202020204" pitchFamily="34" charset="0"/>
         <a:buChar char="•"/>
-        <a:defRPr sz="2000" kern="1200">
+        <a:defRPr sz="7874" kern="1200">
           <a:solidFill>
             <a:schemeClr val="tx1"/>
           </a:solidFill>
@@ -2724,16 +2746,16 @@
           <a:cs typeface="+mn-cs"/>
         </a:defRPr>
       </a:lvl3pPr>
-      <a:lvl4pPr marL="1600200" indent="-228600" algn="l" defTabSz="914400" rtl="0" eaLnBrk="1" latinLnBrk="1" hangingPunct="1">
+      <a:lvl4pPr marL="6299987" indent="-899998" algn="l" defTabSz="3599993" rtl="0" eaLnBrk="1" latinLnBrk="1" hangingPunct="1">
         <a:lnSpc>
           <a:spcPct val="90000"/>
         </a:lnSpc>
         <a:spcBef>
-          <a:spcPts val="500"/>
+          <a:spcPts val="1968"/>
         </a:spcBef>
         <a:buFont typeface="Arial" panose="020B0604020202020204" pitchFamily="34" charset="0"/>
         <a:buChar char="•"/>
-        <a:defRPr sz="1800" kern="1200">
+        <a:defRPr sz="7087" kern="1200">
           <a:solidFill>
             <a:schemeClr val="tx1"/>
           </a:solidFill>
@@ -2742,16 +2764,16 @@
           <a:cs typeface="+mn-cs"/>
         </a:defRPr>
       </a:lvl4pPr>
-      <a:lvl5pPr marL="2057400" indent="-228600" algn="l" defTabSz="914400" rtl="0" eaLnBrk="1" latinLnBrk="1" hangingPunct="1">
+      <a:lvl5pPr marL="8099984" indent="-899998" algn="l" defTabSz="3599993" rtl="0" eaLnBrk="1" latinLnBrk="1" hangingPunct="1">
         <a:lnSpc>
           <a:spcPct val="90000"/>
         </a:lnSpc>
         <a:spcBef>
-          <a:spcPts val="500"/>
+          <a:spcPts val="1968"/>
         </a:spcBef>
         <a:buFont typeface="Arial" panose="020B0604020202020204" pitchFamily="34" charset="0"/>
         <a:buChar char="•"/>
-        <a:defRPr sz="1800" kern="1200">
+        <a:defRPr sz="7087" kern="1200">
           <a:solidFill>
             <a:schemeClr val="tx1"/>
           </a:solidFill>
@@ -2760,16 +2782,16 @@
           <a:cs typeface="+mn-cs"/>
         </a:defRPr>
       </a:lvl5pPr>
-      <a:lvl6pPr marL="2514600" indent="-228600" algn="l" defTabSz="914400" rtl="0" eaLnBrk="1" latinLnBrk="1" hangingPunct="1">
+      <a:lvl6pPr marL="9899980" indent="-899998" algn="l" defTabSz="3599993" rtl="0" eaLnBrk="1" latinLnBrk="1" hangingPunct="1">
         <a:lnSpc>
           <a:spcPct val="90000"/>
         </a:lnSpc>
         <a:spcBef>
-          <a:spcPts val="500"/>
+          <a:spcPts val="1968"/>
         </a:spcBef>
         <a:buFont typeface="Arial" panose="020B0604020202020204" pitchFamily="34" charset="0"/>
         <a:buChar char="•"/>
-        <a:defRPr sz="1800" kern="1200">
+        <a:defRPr sz="7087" kern="1200">
           <a:solidFill>
             <a:schemeClr val="tx1"/>
           </a:solidFill>
@@ -2778,16 +2800,16 @@
           <a:cs typeface="+mn-cs"/>
         </a:defRPr>
       </a:lvl6pPr>
-      <a:lvl7pPr marL="2971800" indent="-228600" algn="l" defTabSz="914400" rtl="0" eaLnBrk="1" latinLnBrk="1" hangingPunct="1">
+      <a:lvl7pPr marL="11699977" indent="-899998" algn="l" defTabSz="3599993" rtl="0" eaLnBrk="1" latinLnBrk="1" hangingPunct="1">
         <a:lnSpc>
           <a:spcPct val="90000"/>
         </a:lnSpc>
         <a:spcBef>
-          <a:spcPts val="500"/>
+          <a:spcPts val="1968"/>
         </a:spcBef>
         <a:buFont typeface="Arial" panose="020B0604020202020204" pitchFamily="34" charset="0"/>
         <a:buChar char="•"/>
-        <a:defRPr sz="1800" kern="1200">
+        <a:defRPr sz="7087" kern="1200">
           <a:solidFill>
             <a:schemeClr val="tx1"/>
           </a:solidFill>
@@ -2796,16 +2818,16 @@
           <a:cs typeface="+mn-cs"/>
         </a:defRPr>
       </a:lvl7pPr>
-      <a:lvl8pPr marL="3429000" indent="-228600" algn="l" defTabSz="914400" rtl="0" eaLnBrk="1" latinLnBrk="1" hangingPunct="1">
+      <a:lvl8pPr marL="13499973" indent="-899998" algn="l" defTabSz="3599993" rtl="0" eaLnBrk="1" latinLnBrk="1" hangingPunct="1">
         <a:lnSpc>
           <a:spcPct val="90000"/>
         </a:lnSpc>
         <a:spcBef>
-          <a:spcPts val="500"/>
+          <a:spcPts val="1968"/>
         </a:spcBef>
         <a:buFont typeface="Arial" panose="020B0604020202020204" pitchFamily="34" charset="0"/>
         <a:buChar char="•"/>
-        <a:defRPr sz="1800" kern="1200">
+        <a:defRPr sz="7087" kern="1200">
           <a:solidFill>
             <a:schemeClr val="tx1"/>
           </a:solidFill>
@@ -2814,16 +2836,16 @@
           <a:cs typeface="+mn-cs"/>
         </a:defRPr>
       </a:lvl8pPr>
-      <a:lvl9pPr marL="3886200" indent="-228600" algn="l" defTabSz="914400" rtl="0" eaLnBrk="1" latinLnBrk="1" hangingPunct="1">
+      <a:lvl9pPr marL="15299969" indent="-899998" algn="l" defTabSz="3599993" rtl="0" eaLnBrk="1" latinLnBrk="1" hangingPunct="1">
         <a:lnSpc>
           <a:spcPct val="90000"/>
         </a:lnSpc>
         <a:spcBef>
-          <a:spcPts val="500"/>
+          <a:spcPts val="1968"/>
         </a:spcBef>
         <a:buFont typeface="Arial" panose="020B0604020202020204" pitchFamily="34" charset="0"/>
         <a:buChar char="•"/>
-        <a:defRPr sz="1800" kern="1200">
+        <a:defRPr sz="7087" kern="1200">
           <a:solidFill>
             <a:schemeClr val="tx1"/>
           </a:solidFill>
@@ -2835,10 +2857,10 @@
     </p:bodyStyle>
     <p:otherStyle>
       <a:defPPr>
-        <a:defRPr lang="ko-KR"/>
+        <a:defRPr lang="en-US"/>
       </a:defPPr>
-      <a:lvl1pPr marL="0" algn="l" defTabSz="914400" rtl="0" eaLnBrk="1" latinLnBrk="1" hangingPunct="1">
-        <a:defRPr sz="1800" kern="1200">
+      <a:lvl1pPr marL="0" algn="l" defTabSz="3599993" rtl="0" eaLnBrk="1" latinLnBrk="1" hangingPunct="1">
+        <a:defRPr sz="7087" kern="1200">
           <a:solidFill>
             <a:schemeClr val="tx1"/>
           </a:solidFill>
@@ -2847,8 +2869,8 @@
           <a:cs typeface="+mn-cs"/>
         </a:defRPr>
       </a:lvl1pPr>
-      <a:lvl2pPr marL="457200" algn="l" defTabSz="914400" rtl="0" eaLnBrk="1" latinLnBrk="1" hangingPunct="1">
-        <a:defRPr sz="1800" kern="1200">
+      <a:lvl2pPr marL="1799996" algn="l" defTabSz="3599993" rtl="0" eaLnBrk="1" latinLnBrk="1" hangingPunct="1">
+        <a:defRPr sz="7087" kern="1200">
           <a:solidFill>
             <a:schemeClr val="tx1"/>
           </a:solidFill>
@@ -2857,8 +2879,8 @@
           <a:cs typeface="+mn-cs"/>
         </a:defRPr>
       </a:lvl2pPr>
-      <a:lvl3pPr marL="914400" algn="l" defTabSz="914400" rtl="0" eaLnBrk="1" latinLnBrk="1" hangingPunct="1">
-        <a:defRPr sz="1800" kern="1200">
+      <a:lvl3pPr marL="3599993" algn="l" defTabSz="3599993" rtl="0" eaLnBrk="1" latinLnBrk="1" hangingPunct="1">
+        <a:defRPr sz="7087" kern="1200">
           <a:solidFill>
             <a:schemeClr val="tx1"/>
           </a:solidFill>
@@ -2867,8 +2889,8 @@
           <a:cs typeface="+mn-cs"/>
         </a:defRPr>
       </a:lvl3pPr>
-      <a:lvl4pPr marL="1371600" algn="l" defTabSz="914400" rtl="0" eaLnBrk="1" latinLnBrk="1" hangingPunct="1">
-        <a:defRPr sz="1800" kern="1200">
+      <a:lvl4pPr marL="5399989" algn="l" defTabSz="3599993" rtl="0" eaLnBrk="1" latinLnBrk="1" hangingPunct="1">
+        <a:defRPr sz="7087" kern="1200">
           <a:solidFill>
             <a:schemeClr val="tx1"/>
           </a:solidFill>
@@ -2877,8 +2899,8 @@
           <a:cs typeface="+mn-cs"/>
         </a:defRPr>
       </a:lvl4pPr>
-      <a:lvl5pPr marL="1828800" algn="l" defTabSz="914400" rtl="0" eaLnBrk="1" latinLnBrk="1" hangingPunct="1">
-        <a:defRPr sz="1800" kern="1200">
+      <a:lvl5pPr marL="7199986" algn="l" defTabSz="3599993" rtl="0" eaLnBrk="1" latinLnBrk="1" hangingPunct="1">
+        <a:defRPr sz="7087" kern="1200">
           <a:solidFill>
             <a:schemeClr val="tx1"/>
           </a:solidFill>
@@ -2887,8 +2909,8 @@
           <a:cs typeface="+mn-cs"/>
         </a:defRPr>
       </a:lvl5pPr>
-      <a:lvl6pPr marL="2286000" algn="l" defTabSz="914400" rtl="0" eaLnBrk="1" latinLnBrk="1" hangingPunct="1">
-        <a:defRPr sz="1800" kern="1200">
+      <a:lvl6pPr marL="8999982" algn="l" defTabSz="3599993" rtl="0" eaLnBrk="1" latinLnBrk="1" hangingPunct="1">
+        <a:defRPr sz="7087" kern="1200">
           <a:solidFill>
             <a:schemeClr val="tx1"/>
           </a:solidFill>
@@ -2897,8 +2919,8 @@
           <a:cs typeface="+mn-cs"/>
         </a:defRPr>
       </a:lvl6pPr>
-      <a:lvl7pPr marL="2743200" algn="l" defTabSz="914400" rtl="0" eaLnBrk="1" latinLnBrk="1" hangingPunct="1">
-        <a:defRPr sz="1800" kern="1200">
+      <a:lvl7pPr marL="10799978" algn="l" defTabSz="3599993" rtl="0" eaLnBrk="1" latinLnBrk="1" hangingPunct="1">
+        <a:defRPr sz="7087" kern="1200">
           <a:solidFill>
             <a:schemeClr val="tx1"/>
           </a:solidFill>
@@ -2907,8 +2929,8 @@
           <a:cs typeface="+mn-cs"/>
         </a:defRPr>
       </a:lvl7pPr>
-      <a:lvl8pPr marL="3200400" algn="l" defTabSz="914400" rtl="0" eaLnBrk="1" latinLnBrk="1" hangingPunct="1">
-        <a:defRPr sz="1800" kern="1200">
+      <a:lvl8pPr marL="12599975" algn="l" defTabSz="3599993" rtl="0" eaLnBrk="1" latinLnBrk="1" hangingPunct="1">
+        <a:defRPr sz="7087" kern="1200">
           <a:solidFill>
             <a:schemeClr val="tx1"/>
           </a:solidFill>
@@ -2917,8 +2939,8 @@
           <a:cs typeface="+mn-cs"/>
         </a:defRPr>
       </a:lvl8pPr>
-      <a:lvl9pPr marL="3657600" algn="l" defTabSz="914400" rtl="0" eaLnBrk="1" latinLnBrk="1" hangingPunct="1">
-        <a:defRPr sz="1800" kern="1200">
+      <a:lvl9pPr marL="14399971" algn="l" defTabSz="3599993" rtl="0" eaLnBrk="1" latinLnBrk="1" hangingPunct="1">
+        <a:defRPr sz="7087" kern="1200">
           <a:solidFill>
             <a:schemeClr val="tx1"/>
           </a:solidFill>
@@ -2957,7 +2979,7 @@
         </p:nvSpPr>
         <p:spPr>
           <a:xfrm>
-            <a:off x="4831303" y="1494123"/>
+            <a:off x="16829738" y="13935521"/>
             <a:ext cx="1959009" cy="726131"/>
           </a:xfrm>
           <a:prstGeom prst="rect">
@@ -2994,14 +3016,14 @@
           <a:p>
             <a:pPr algn="ctr"/>
             <a:r>
-              <a:rPr lang="ko-KR" altLang="en-US" sz="1100" dirty="0" smtClean="0">
+              <a:rPr lang="ko-KR" altLang="en-US" sz="1100" dirty="0">
                 <a:solidFill>
                   <a:sysClr val="windowText" lastClr="000000"/>
                 </a:solidFill>
               </a:rPr>
               <a:t>강의평가</a:t>
             </a:r>
-            <a:endParaRPr lang="en-US" altLang="ko-KR" sz="1100" dirty="0" smtClean="0">
+            <a:endParaRPr lang="en-US" altLang="ko-KR" sz="1100" dirty="0">
               <a:solidFill>
                 <a:sysClr val="windowText" lastClr="000000"/>
               </a:solidFill>
@@ -3010,18 +3032,13 @@
           <a:p>
             <a:pPr algn="ctr"/>
             <a:r>
-              <a:rPr lang="ko-KR" altLang="en-US" sz="1100" dirty="0" smtClean="0">
+              <a:rPr lang="ko-KR" altLang="en-US" sz="1100" dirty="0">
                 <a:solidFill>
                   <a:sysClr val="windowText" lastClr="000000"/>
                 </a:solidFill>
               </a:rPr>
               <a:t>수행 화면</a:t>
             </a:r>
-            <a:endParaRPr lang="ko-KR" altLang="en-US" sz="1100" dirty="0">
-              <a:solidFill>
-                <a:sysClr val="windowText" lastClr="000000"/>
-              </a:solidFill>
-            </a:endParaRPr>
           </a:p>
         </p:txBody>
       </p:sp>
@@ -3033,7 +3050,7 @@
         </p:nvSpPr>
         <p:spPr>
           <a:xfrm>
-            <a:off x="2181069" y="3992855"/>
+            <a:off x="17050214" y="18776311"/>
             <a:ext cx="1556992" cy="726131"/>
           </a:xfrm>
           <a:prstGeom prst="rect">
@@ -3077,27 +3094,19 @@
               </a:rPr>
               <a:t>강의평가 대상 선택</a:t>
             </a:r>
-            <a:endParaRPr lang="ko-KR" altLang="en-US" sz="1100" dirty="0">
-              <a:solidFill>
-                <a:schemeClr val="tx1"/>
-              </a:solidFill>
-            </a:endParaRPr>
           </a:p>
         </p:txBody>
       </p:sp>
       <p:cxnSp>
         <p:nvCxnSpPr>
           <p:cNvPr id="8" name="직선 화살표 연결선 7"/>
-          <p:cNvCxnSpPr>
-            <a:stCxn id="4" idx="2"/>
-            <a:endCxn id="28" idx="0"/>
-          </p:cNvCxnSpPr>
+          <p:cNvCxnSpPr/>
           <p:nvPr/>
         </p:nvCxnSpPr>
         <p:spPr>
           <a:xfrm>
-            <a:off x="5810808" y="2220254"/>
-            <a:ext cx="776864" cy="1772601"/>
+            <a:off x="20585985" y="16991338"/>
+            <a:ext cx="870832" cy="1784972"/>
           </a:xfrm>
           <a:prstGeom prst="straightConnector1">
             <a:avLst/>
@@ -3125,14 +3134,12 @@
       <p:cxnSp>
         <p:nvCxnSpPr>
           <p:cNvPr id="9" name="직선 화살표 연결선 8"/>
-          <p:cNvCxnSpPr>
-            <a:endCxn id="38" idx="0"/>
-          </p:cNvCxnSpPr>
+          <p:cNvCxnSpPr/>
           <p:nvPr/>
         </p:nvCxnSpPr>
         <p:spPr>
           <a:xfrm>
-            <a:off x="6534933" y="2220254"/>
+            <a:off x="21404079" y="17003709"/>
             <a:ext cx="3652553" cy="1742920"/>
           </a:xfrm>
           <a:prstGeom prst="straightConnector1">
@@ -3161,15 +3168,13 @@
       <p:cxnSp>
         <p:nvCxnSpPr>
           <p:cNvPr id="10" name="직선 화살표 연결선 9"/>
-          <p:cNvCxnSpPr>
-            <a:endCxn id="5" idx="0"/>
-          </p:cNvCxnSpPr>
+          <p:cNvCxnSpPr/>
           <p:nvPr/>
         </p:nvCxnSpPr>
         <p:spPr>
           <a:xfrm flipH="1">
-            <a:off x="2959565" y="2220254"/>
-            <a:ext cx="2443973" cy="1772601"/>
+            <a:off x="17922678" y="17003709"/>
+            <a:ext cx="2355560" cy="1784972"/>
           </a:xfrm>
           <a:prstGeom prst="straightConnector1">
             <a:avLst/>
@@ -3202,7 +3207,7 @@
         </p:nvGrpSpPr>
         <p:grpSpPr>
           <a:xfrm rot="17174790">
-            <a:off x="3202629" y="3267835"/>
+            <a:off x="18071775" y="18051290"/>
             <a:ext cx="465295" cy="429840"/>
             <a:chOff x="5764817" y="2081712"/>
             <a:chExt cx="465295" cy="429840"/>
@@ -3298,7 +3303,7 @@
         </p:nvGrpSpPr>
         <p:grpSpPr>
           <a:xfrm rot="15548623">
-            <a:off x="4649349" y="3051805"/>
+            <a:off x="19518495" y="17835260"/>
             <a:ext cx="465295" cy="429840"/>
             <a:chOff x="5764817" y="2081712"/>
             <a:chExt cx="465295" cy="429840"/>
@@ -3394,7 +3399,7 @@
         </p:nvGrpSpPr>
         <p:grpSpPr>
           <a:xfrm rot="20874190">
-            <a:off x="8368299" y="2777561"/>
+            <a:off x="23237445" y="17561016"/>
             <a:ext cx="465295" cy="429840"/>
             <a:chOff x="5764817" y="2081712"/>
             <a:chExt cx="465295" cy="429840"/>
@@ -3490,7 +3495,7 @@
         </p:nvSpPr>
         <p:spPr>
           <a:xfrm>
-            <a:off x="3989666" y="3992855"/>
+            <a:off x="18858811" y="18776311"/>
             <a:ext cx="1556992" cy="726131"/>
           </a:xfrm>
           <a:prstGeom prst="rect">
@@ -3527,14 +3532,14 @@
           <a:p>
             <a:pPr algn="ctr"/>
             <a:r>
-              <a:rPr lang="ko-KR" altLang="en-US" sz="1100" dirty="0" smtClean="0">
+              <a:rPr lang="ko-KR" altLang="en-US" sz="1100" dirty="0">
                 <a:solidFill>
                   <a:schemeClr val="tx1"/>
                 </a:solidFill>
               </a:rPr>
               <a:t>강의평가</a:t>
             </a:r>
-            <a:endParaRPr lang="en-US" altLang="ko-KR" sz="1100" dirty="0" smtClean="0">
+            <a:endParaRPr lang="en-US" altLang="ko-KR" sz="1100" dirty="0">
               <a:solidFill>
                 <a:schemeClr val="tx1"/>
               </a:solidFill>
@@ -3543,18 +3548,13 @@
           <a:p>
             <a:pPr algn="ctr"/>
             <a:r>
-              <a:rPr lang="ko-KR" altLang="en-US" sz="1100" dirty="0" smtClean="0">
+              <a:rPr lang="ko-KR" altLang="en-US" sz="1100" dirty="0">
                 <a:solidFill>
                   <a:schemeClr val="tx1"/>
                 </a:solidFill>
               </a:rPr>
               <a:t>질문지 구성</a:t>
             </a:r>
-            <a:endParaRPr lang="ko-KR" altLang="en-US" sz="1100" dirty="0">
-              <a:solidFill>
-                <a:schemeClr val="tx1"/>
-              </a:solidFill>
-            </a:endParaRPr>
           </a:p>
         </p:txBody>
       </p:sp>
@@ -3566,7 +3566,7 @@
         </p:nvSpPr>
         <p:spPr>
           <a:xfrm>
-            <a:off x="5809176" y="3992855"/>
+            <a:off x="20678321" y="18776311"/>
             <a:ext cx="1556992" cy="726131"/>
           </a:xfrm>
           <a:prstGeom prst="rect">
@@ -3603,18 +3603,13 @@
           <a:p>
             <a:pPr algn="ctr"/>
             <a:r>
-              <a:rPr lang="ko-KR" altLang="en-US" sz="1100" dirty="0" smtClean="0">
+              <a:rPr lang="ko-KR" altLang="en-US" sz="1100" dirty="0">
                 <a:solidFill>
                   <a:schemeClr val="tx1"/>
                 </a:solidFill>
               </a:rPr>
               <a:t>강의평가 수행</a:t>
             </a:r>
-            <a:endParaRPr lang="ko-KR" altLang="en-US" sz="1100" dirty="0">
-              <a:solidFill>
-                <a:schemeClr val="tx1"/>
-              </a:solidFill>
-            </a:endParaRPr>
           </a:p>
         </p:txBody>
       </p:sp>
@@ -3626,7 +3621,7 @@
         </p:nvSpPr>
         <p:spPr>
           <a:xfrm>
-            <a:off x="7628686" y="3992853"/>
+            <a:off x="22497831" y="18776309"/>
             <a:ext cx="1556992" cy="726131"/>
           </a:xfrm>
           <a:prstGeom prst="rect">
@@ -3663,18 +3658,13 @@
           <a:p>
             <a:pPr algn="ctr"/>
             <a:r>
-              <a:rPr lang="ko-KR" altLang="en-US" sz="1100" dirty="0" smtClean="0">
+              <a:rPr lang="ko-KR" altLang="en-US" sz="1100" dirty="0">
                 <a:solidFill>
                   <a:schemeClr val="tx1"/>
                 </a:solidFill>
               </a:rPr>
               <a:t>강의평가 결과 등록</a:t>
             </a:r>
-            <a:endParaRPr lang="ko-KR" altLang="en-US" sz="1100" dirty="0">
-              <a:solidFill>
-                <a:schemeClr val="tx1"/>
-              </a:solidFill>
-            </a:endParaRPr>
           </a:p>
         </p:txBody>
       </p:sp>
@@ -3686,7 +3676,7 @@
         </p:nvSpPr>
         <p:spPr>
           <a:xfrm rot="1863071">
-            <a:off x="8035968" y="2688712"/>
+            <a:off x="22905113" y="17472167"/>
             <a:ext cx="1553630" cy="261610"/>
           </a:xfrm>
           <a:prstGeom prst="rect">
@@ -3701,77 +3691,23 @@
           <a:lstStyle/>
           <a:p>
             <a:r>
-              <a:rPr lang="ko-KR" altLang="en-US" sz="1100" dirty="0" smtClean="0"/>
-              <a:t>등록된 강의평가 </a:t>
-            </a:r>
-            <a:r>
-              <a:rPr lang="ko-KR" altLang="en-US" sz="1100" dirty="0" smtClean="0"/>
-              <a:t>결과</a:t>
+              <a:rPr lang="ko-KR" altLang="en-US" sz="1100" dirty="0"/>
+              <a:t>등록된 강의평가 결과</a:t>
             </a:r>
             <a:endParaRPr lang="ko-KR" altLang="en-US" sz="1600" dirty="0"/>
           </a:p>
         </p:txBody>
       </p:sp>
-      <p:pic>
-        <p:nvPicPr>
-          <p:cNvPr id="37" name="그림 36"/>
-          <p:cNvPicPr>
-            <a:picLocks noChangeAspect="1"/>
-          </p:cNvPicPr>
-          <p:nvPr/>
-        </p:nvPicPr>
-        <p:blipFill>
-          <a:blip r:embed="rId2"/>
-          <a:stretch>
-            <a:fillRect/>
-          </a:stretch>
-        </p:blipFill>
-        <p:spPr>
-          <a:xfrm>
-            <a:off x="521953" y="3963174"/>
-            <a:ext cx="1507571" cy="784800"/>
-          </a:xfrm>
-          <a:prstGeom prst="rect">
-            <a:avLst/>
-          </a:prstGeom>
-        </p:spPr>
-      </p:pic>
-      <p:pic>
-        <p:nvPicPr>
-          <p:cNvPr id="38" name="그림 37"/>
-          <p:cNvPicPr>
-            <a:picLocks noChangeAspect="1"/>
-          </p:cNvPicPr>
-          <p:nvPr/>
-        </p:nvPicPr>
-        <p:blipFill>
-          <a:blip r:embed="rId3"/>
-          <a:stretch>
-            <a:fillRect/>
-          </a:stretch>
-        </p:blipFill>
-        <p:spPr>
-          <a:xfrm>
-            <a:off x="9448196" y="3963174"/>
-            <a:ext cx="1478579" cy="784800"/>
-          </a:xfrm>
-          <a:prstGeom prst="rect">
-            <a:avLst/>
-          </a:prstGeom>
-        </p:spPr>
-      </p:pic>
       <p:cxnSp>
         <p:nvCxnSpPr>
           <p:cNvPr id="40" name="직선 화살표 연결선 39"/>
-          <p:cNvCxnSpPr>
-            <a:endCxn id="37" idx="0"/>
-          </p:cNvCxnSpPr>
+          <p:cNvCxnSpPr/>
           <p:nvPr/>
         </p:nvCxnSpPr>
         <p:spPr>
           <a:xfrm flipH="1">
-            <a:off x="1275739" y="2220254"/>
-            <a:ext cx="3818775" cy="1742920"/>
+            <a:off x="16133962" y="17003709"/>
+            <a:ext cx="3829699" cy="1742920"/>
           </a:xfrm>
           <a:prstGeom prst="straightConnector1">
             <a:avLst/>
@@ -3804,7 +3740,7 @@
         </p:nvSpPr>
         <p:spPr>
           <a:xfrm rot="20174509">
-            <a:off x="2642463" y="2334830"/>
+            <a:off x="17511608" y="17118285"/>
             <a:ext cx="1553630" cy="261610"/>
           </a:xfrm>
           <a:prstGeom prst="rect">
@@ -3820,7 +3756,7 @@
           <a:p>
             <a:pPr algn="ctr"/>
             <a:r>
-              <a:rPr lang="ko-KR" altLang="en-US" sz="1100" dirty="0" smtClean="0"/>
+              <a:rPr lang="ko-KR" altLang="en-US" sz="1100" dirty="0"/>
               <a:t>강의평가 질문 리스트</a:t>
             </a:r>
             <a:endParaRPr lang="ko-KR" altLang="en-US" sz="1600" dirty="0"/>
@@ -3835,7 +3771,7 @@
         </p:nvGrpSpPr>
         <p:grpSpPr>
           <a:xfrm rot="17678427">
-            <a:off x="3373674" y="2442665"/>
+            <a:off x="18242820" y="17226120"/>
             <a:ext cx="465295" cy="429840"/>
             <a:chOff x="5764817" y="2081712"/>
             <a:chExt cx="465295" cy="429840"/>
@@ -3931,7 +3867,7 @@
         </p:nvSpPr>
         <p:spPr>
           <a:xfrm rot="19786301">
-            <a:off x="2704584" y="3082121"/>
+            <a:off x="17573730" y="17865577"/>
             <a:ext cx="1080745" cy="430887"/>
           </a:xfrm>
           <a:prstGeom prst="rect">
@@ -3947,20 +3883,16 @@
           <a:p>
             <a:pPr algn="ctr"/>
             <a:r>
-              <a:rPr lang="ko-KR" altLang="en-US" sz="1100" dirty="0" smtClean="0"/>
+              <a:rPr lang="ko-KR" altLang="en-US" sz="1100" dirty="0"/>
               <a:t>강의평가 대상</a:t>
             </a:r>
-            <a:endParaRPr lang="en-US" altLang="ko-KR" sz="1100" dirty="0" smtClean="0"/>
+            <a:endParaRPr lang="en-US" altLang="ko-KR" sz="1100" dirty="0"/>
           </a:p>
           <a:p>
             <a:pPr algn="ctr"/>
             <a:r>
-              <a:rPr lang="ko-KR" altLang="en-US" sz="1100" dirty="0" smtClean="0"/>
-              <a:t>입력 </a:t>
-            </a:r>
-            <a:r>
-              <a:rPr lang="ko-KR" altLang="en-US" sz="1100" dirty="0" smtClean="0"/>
-              <a:t>정보</a:t>
+              <a:rPr lang="ko-KR" altLang="en-US" sz="1100" dirty="0"/>
+              <a:t>입력 정보</a:t>
             </a:r>
             <a:endParaRPr lang="ko-KR" altLang="en-US" sz="1600" dirty="0"/>
           </a:p>
@@ -3974,7 +3906,7 @@
         </p:nvSpPr>
         <p:spPr>
           <a:xfrm rot="18422831">
-            <a:off x="3957975" y="2956320"/>
+            <a:off x="18827121" y="17739776"/>
             <a:ext cx="1221809" cy="430887"/>
           </a:xfrm>
           <a:prstGeom prst="rect">
@@ -3990,15 +3922,15 @@
           <a:p>
             <a:pPr algn="ctr"/>
             <a:r>
-              <a:rPr lang="ko-KR" altLang="en-US" sz="1100" dirty="0" smtClean="0"/>
+              <a:rPr lang="ko-KR" altLang="en-US" sz="1100" dirty="0"/>
               <a:t>구성된 </a:t>
             </a:r>
-            <a:endParaRPr lang="en-US" altLang="ko-KR" sz="1100" dirty="0" smtClean="0"/>
+            <a:endParaRPr lang="en-US" altLang="ko-KR" sz="1100" dirty="0"/>
           </a:p>
           <a:p>
             <a:pPr algn="ctr"/>
             <a:r>
-              <a:rPr lang="ko-KR" altLang="en-US" sz="1100" dirty="0" smtClean="0"/>
+              <a:rPr lang="ko-KR" altLang="en-US" sz="1100" dirty="0"/>
               <a:t>강의평가 질문지</a:t>
             </a:r>
             <a:endParaRPr lang="ko-KR" altLang="en-US" sz="1600" dirty="0"/>
@@ -4008,15 +3940,13 @@
       <p:cxnSp>
         <p:nvCxnSpPr>
           <p:cNvPr id="49" name="직선 화살표 연결선 48"/>
-          <p:cNvCxnSpPr>
-            <a:endCxn id="27" idx="0"/>
-          </p:cNvCxnSpPr>
+          <p:cNvCxnSpPr/>
           <p:nvPr/>
         </p:nvCxnSpPr>
         <p:spPr>
           <a:xfrm flipH="1">
-            <a:off x="4768162" y="2220254"/>
-            <a:ext cx="848874" cy="1772601"/>
+            <a:off x="19731275" y="17003709"/>
+            <a:ext cx="756838" cy="1784972"/>
           </a:xfrm>
           <a:prstGeom prst="straightConnector1">
             <a:avLst/>
@@ -4044,15 +3974,13 @@
       <p:cxnSp>
         <p:nvCxnSpPr>
           <p:cNvPr id="54" name="직선 화살표 연결선 53"/>
-          <p:cNvCxnSpPr>
-            <a:endCxn id="29" idx="0"/>
-          </p:cNvCxnSpPr>
+          <p:cNvCxnSpPr/>
           <p:nvPr/>
         </p:nvCxnSpPr>
         <p:spPr>
           <a:xfrm>
-            <a:off x="6258403" y="2220254"/>
-            <a:ext cx="2148779" cy="1772599"/>
+            <a:off x="21122665" y="17003709"/>
+            <a:ext cx="2247631" cy="1784970"/>
           </a:xfrm>
           <a:prstGeom prst="straightConnector1">
             <a:avLst/>
@@ -4085,7 +4013,7 @@
         </p:nvGrpSpPr>
         <p:grpSpPr>
           <a:xfrm rot="12612328">
-            <a:off x="5777050" y="3012827"/>
+            <a:off x="20646196" y="17796282"/>
             <a:ext cx="465295" cy="429840"/>
             <a:chOff x="5764817" y="2081712"/>
             <a:chExt cx="465295" cy="429840"/>
@@ -4181,7 +4109,7 @@
         </p:nvSpPr>
         <p:spPr>
           <a:xfrm rot="4447922">
-            <a:off x="5194762" y="3173635"/>
+            <a:off x="20063908" y="17957091"/>
             <a:ext cx="1080745" cy="430887"/>
           </a:xfrm>
           <a:prstGeom prst="rect">
@@ -4197,20 +4125,16 @@
           <a:p>
             <a:pPr algn="ctr"/>
             <a:r>
-              <a:rPr lang="ko-KR" altLang="en-US" sz="1100" dirty="0" smtClean="0"/>
+              <a:rPr lang="ko-KR" altLang="en-US" sz="1100" dirty="0"/>
               <a:t>등록할</a:t>
             </a:r>
-            <a:endParaRPr lang="en-US" altLang="ko-KR" sz="1100" dirty="0" smtClean="0"/>
+            <a:endParaRPr lang="en-US" altLang="ko-KR" sz="1100" dirty="0"/>
           </a:p>
           <a:p>
             <a:pPr algn="ctr"/>
             <a:r>
-              <a:rPr lang="ko-KR" altLang="en-US" sz="1100" dirty="0" smtClean="0"/>
-              <a:t>강의평가 </a:t>
-            </a:r>
-            <a:r>
-              <a:rPr lang="ko-KR" altLang="en-US" sz="1100" dirty="0" smtClean="0"/>
-              <a:t>결과</a:t>
+              <a:rPr lang="ko-KR" altLang="en-US" sz="1100" dirty="0"/>
+              <a:t>강의평가 결과</a:t>
             </a:r>
             <a:endParaRPr lang="ko-KR" altLang="en-US" sz="1600" dirty="0"/>
           </a:p>
@@ -4224,7 +4148,7 @@
         </p:nvSpPr>
         <p:spPr>
           <a:xfrm rot="2900980">
-            <a:off x="6116672" y="3211650"/>
+            <a:off x="20985817" y="17995105"/>
             <a:ext cx="1553630" cy="261610"/>
           </a:xfrm>
           <a:prstGeom prst="rect">
@@ -4239,12 +4163,8 @@
           <a:lstStyle/>
           <a:p>
             <a:r>
-              <a:rPr lang="ko-KR" altLang="en-US" sz="1100" dirty="0" smtClean="0"/>
-              <a:t>등록할 강의평가 </a:t>
-            </a:r>
-            <a:r>
-              <a:rPr lang="ko-KR" altLang="en-US" sz="1100" dirty="0" smtClean="0"/>
-              <a:t>결과</a:t>
+              <a:rPr lang="ko-KR" altLang="en-US" sz="1100" dirty="0"/>
+              <a:t>등록할 강의평가 결과</a:t>
             </a:r>
             <a:endParaRPr lang="ko-KR" altLang="en-US" sz="1600" dirty="0"/>
           </a:p>
@@ -4258,7 +4178,7 @@
         </p:nvGrpSpPr>
         <p:grpSpPr>
           <a:xfrm rot="278979">
-            <a:off x="6904900" y="2999565"/>
+            <a:off x="21774046" y="17783020"/>
             <a:ext cx="465295" cy="429840"/>
             <a:chOff x="5764817" y="2081712"/>
             <a:chExt cx="465295" cy="429840"/>
@@ -4354,7 +4274,7 @@
         </p:nvGrpSpPr>
         <p:grpSpPr>
           <a:xfrm rot="10800000">
-            <a:off x="7500823" y="2999706"/>
+            <a:off x="22369969" y="17783161"/>
             <a:ext cx="465295" cy="429840"/>
             <a:chOff x="5764817" y="2081712"/>
             <a:chExt cx="465295" cy="429840"/>
@@ -4450,7 +4370,7 @@
         </p:nvSpPr>
         <p:spPr>
           <a:xfrm rot="2306805">
-            <a:off x="7235653" y="3008113"/>
+            <a:off x="22104798" y="17791568"/>
             <a:ext cx="1553630" cy="261610"/>
           </a:xfrm>
           <a:prstGeom prst="rect">
@@ -4465,59 +4385,519 @@
           <a:lstStyle/>
           <a:p>
             <a:r>
-              <a:rPr lang="ko-KR" altLang="en-US" sz="1100" dirty="0" smtClean="0"/>
-              <a:t>등록된 강의평가 </a:t>
-            </a:r>
-            <a:r>
-              <a:rPr lang="ko-KR" altLang="en-US" sz="1100" dirty="0" smtClean="0"/>
-              <a:t>결과</a:t>
+              <a:rPr lang="ko-KR" altLang="en-US" sz="1100" dirty="0"/>
+              <a:t>등록된 강의평가 결과</a:t>
             </a:r>
             <a:endParaRPr lang="ko-KR" altLang="en-US" sz="1600" dirty="0"/>
           </a:p>
         </p:txBody>
       </p:sp>
-    </p:spTree>
-    <p:extLst>
-      <p:ext uri="{BB962C8B-B14F-4D97-AF65-F5344CB8AC3E}">
-        <p14:creationId xmlns:p14="http://schemas.microsoft.com/office/powerpoint/2010/main" val="2670294775"/>
-      </p:ext>
-    </p:extLst>
-  </p:cSld>
-  <p:clrMapOvr>
-    <a:masterClrMapping/>
-  </p:clrMapOvr>
-</p:sld>
-</file>
-
-<file path=ppt/slides/slide2.xml><?xml version="1.0" encoding="utf-8"?>
-<p:sld xmlns:a="http://schemas.openxmlformats.org/drawingml/2006/main" xmlns:r="http://schemas.openxmlformats.org/officeDocument/2006/relationships" xmlns:p="http://schemas.openxmlformats.org/presentationml/2006/main">
-  <p:cSld>
-    <p:spTree>
-      <p:nvGrpSpPr>
-        <p:cNvPr id="1" name=""/>
-        <p:cNvGrpSpPr/>
-        <p:nvPr/>
-      </p:nvGrpSpPr>
-      <p:grpSpPr>
-        <a:xfrm>
-          <a:off x="0" y="0"/>
-          <a:ext cx="0" cy="0"/>
-          <a:chOff x="0" y="0"/>
-          <a:chExt cx="0" cy="0"/>
-        </a:xfrm>
-      </p:grpSpPr>
-      <p:sp>
-        <p:nvSpPr>
-          <p:cNvPr id="5" name="순서도: 다른 페이지 연결선 4"/>
+      <p:grpSp>
+        <p:nvGrpSpPr>
+          <p:cNvPr id="50" name="그룹 49"/>
+          <p:cNvGrpSpPr/>
+          <p:nvPr/>
+        </p:nvGrpSpPr>
+        <p:grpSpPr>
+          <a:xfrm>
+            <a:off x="15346110" y="18800827"/>
+            <a:ext cx="1561933" cy="676405"/>
+            <a:chOff x="8118153" y="2442575"/>
+            <a:chExt cx="1561933" cy="676405"/>
+          </a:xfrm>
+        </p:grpSpPr>
+        <p:cxnSp>
+          <p:nvCxnSpPr>
+            <p:cNvPr id="51" name="직선 연결선 50"/>
+            <p:cNvCxnSpPr/>
+            <p:nvPr/>
+          </p:nvCxnSpPr>
+          <p:spPr>
+            <a:xfrm>
+              <a:off x="8118153" y="2442575"/>
+              <a:ext cx="1560286" cy="0"/>
+            </a:xfrm>
+            <a:prstGeom prst="line">
+              <a:avLst/>
+            </a:prstGeom>
+            <a:ln w="38100">
+              <a:solidFill>
+                <a:srgbClr val="41719C"/>
+              </a:solidFill>
+            </a:ln>
+          </p:spPr>
+          <p:style>
+            <a:lnRef idx="1">
+              <a:schemeClr val="accent1"/>
+            </a:lnRef>
+            <a:fillRef idx="0">
+              <a:schemeClr val="accent1"/>
+            </a:fillRef>
+            <a:effectRef idx="0">
+              <a:schemeClr val="accent1"/>
+            </a:effectRef>
+            <a:fontRef idx="minor">
+              <a:schemeClr val="tx1"/>
+            </a:fontRef>
+          </p:style>
+        </p:cxnSp>
+        <p:cxnSp>
+          <p:nvCxnSpPr>
+            <p:cNvPr id="52" name="직선 연결선 51"/>
+            <p:cNvCxnSpPr/>
+            <p:nvPr/>
+          </p:nvCxnSpPr>
+          <p:spPr>
+            <a:xfrm>
+              <a:off x="8119800" y="3118980"/>
+              <a:ext cx="1560286" cy="0"/>
+            </a:xfrm>
+            <a:prstGeom prst="line">
+              <a:avLst/>
+            </a:prstGeom>
+            <a:ln w="38100">
+              <a:solidFill>
+                <a:srgbClr val="41719C"/>
+              </a:solidFill>
+            </a:ln>
+          </p:spPr>
+          <p:style>
+            <a:lnRef idx="1">
+              <a:schemeClr val="accent1"/>
+            </a:lnRef>
+            <a:fillRef idx="0">
+              <a:schemeClr val="accent1"/>
+            </a:fillRef>
+            <a:effectRef idx="0">
+              <a:schemeClr val="accent1"/>
+            </a:effectRef>
+            <a:fontRef idx="minor">
+              <a:schemeClr val="tx1"/>
+            </a:fontRef>
+          </p:style>
+        </p:cxnSp>
+        <p:sp>
+          <p:nvSpPr>
+            <p:cNvPr id="53" name="직사각형 52"/>
+            <p:cNvSpPr/>
+            <p:nvPr/>
+          </p:nvSpPr>
+          <p:spPr>
+            <a:xfrm>
+              <a:off x="8217074" y="2530257"/>
+              <a:ext cx="1377863" cy="502203"/>
+            </a:xfrm>
+            <a:prstGeom prst="rect">
+              <a:avLst/>
+            </a:prstGeom>
+            <a:solidFill>
+              <a:schemeClr val="bg1"/>
+            </a:solidFill>
+            <a:ln>
+              <a:noFill/>
+            </a:ln>
+          </p:spPr>
+          <p:style>
+            <a:lnRef idx="2">
+              <a:schemeClr val="accent1">
+                <a:shade val="50000"/>
+              </a:schemeClr>
+            </a:lnRef>
+            <a:fillRef idx="1">
+              <a:schemeClr val="accent1"/>
+            </a:fillRef>
+            <a:effectRef idx="0">
+              <a:schemeClr val="accent1"/>
+            </a:effectRef>
+            <a:fontRef idx="minor">
+              <a:schemeClr val="lt1"/>
+            </a:fontRef>
+          </p:style>
+          <p:txBody>
+            <a:bodyPr rtlCol="0" anchor="ctr"/>
+            <a:lstStyle>
+              <a:defPPr>
+                <a:defRPr lang="ko-KR"/>
+              </a:defPPr>
+              <a:lvl1pPr marL="0" algn="l" defTabSz="914400" rtl="0" eaLnBrk="1" latinLnBrk="1" hangingPunct="1">
+                <a:defRPr sz="1800" kern="1200">
+                  <a:solidFill>
+                    <a:schemeClr val="lt1"/>
+                  </a:solidFill>
+                  <a:latin typeface="+mn-lt"/>
+                  <a:ea typeface="+mn-ea"/>
+                  <a:cs typeface="+mn-cs"/>
+                </a:defRPr>
+              </a:lvl1pPr>
+              <a:lvl2pPr marL="457200" algn="l" defTabSz="914400" rtl="0" eaLnBrk="1" latinLnBrk="1" hangingPunct="1">
+                <a:defRPr sz="1800" kern="1200">
+                  <a:solidFill>
+                    <a:schemeClr val="lt1"/>
+                  </a:solidFill>
+                  <a:latin typeface="+mn-lt"/>
+                  <a:ea typeface="+mn-ea"/>
+                  <a:cs typeface="+mn-cs"/>
+                </a:defRPr>
+              </a:lvl2pPr>
+              <a:lvl3pPr marL="914400" algn="l" defTabSz="914400" rtl="0" eaLnBrk="1" latinLnBrk="1" hangingPunct="1">
+                <a:defRPr sz="1800" kern="1200">
+                  <a:solidFill>
+                    <a:schemeClr val="lt1"/>
+                  </a:solidFill>
+                  <a:latin typeface="+mn-lt"/>
+                  <a:ea typeface="+mn-ea"/>
+                  <a:cs typeface="+mn-cs"/>
+                </a:defRPr>
+              </a:lvl3pPr>
+              <a:lvl4pPr marL="1371600" algn="l" defTabSz="914400" rtl="0" eaLnBrk="1" latinLnBrk="1" hangingPunct="1">
+                <a:defRPr sz="1800" kern="1200">
+                  <a:solidFill>
+                    <a:schemeClr val="lt1"/>
+                  </a:solidFill>
+                  <a:latin typeface="+mn-lt"/>
+                  <a:ea typeface="+mn-ea"/>
+                  <a:cs typeface="+mn-cs"/>
+                </a:defRPr>
+              </a:lvl4pPr>
+              <a:lvl5pPr marL="1828800" algn="l" defTabSz="914400" rtl="0" eaLnBrk="1" latinLnBrk="1" hangingPunct="1">
+                <a:defRPr sz="1800" kern="1200">
+                  <a:solidFill>
+                    <a:schemeClr val="lt1"/>
+                  </a:solidFill>
+                  <a:latin typeface="+mn-lt"/>
+                  <a:ea typeface="+mn-ea"/>
+                  <a:cs typeface="+mn-cs"/>
+                </a:defRPr>
+              </a:lvl5pPr>
+              <a:lvl6pPr marL="2286000" algn="l" defTabSz="914400" rtl="0" eaLnBrk="1" latinLnBrk="1" hangingPunct="1">
+                <a:defRPr sz="1800" kern="1200">
+                  <a:solidFill>
+                    <a:schemeClr val="lt1"/>
+                  </a:solidFill>
+                  <a:latin typeface="+mn-lt"/>
+                  <a:ea typeface="+mn-ea"/>
+                  <a:cs typeface="+mn-cs"/>
+                </a:defRPr>
+              </a:lvl6pPr>
+              <a:lvl7pPr marL="2743200" algn="l" defTabSz="914400" rtl="0" eaLnBrk="1" latinLnBrk="1" hangingPunct="1">
+                <a:defRPr sz="1800" kern="1200">
+                  <a:solidFill>
+                    <a:schemeClr val="lt1"/>
+                  </a:solidFill>
+                  <a:latin typeface="+mn-lt"/>
+                  <a:ea typeface="+mn-ea"/>
+                  <a:cs typeface="+mn-cs"/>
+                </a:defRPr>
+              </a:lvl7pPr>
+              <a:lvl8pPr marL="3200400" algn="l" defTabSz="914400" rtl="0" eaLnBrk="1" latinLnBrk="1" hangingPunct="1">
+                <a:defRPr sz="1800" kern="1200">
+                  <a:solidFill>
+                    <a:schemeClr val="lt1"/>
+                  </a:solidFill>
+                  <a:latin typeface="+mn-lt"/>
+                  <a:ea typeface="+mn-ea"/>
+                  <a:cs typeface="+mn-cs"/>
+                </a:defRPr>
+              </a:lvl8pPr>
+              <a:lvl9pPr marL="3657600" algn="l" defTabSz="914400" rtl="0" eaLnBrk="1" latinLnBrk="1" hangingPunct="1">
+                <a:defRPr sz="1800" kern="1200">
+                  <a:solidFill>
+                    <a:schemeClr val="lt1"/>
+                  </a:solidFill>
+                  <a:latin typeface="+mn-lt"/>
+                  <a:ea typeface="+mn-ea"/>
+                  <a:cs typeface="+mn-cs"/>
+                </a:defRPr>
+              </a:lvl9pPr>
+            </a:lstStyle>
+            <a:p>
+              <a:pPr algn="ctr"/>
+              <a:r>
+                <a:rPr lang="ko-KR" altLang="en-US" sz="1100" dirty="0">
+                  <a:solidFill>
+                    <a:schemeClr val="tx1"/>
+                  </a:solidFill>
+                </a:rPr>
+                <a:t>강의 평가 질문</a:t>
+              </a:r>
+              <a:br>
+                <a:rPr lang="en-US" altLang="ko-KR" sz="1100" dirty="0">
+                  <a:solidFill>
+                    <a:schemeClr val="tx1"/>
+                  </a:solidFill>
+                </a:rPr>
+              </a:br>
+              <a:r>
+                <a:rPr lang="ko-KR" altLang="en-US" sz="1100" dirty="0">
+                  <a:solidFill>
+                    <a:schemeClr val="tx1"/>
+                  </a:solidFill>
+                </a:rPr>
+                <a:t>저장소</a:t>
+              </a:r>
+            </a:p>
+          </p:txBody>
+        </p:sp>
+      </p:grpSp>
+      <p:grpSp>
+        <p:nvGrpSpPr>
+          <p:cNvPr id="55" name="그룹 54"/>
+          <p:cNvGrpSpPr/>
+          <p:nvPr/>
+        </p:nvGrpSpPr>
+        <p:grpSpPr>
+          <a:xfrm>
+            <a:off x="24414901" y="18802256"/>
+            <a:ext cx="1561933" cy="676405"/>
+            <a:chOff x="8118153" y="2442575"/>
+            <a:chExt cx="1561933" cy="676405"/>
+          </a:xfrm>
+        </p:grpSpPr>
+        <p:cxnSp>
+          <p:nvCxnSpPr>
+            <p:cNvPr id="56" name="직선 연결선 55"/>
+            <p:cNvCxnSpPr/>
+            <p:nvPr/>
+          </p:nvCxnSpPr>
+          <p:spPr>
+            <a:xfrm>
+              <a:off x="8118153" y="2442575"/>
+              <a:ext cx="1560286" cy="0"/>
+            </a:xfrm>
+            <a:prstGeom prst="line">
+              <a:avLst/>
+            </a:prstGeom>
+            <a:ln w="38100">
+              <a:solidFill>
+                <a:srgbClr val="41719C"/>
+              </a:solidFill>
+            </a:ln>
+          </p:spPr>
+          <p:style>
+            <a:lnRef idx="1">
+              <a:schemeClr val="accent1"/>
+            </a:lnRef>
+            <a:fillRef idx="0">
+              <a:schemeClr val="accent1"/>
+            </a:fillRef>
+            <a:effectRef idx="0">
+              <a:schemeClr val="accent1"/>
+            </a:effectRef>
+            <a:fontRef idx="minor">
+              <a:schemeClr val="tx1"/>
+            </a:fontRef>
+          </p:style>
+        </p:cxnSp>
+        <p:cxnSp>
+          <p:nvCxnSpPr>
+            <p:cNvPr id="69" name="직선 연결선 68"/>
+            <p:cNvCxnSpPr/>
+            <p:nvPr/>
+          </p:nvCxnSpPr>
+          <p:spPr>
+            <a:xfrm>
+              <a:off x="8119800" y="3118980"/>
+              <a:ext cx="1560286" cy="0"/>
+            </a:xfrm>
+            <a:prstGeom prst="line">
+              <a:avLst/>
+            </a:prstGeom>
+            <a:ln w="38100">
+              <a:solidFill>
+                <a:srgbClr val="41719C"/>
+              </a:solidFill>
+            </a:ln>
+          </p:spPr>
+          <p:style>
+            <a:lnRef idx="1">
+              <a:schemeClr val="accent1"/>
+            </a:lnRef>
+            <a:fillRef idx="0">
+              <a:schemeClr val="accent1"/>
+            </a:fillRef>
+            <a:effectRef idx="0">
+              <a:schemeClr val="accent1"/>
+            </a:effectRef>
+            <a:fontRef idx="minor">
+              <a:schemeClr val="tx1"/>
+            </a:fontRef>
+          </p:style>
+        </p:cxnSp>
+        <p:sp>
+          <p:nvSpPr>
+            <p:cNvPr id="70" name="직사각형 69"/>
+            <p:cNvSpPr/>
+            <p:nvPr/>
+          </p:nvSpPr>
+          <p:spPr>
+            <a:xfrm>
+              <a:off x="8217074" y="2530257"/>
+              <a:ext cx="1377863" cy="502203"/>
+            </a:xfrm>
+            <a:prstGeom prst="rect">
+              <a:avLst/>
+            </a:prstGeom>
+            <a:solidFill>
+              <a:schemeClr val="bg1"/>
+            </a:solidFill>
+            <a:ln>
+              <a:noFill/>
+            </a:ln>
+          </p:spPr>
+          <p:style>
+            <a:lnRef idx="2">
+              <a:schemeClr val="accent1">
+                <a:shade val="50000"/>
+              </a:schemeClr>
+            </a:lnRef>
+            <a:fillRef idx="1">
+              <a:schemeClr val="accent1"/>
+            </a:fillRef>
+            <a:effectRef idx="0">
+              <a:schemeClr val="accent1"/>
+            </a:effectRef>
+            <a:fontRef idx="minor">
+              <a:schemeClr val="lt1"/>
+            </a:fontRef>
+          </p:style>
+          <p:txBody>
+            <a:bodyPr rtlCol="0" anchor="ctr"/>
+            <a:lstStyle>
+              <a:defPPr>
+                <a:defRPr lang="ko-KR"/>
+              </a:defPPr>
+              <a:lvl1pPr marL="0" algn="l" defTabSz="914400" rtl="0" eaLnBrk="1" latinLnBrk="1" hangingPunct="1">
+                <a:defRPr sz="1800" kern="1200">
+                  <a:solidFill>
+                    <a:schemeClr val="lt1"/>
+                  </a:solidFill>
+                  <a:latin typeface="+mn-lt"/>
+                  <a:ea typeface="+mn-ea"/>
+                  <a:cs typeface="+mn-cs"/>
+                </a:defRPr>
+              </a:lvl1pPr>
+              <a:lvl2pPr marL="457200" algn="l" defTabSz="914400" rtl="0" eaLnBrk="1" latinLnBrk="1" hangingPunct="1">
+                <a:defRPr sz="1800" kern="1200">
+                  <a:solidFill>
+                    <a:schemeClr val="lt1"/>
+                  </a:solidFill>
+                  <a:latin typeface="+mn-lt"/>
+                  <a:ea typeface="+mn-ea"/>
+                  <a:cs typeface="+mn-cs"/>
+                </a:defRPr>
+              </a:lvl2pPr>
+              <a:lvl3pPr marL="914400" algn="l" defTabSz="914400" rtl="0" eaLnBrk="1" latinLnBrk="1" hangingPunct="1">
+                <a:defRPr sz="1800" kern="1200">
+                  <a:solidFill>
+                    <a:schemeClr val="lt1"/>
+                  </a:solidFill>
+                  <a:latin typeface="+mn-lt"/>
+                  <a:ea typeface="+mn-ea"/>
+                  <a:cs typeface="+mn-cs"/>
+                </a:defRPr>
+              </a:lvl3pPr>
+              <a:lvl4pPr marL="1371600" algn="l" defTabSz="914400" rtl="0" eaLnBrk="1" latinLnBrk="1" hangingPunct="1">
+                <a:defRPr sz="1800" kern="1200">
+                  <a:solidFill>
+                    <a:schemeClr val="lt1"/>
+                  </a:solidFill>
+                  <a:latin typeface="+mn-lt"/>
+                  <a:ea typeface="+mn-ea"/>
+                  <a:cs typeface="+mn-cs"/>
+                </a:defRPr>
+              </a:lvl4pPr>
+              <a:lvl5pPr marL="1828800" algn="l" defTabSz="914400" rtl="0" eaLnBrk="1" latinLnBrk="1" hangingPunct="1">
+                <a:defRPr sz="1800" kern="1200">
+                  <a:solidFill>
+                    <a:schemeClr val="lt1"/>
+                  </a:solidFill>
+                  <a:latin typeface="+mn-lt"/>
+                  <a:ea typeface="+mn-ea"/>
+                  <a:cs typeface="+mn-cs"/>
+                </a:defRPr>
+              </a:lvl5pPr>
+              <a:lvl6pPr marL="2286000" algn="l" defTabSz="914400" rtl="0" eaLnBrk="1" latinLnBrk="1" hangingPunct="1">
+                <a:defRPr sz="1800" kern="1200">
+                  <a:solidFill>
+                    <a:schemeClr val="lt1"/>
+                  </a:solidFill>
+                  <a:latin typeface="+mn-lt"/>
+                  <a:ea typeface="+mn-ea"/>
+                  <a:cs typeface="+mn-cs"/>
+                </a:defRPr>
+              </a:lvl6pPr>
+              <a:lvl7pPr marL="2743200" algn="l" defTabSz="914400" rtl="0" eaLnBrk="1" latinLnBrk="1" hangingPunct="1">
+                <a:defRPr sz="1800" kern="1200">
+                  <a:solidFill>
+                    <a:schemeClr val="lt1"/>
+                  </a:solidFill>
+                  <a:latin typeface="+mn-lt"/>
+                  <a:ea typeface="+mn-ea"/>
+                  <a:cs typeface="+mn-cs"/>
+                </a:defRPr>
+              </a:lvl7pPr>
+              <a:lvl8pPr marL="3200400" algn="l" defTabSz="914400" rtl="0" eaLnBrk="1" latinLnBrk="1" hangingPunct="1">
+                <a:defRPr sz="1800" kern="1200">
+                  <a:solidFill>
+                    <a:schemeClr val="lt1"/>
+                  </a:solidFill>
+                  <a:latin typeface="+mn-lt"/>
+                  <a:ea typeface="+mn-ea"/>
+                  <a:cs typeface="+mn-cs"/>
+                </a:defRPr>
+              </a:lvl8pPr>
+              <a:lvl9pPr marL="3657600" algn="l" defTabSz="914400" rtl="0" eaLnBrk="1" latinLnBrk="1" hangingPunct="1">
+                <a:defRPr sz="1800" kern="1200">
+                  <a:solidFill>
+                    <a:schemeClr val="lt1"/>
+                  </a:solidFill>
+                  <a:latin typeface="+mn-lt"/>
+                  <a:ea typeface="+mn-ea"/>
+                  <a:cs typeface="+mn-cs"/>
+                </a:defRPr>
+              </a:lvl9pPr>
+            </a:lstStyle>
+            <a:p>
+              <a:pPr algn="ctr"/>
+              <a:r>
+                <a:rPr lang="ko-KR" altLang="en-US" sz="1100" dirty="0">
+                  <a:solidFill>
+                    <a:schemeClr val="tx1"/>
+                  </a:solidFill>
+                </a:rPr>
+                <a:t>강의 평가 결과</a:t>
+              </a:r>
+              <a:br>
+                <a:rPr lang="en-US" altLang="ko-KR" sz="1100" dirty="0">
+                  <a:solidFill>
+                    <a:schemeClr val="tx1"/>
+                  </a:solidFill>
+                </a:rPr>
+              </a:br>
+              <a:r>
+                <a:rPr lang="ko-KR" altLang="en-US" sz="1100" dirty="0">
+                  <a:solidFill>
+                    <a:schemeClr val="tx1"/>
+                  </a:solidFill>
+                </a:rPr>
+                <a:t>저장소</a:t>
+              </a:r>
+            </a:p>
+          </p:txBody>
+        </p:sp>
+      </p:grpSp>
+      <p:sp>
+        <p:nvSpPr>
+          <p:cNvPr id="71" name="직사각형 70"/>
           <p:cNvSpPr/>
           <p:nvPr/>
         </p:nvSpPr>
         <p:spPr>
           <a:xfrm>
-            <a:off x="7918007" y="995867"/>
-            <a:ext cx="991195" cy="1002366"/>
-          </a:xfrm>
-          <a:prstGeom prst="flowChartOffpageConnector">
+            <a:off x="14567614" y="16190727"/>
+            <a:ext cx="1556992" cy="726131"/>
+          </a:xfrm>
+          <a:prstGeom prst="rect">
             <a:avLst/>
           </a:prstGeom>
           <a:noFill/>
@@ -4551,56 +4931,36 @@
           <a:p>
             <a:pPr algn="ctr"/>
             <a:r>
-              <a:rPr lang="ko-KR" altLang="en-US" sz="1100" dirty="0" smtClean="0">
+              <a:rPr lang="ko-KR" altLang="en-US" sz="1100" dirty="0">
                 <a:solidFill>
                   <a:schemeClr val="tx1"/>
                 </a:solidFill>
               </a:rPr>
-              <a:t>강의평가 </a:t>
-            </a:r>
-            <a:endParaRPr lang="en-US" altLang="ko-KR" sz="1100" dirty="0" smtClean="0">
-              <a:solidFill>
-                <a:schemeClr val="tx1"/>
-              </a:solidFill>
-            </a:endParaRPr>
-          </a:p>
-          <a:p>
-            <a:pPr algn="ctr"/>
-            <a:r>
-              <a:rPr lang="ko-KR" altLang="en-US" sz="1100" dirty="0" smtClean="0">
-                <a:solidFill>
-                  <a:schemeClr val="tx1"/>
-                </a:solidFill>
-              </a:rPr>
-              <a:t>수행 화면</a:t>
-            </a:r>
-            <a:endParaRPr lang="ko-KR" altLang="en-US" sz="1100" dirty="0">
-              <a:solidFill>
-                <a:schemeClr val="tx1"/>
-              </a:solidFill>
-            </a:endParaRPr>
-          </a:p>
-        </p:txBody>
-      </p:sp>
-      <p:sp>
-        <p:nvSpPr>
-          <p:cNvPr id="8" name="원호 7"/>
-          <p:cNvSpPr/>
+              <a:t>화면 출력</a:t>
+            </a:r>
+          </a:p>
+        </p:txBody>
+      </p:sp>
+      <p:cxnSp>
+        <p:nvCxnSpPr>
+          <p:cNvPr id="72" name="직선 화살표 연결선 71"/>
+          <p:cNvCxnSpPr>
+            <a:stCxn id="4" idx="2"/>
+            <a:endCxn id="71" idx="0"/>
+          </p:cNvCxnSpPr>
           <p:nvPr/>
-        </p:nvSpPr>
+        </p:nvCxnSpPr>
         <p:spPr>
-          <a:xfrm>
-            <a:off x="10119131" y="-153941"/>
-            <a:ext cx="1605277" cy="1015983"/>
-          </a:xfrm>
-          <a:prstGeom prst="arc">
-            <a:avLst>
-              <a:gd name="adj1" fmla="val 733112"/>
-              <a:gd name="adj2" fmla="val 9022797"/>
-            </a:avLst>
+          <a:xfrm flipH="1">
+            <a:off x="15346110" y="14661652"/>
+            <a:ext cx="2463132" cy="1529075"/>
+          </a:xfrm>
+          <a:prstGeom prst="straightConnector1">
+            <a:avLst/>
           </a:prstGeom>
           <a:ln w="38100">
-            <a:headEnd type="stealth" w="lg" len="lg"/>
+            <a:headEnd w="lg" len="lg"/>
+            <a:tailEnd type="triangle"/>
           </a:ln>
         </p:spPr>
         <p:style>
@@ -4617,25 +4977,168 @@
             <a:schemeClr val="tx1"/>
           </a:fontRef>
         </p:style>
+      </p:cxnSp>
+      <p:sp>
+        <p:nvSpPr>
+          <p:cNvPr id="73" name="직사각형 72"/>
+          <p:cNvSpPr/>
+          <p:nvPr/>
+        </p:nvSpPr>
+        <p:spPr>
+          <a:xfrm>
+            <a:off x="17378090" y="16215815"/>
+            <a:ext cx="1556992" cy="726131"/>
+          </a:xfrm>
+          <a:prstGeom prst="rect">
+            <a:avLst/>
+          </a:prstGeom>
+          <a:noFill/>
+          <a:ln w="31750">
+            <a:solidFill>
+              <a:schemeClr val="accent1">
+                <a:shade val="50000"/>
+              </a:schemeClr>
+            </a:solidFill>
+          </a:ln>
+        </p:spPr>
+        <p:style>
+          <a:lnRef idx="2">
+            <a:schemeClr val="accent1">
+              <a:shade val="50000"/>
+            </a:schemeClr>
+          </a:lnRef>
+          <a:fillRef idx="1">
+            <a:schemeClr val="accent1"/>
+          </a:fillRef>
+          <a:effectRef idx="0">
+            <a:schemeClr val="accent1"/>
+          </a:effectRef>
+          <a:fontRef idx="minor">
+            <a:schemeClr val="lt1"/>
+          </a:fontRef>
+        </p:style>
         <p:txBody>
           <a:bodyPr rtlCol="0" anchor="ctr"/>
           <a:lstStyle/>
           <a:p>
             <a:pPr algn="ctr"/>
-            <a:endParaRPr lang="ko-KR" altLang="en-US" sz="1100" dirty="0"/>
-          </a:p>
-        </p:txBody>
-      </p:sp>
-      <p:sp>
-        <p:nvSpPr>
-          <p:cNvPr id="16" name="TextBox 15"/>
+            <a:r>
+              <a:rPr lang="ko-KR" altLang="en-US" sz="1100" dirty="0">
+                <a:solidFill>
+                  <a:schemeClr val="tx1"/>
+                </a:solidFill>
+              </a:rPr>
+              <a:t>수강 정보 조회</a:t>
+            </a:r>
+          </a:p>
+        </p:txBody>
+      </p:sp>
+      <p:grpSp>
+        <p:nvGrpSpPr>
+          <p:cNvPr id="74" name="그룹 73"/>
+          <p:cNvGrpSpPr/>
+          <p:nvPr/>
+        </p:nvGrpSpPr>
+        <p:grpSpPr>
+          <a:xfrm rot="5672329">
+            <a:off x="15956702" y="15134694"/>
+            <a:ext cx="465295" cy="429840"/>
+            <a:chOff x="5764817" y="2081712"/>
+            <a:chExt cx="465295" cy="429840"/>
+          </a:xfrm>
+        </p:grpSpPr>
+        <p:sp>
+          <p:nvSpPr>
+            <p:cNvPr id="75" name="타원 74"/>
+            <p:cNvSpPr/>
+            <p:nvPr/>
+          </p:nvSpPr>
+          <p:spPr>
+            <a:xfrm>
+              <a:off x="5764817" y="2081712"/>
+              <a:ext cx="254984" cy="254984"/>
+            </a:xfrm>
+            <a:prstGeom prst="ellipse">
+              <a:avLst/>
+            </a:prstGeom>
+            <a:noFill/>
+            <a:ln w="38100">
+              <a:solidFill>
+                <a:schemeClr val="accent1"/>
+              </a:solidFill>
+            </a:ln>
+          </p:spPr>
+          <p:style>
+            <a:lnRef idx="2">
+              <a:schemeClr val="accent1">
+                <a:shade val="50000"/>
+              </a:schemeClr>
+            </a:lnRef>
+            <a:fillRef idx="1">
+              <a:schemeClr val="accent1"/>
+            </a:fillRef>
+            <a:effectRef idx="0">
+              <a:schemeClr val="accent1"/>
+            </a:effectRef>
+            <a:fontRef idx="minor">
+              <a:schemeClr val="lt1"/>
+            </a:fontRef>
+          </p:style>
+          <p:txBody>
+            <a:bodyPr rtlCol="0" anchor="ctr"/>
+            <a:lstStyle/>
+            <a:p>
+              <a:pPr algn="ctr"/>
+              <a:endParaRPr lang="ko-KR" altLang="en-US"/>
+            </a:p>
+          </p:txBody>
+        </p:sp>
+        <p:cxnSp>
+          <p:nvCxnSpPr>
+            <p:cNvPr id="76" name="직선 연결선 75"/>
+            <p:cNvCxnSpPr>
+              <a:endCxn id="75" idx="5"/>
+            </p:cNvCxnSpPr>
+            <p:nvPr/>
+          </p:nvCxnSpPr>
+          <p:spPr>
+            <a:xfrm flipH="1" flipV="1">
+              <a:off x="5982459" y="2299354"/>
+              <a:ext cx="247653" cy="212198"/>
+            </a:xfrm>
+            <a:prstGeom prst="line">
+              <a:avLst/>
+            </a:prstGeom>
+            <a:ln w="38100">
+              <a:headEnd type="stealth" w="lg" len="lg"/>
+            </a:ln>
+          </p:spPr>
+          <p:style>
+            <a:lnRef idx="1">
+              <a:schemeClr val="accent1"/>
+            </a:lnRef>
+            <a:fillRef idx="0">
+              <a:schemeClr val="accent1"/>
+            </a:fillRef>
+            <a:effectRef idx="0">
+              <a:schemeClr val="accent1"/>
+            </a:effectRef>
+            <a:fontRef idx="minor">
+              <a:schemeClr val="tx1"/>
+            </a:fontRef>
+          </p:style>
+        </p:cxnSp>
+      </p:grpSp>
+      <p:sp>
+        <p:nvSpPr>
+          <p:cNvPr id="77" name="TextBox 76"/>
           <p:cNvSpPr txBox="1"/>
           <p:nvPr/>
         </p:nvSpPr>
         <p:spPr>
-          <a:xfrm rot="2599791">
-            <a:off x="5826808" y="4481137"/>
-            <a:ext cx="1553630" cy="261610"/>
+          <a:xfrm rot="19188507">
+            <a:off x="15173859" y="15038805"/>
+            <a:ext cx="1412566" cy="261610"/>
           </a:xfrm>
           <a:prstGeom prst="rect">
             <a:avLst/>
@@ -4648,418 +5151,34 @@
           </a:bodyPr>
           <a:lstStyle/>
           <a:p>
-            <a:r>
-              <a:rPr lang="ko-KR" altLang="en-US" sz="1100" dirty="0" smtClean="0"/>
-              <a:t>등록할 강의평가 </a:t>
-            </a:r>
-            <a:r>
-              <a:rPr lang="ko-KR" altLang="en-US" sz="1100" dirty="0" smtClean="0"/>
-              <a:t>결과</a:t>
+            <a:pPr algn="ctr"/>
+            <a:r>
+              <a:rPr lang="ko-KR" altLang="en-US" sz="1100" dirty="0"/>
+              <a:t>강의평가 화면 정보</a:t>
             </a:r>
             <a:endParaRPr lang="ko-KR" altLang="en-US" sz="1600" dirty="0"/>
           </a:p>
         </p:txBody>
       </p:sp>
-      <p:sp>
-        <p:nvSpPr>
-          <p:cNvPr id="24" name="TextBox 23"/>
-          <p:cNvSpPr txBox="1"/>
-          <p:nvPr/>
-        </p:nvSpPr>
-        <p:spPr>
-          <a:xfrm rot="18422831">
-            <a:off x="3500574" y="4170910"/>
-            <a:ext cx="1221809" cy="430887"/>
-          </a:xfrm>
-          <a:prstGeom prst="rect">
-            <a:avLst/>
-          </a:prstGeom>
-          <a:noFill/>
-        </p:spPr>
-        <p:txBody>
-          <a:bodyPr wrap="none" rtlCol="0">
-            <a:spAutoFit/>
-          </a:bodyPr>
-          <a:lstStyle/>
-          <a:p>
-            <a:pPr algn="ctr"/>
-            <a:r>
-              <a:rPr lang="ko-KR" altLang="en-US" sz="1100" dirty="0" smtClean="0"/>
-              <a:t>구성된 </a:t>
-            </a:r>
-            <a:endParaRPr lang="en-US" altLang="ko-KR" sz="1100" dirty="0" smtClean="0"/>
-          </a:p>
-          <a:p>
-            <a:pPr algn="ctr"/>
-            <a:r>
-              <a:rPr lang="ko-KR" altLang="en-US" sz="1100" dirty="0" smtClean="0"/>
-              <a:t>강의평가 질문지</a:t>
-            </a:r>
-            <a:endParaRPr lang="ko-KR" altLang="en-US" sz="1600" dirty="0"/>
-          </a:p>
-        </p:txBody>
-      </p:sp>
-      <p:sp>
-        <p:nvSpPr>
-          <p:cNvPr id="34" name="TextBox 33"/>
-          <p:cNvSpPr txBox="1"/>
-          <p:nvPr/>
-        </p:nvSpPr>
-        <p:spPr>
-          <a:xfrm rot="20960003">
-            <a:off x="5238634" y="4607077"/>
-            <a:ext cx="1080745" cy="430887"/>
-          </a:xfrm>
-          <a:prstGeom prst="rect">
-            <a:avLst/>
-          </a:prstGeom>
-          <a:noFill/>
-        </p:spPr>
-        <p:txBody>
-          <a:bodyPr wrap="none" rtlCol="0">
-            <a:spAutoFit/>
-          </a:bodyPr>
-          <a:lstStyle/>
-          <a:p>
-            <a:pPr algn="ctr"/>
-            <a:r>
-              <a:rPr lang="ko-KR" altLang="en-US" sz="1100" dirty="0" smtClean="0"/>
-              <a:t>등록할</a:t>
-            </a:r>
-            <a:endParaRPr lang="en-US" altLang="ko-KR" sz="1100" dirty="0" smtClean="0"/>
-          </a:p>
-          <a:p>
-            <a:pPr algn="ctr"/>
-            <a:r>
-              <a:rPr lang="ko-KR" altLang="en-US" sz="1100" dirty="0" smtClean="0"/>
-              <a:t>강의평가 </a:t>
-            </a:r>
-            <a:r>
-              <a:rPr lang="ko-KR" altLang="en-US" sz="1100" dirty="0" smtClean="0"/>
-              <a:t>결과</a:t>
-            </a:r>
-            <a:endParaRPr lang="ko-KR" altLang="en-US" sz="1600" dirty="0"/>
-          </a:p>
-        </p:txBody>
-      </p:sp>
-      <p:sp>
-        <p:nvSpPr>
-          <p:cNvPr id="44" name="TextBox 43"/>
-          <p:cNvSpPr txBox="1"/>
-          <p:nvPr/>
-        </p:nvSpPr>
-        <p:spPr>
-          <a:xfrm rot="19988703">
-            <a:off x="2130386" y="4399327"/>
-            <a:ext cx="1080745" cy="430887"/>
-          </a:xfrm>
-          <a:prstGeom prst="rect">
-            <a:avLst/>
-          </a:prstGeom>
-          <a:noFill/>
-        </p:spPr>
-        <p:txBody>
-          <a:bodyPr wrap="none" rtlCol="0">
-            <a:spAutoFit/>
-          </a:bodyPr>
-          <a:lstStyle/>
-          <a:p>
-            <a:pPr algn="ctr"/>
-            <a:r>
-              <a:rPr lang="ko-KR" altLang="en-US" sz="1100" dirty="0" smtClean="0"/>
-              <a:t>강의평가 대상</a:t>
-            </a:r>
-            <a:endParaRPr lang="en-US" altLang="ko-KR" sz="1100" dirty="0" smtClean="0"/>
-          </a:p>
-          <a:p>
-            <a:pPr algn="ctr"/>
-            <a:r>
-              <a:rPr lang="ko-KR" altLang="en-US" sz="1100" dirty="0" smtClean="0"/>
-              <a:t>입력 </a:t>
-            </a:r>
-            <a:r>
-              <a:rPr lang="ko-KR" altLang="en-US" sz="1100" dirty="0" smtClean="0"/>
-              <a:t>데이터</a:t>
-            </a:r>
-            <a:endParaRPr lang="ko-KR" altLang="en-US" sz="1600" dirty="0"/>
-          </a:p>
-        </p:txBody>
-      </p:sp>
-      <p:pic>
-        <p:nvPicPr>
-          <p:cNvPr id="3" name="그림 2"/>
-          <p:cNvPicPr>
-            <a:picLocks noChangeAspect="1"/>
-          </p:cNvPicPr>
-          <p:nvPr/>
-        </p:nvPicPr>
-        <p:blipFill>
-          <a:blip r:embed="rId2"/>
-          <a:stretch>
-            <a:fillRect/>
-          </a:stretch>
-        </p:blipFill>
-        <p:spPr>
-          <a:xfrm>
-            <a:off x="382914" y="5003739"/>
-            <a:ext cx="1329335" cy="659915"/>
-          </a:xfrm>
-          <a:prstGeom prst="rect">
-            <a:avLst/>
-          </a:prstGeom>
-        </p:spPr>
-      </p:pic>
-      <p:sp>
-        <p:nvSpPr>
-          <p:cNvPr id="37" name="TextBox 36"/>
-          <p:cNvSpPr txBox="1"/>
-          <p:nvPr/>
-        </p:nvSpPr>
-        <p:spPr>
-          <a:xfrm rot="20270931">
-            <a:off x="1819037" y="3760905"/>
-            <a:ext cx="1796826" cy="261610"/>
-          </a:xfrm>
-          <a:prstGeom prst="rect">
-            <a:avLst/>
-          </a:prstGeom>
-          <a:noFill/>
-        </p:spPr>
-        <p:txBody>
-          <a:bodyPr wrap="square" rtlCol="0">
-            <a:spAutoFit/>
-          </a:bodyPr>
-          <a:lstStyle/>
-          <a:p>
-            <a:pPr algn="ctr"/>
-            <a:r>
-              <a:rPr lang="ko-KR" altLang="en-US" sz="1100" dirty="0" smtClean="0"/>
-              <a:t>강의평가 질문 리스트</a:t>
-            </a:r>
-            <a:endParaRPr lang="ko-KR" altLang="en-US" sz="1600" dirty="0"/>
-          </a:p>
-        </p:txBody>
-      </p:sp>
-      <p:sp>
-        <p:nvSpPr>
-          <p:cNvPr id="45" name="직사각형 44"/>
-          <p:cNvSpPr/>
-          <p:nvPr/>
-        </p:nvSpPr>
-        <p:spPr>
-          <a:xfrm>
-            <a:off x="1794877" y="5069901"/>
-            <a:ext cx="1579795" cy="516688"/>
-          </a:xfrm>
-          <a:prstGeom prst="rect">
-            <a:avLst/>
-          </a:prstGeom>
-        </p:spPr>
-        <p:style>
-          <a:lnRef idx="2">
-            <a:schemeClr val="dk1"/>
-          </a:lnRef>
-          <a:fillRef idx="1">
-            <a:schemeClr val="lt1"/>
-          </a:fillRef>
-          <a:effectRef idx="0">
-            <a:schemeClr val="dk1"/>
-          </a:effectRef>
-          <a:fontRef idx="minor">
-            <a:schemeClr val="dk1"/>
-          </a:fontRef>
-        </p:style>
-        <p:txBody>
-          <a:bodyPr rtlCol="0" anchor="ctr"/>
-          <a:lstStyle/>
-          <a:p>
-            <a:pPr algn="ctr"/>
-            <a:r>
-              <a:rPr lang="ko-KR" altLang="en-US" sz="1200" dirty="0" smtClean="0"/>
-              <a:t>강의평가 대상 선택</a:t>
-            </a:r>
-            <a:endParaRPr lang="ko-KR" altLang="en-US" sz="1200" dirty="0"/>
-          </a:p>
-        </p:txBody>
-      </p:sp>
-      <p:sp>
-        <p:nvSpPr>
-          <p:cNvPr id="46" name="직사각형 45"/>
-          <p:cNvSpPr/>
-          <p:nvPr/>
-        </p:nvSpPr>
-        <p:spPr>
-          <a:xfrm>
-            <a:off x="3517433" y="5069901"/>
-            <a:ext cx="1579795" cy="516688"/>
-          </a:xfrm>
-          <a:prstGeom prst="rect">
-            <a:avLst/>
-          </a:prstGeom>
-        </p:spPr>
-        <p:style>
-          <a:lnRef idx="2">
-            <a:schemeClr val="dk1"/>
-          </a:lnRef>
-          <a:fillRef idx="1">
-            <a:schemeClr val="lt1"/>
-          </a:fillRef>
-          <a:effectRef idx="0">
-            <a:schemeClr val="dk1"/>
-          </a:effectRef>
-          <a:fontRef idx="minor">
-            <a:schemeClr val="dk1"/>
-          </a:fontRef>
-        </p:style>
-        <p:txBody>
-          <a:bodyPr rtlCol="0" anchor="ctr"/>
-          <a:lstStyle/>
-          <a:p>
-            <a:pPr algn="ctr"/>
-            <a:r>
-              <a:rPr lang="ko-KR" altLang="en-US" sz="1200" dirty="0" smtClean="0"/>
-              <a:t>강의평가 </a:t>
-            </a:r>
-            <a:endParaRPr lang="en-US" altLang="ko-KR" sz="1200" dirty="0" smtClean="0"/>
-          </a:p>
-          <a:p>
-            <a:pPr algn="ctr"/>
-            <a:r>
-              <a:rPr lang="ko-KR" altLang="en-US" sz="1200" dirty="0" smtClean="0"/>
-              <a:t>질문지 구성</a:t>
-            </a:r>
-            <a:endParaRPr lang="ko-KR" altLang="en-US" sz="1200" dirty="0"/>
-          </a:p>
-        </p:txBody>
-      </p:sp>
-      <p:sp>
-        <p:nvSpPr>
-          <p:cNvPr id="47" name="직사각형 46"/>
-          <p:cNvSpPr/>
-          <p:nvPr/>
-        </p:nvSpPr>
-        <p:spPr>
-          <a:xfrm>
-            <a:off x="5235067" y="5075352"/>
-            <a:ext cx="1579795" cy="516688"/>
-          </a:xfrm>
-          <a:prstGeom prst="rect">
-            <a:avLst/>
-          </a:prstGeom>
-        </p:spPr>
-        <p:style>
-          <a:lnRef idx="2">
-            <a:schemeClr val="dk1"/>
-          </a:lnRef>
-          <a:fillRef idx="1">
-            <a:schemeClr val="lt1"/>
-          </a:fillRef>
-          <a:effectRef idx="0">
-            <a:schemeClr val="dk1"/>
-          </a:effectRef>
-          <a:fontRef idx="minor">
-            <a:schemeClr val="dk1"/>
-          </a:fontRef>
-        </p:style>
-        <p:txBody>
-          <a:bodyPr rtlCol="0" anchor="ctr"/>
-          <a:lstStyle/>
-          <a:p>
-            <a:pPr algn="ctr"/>
-            <a:r>
-              <a:rPr lang="ko-KR" altLang="en-US" sz="1200" dirty="0" smtClean="0"/>
-              <a:t>강의평가 수행</a:t>
-            </a:r>
-            <a:endParaRPr lang="ko-KR" altLang="en-US" sz="1200" dirty="0"/>
-          </a:p>
-        </p:txBody>
-      </p:sp>
-      <p:sp>
-        <p:nvSpPr>
-          <p:cNvPr id="48" name="직사각형 47"/>
-          <p:cNvSpPr/>
-          <p:nvPr/>
-        </p:nvSpPr>
-        <p:spPr>
-          <a:xfrm>
-            <a:off x="7008399" y="5086650"/>
-            <a:ext cx="1579795" cy="516688"/>
-          </a:xfrm>
-          <a:prstGeom prst="rect">
-            <a:avLst/>
-          </a:prstGeom>
-        </p:spPr>
-        <p:style>
-          <a:lnRef idx="2">
-            <a:schemeClr val="dk1"/>
-          </a:lnRef>
-          <a:fillRef idx="1">
-            <a:schemeClr val="lt1"/>
-          </a:fillRef>
-          <a:effectRef idx="0">
-            <a:schemeClr val="dk1"/>
-          </a:effectRef>
-          <a:fontRef idx="minor">
-            <a:schemeClr val="dk1"/>
-          </a:fontRef>
-        </p:style>
-        <p:txBody>
-          <a:bodyPr rtlCol="0" anchor="ctr"/>
-          <a:lstStyle/>
-          <a:p>
-            <a:pPr algn="ctr"/>
-            <a:r>
-              <a:rPr lang="ko-KR" altLang="en-US" sz="1200" dirty="0" smtClean="0"/>
-              <a:t>강의평가 결과 등록</a:t>
-            </a:r>
-            <a:endParaRPr lang="ko-KR" altLang="en-US" sz="1200" dirty="0"/>
-          </a:p>
-        </p:txBody>
-      </p:sp>
-      <p:pic>
-        <p:nvPicPr>
-          <p:cNvPr id="28" name="그림 27"/>
-          <p:cNvPicPr>
-            <a:picLocks noChangeAspect="1"/>
-          </p:cNvPicPr>
-          <p:nvPr/>
-        </p:nvPicPr>
-        <p:blipFill>
-          <a:blip r:embed="rId3"/>
-          <a:stretch>
-            <a:fillRect/>
-          </a:stretch>
-        </p:blipFill>
-        <p:spPr>
-          <a:xfrm>
-            <a:off x="8693326" y="5015037"/>
-            <a:ext cx="1303522" cy="659915"/>
-          </a:xfrm>
-          <a:prstGeom prst="rect">
-            <a:avLst/>
-          </a:prstGeom>
-        </p:spPr>
-      </p:pic>
       <p:cxnSp>
         <p:nvCxnSpPr>
-          <p:cNvPr id="49" name="직선 화살표 연결선 48"/>
+          <p:cNvPr id="78" name="직선 화살표 연결선 77"/>
           <p:cNvCxnSpPr>
-            <a:endCxn id="3" idx="0"/>
+            <a:stCxn id="4" idx="2"/>
+            <a:endCxn id="73" idx="0"/>
           </p:cNvCxnSpPr>
           <p:nvPr/>
         </p:nvCxnSpPr>
         <p:spPr>
-          <a:xfrm flipH="1">
-            <a:off x="1047582" y="3428566"/>
-            <a:ext cx="3902111" cy="1575173"/>
+          <a:xfrm>
+            <a:off x="17809242" y="14661652"/>
+            <a:ext cx="347344" cy="1554163"/>
           </a:xfrm>
           <a:prstGeom prst="straightConnector1">
             <a:avLst/>
           </a:prstGeom>
-          <a:ln>
-            <a:solidFill>
-              <a:schemeClr val="tx1"/>
-            </a:solidFill>
+          <a:ln w="38100">
+            <a:headEnd w="lg" len="lg"/>
             <a:tailEnd type="triangle"/>
           </a:ln>
         </p:spPr>
@@ -5080,74 +5199,36 @@
       </p:cxnSp>
       <p:grpSp>
         <p:nvGrpSpPr>
-          <p:cNvPr id="50" name="그룹 49"/>
+          <p:cNvPr id="79" name="그룹 78"/>
           <p:cNvGrpSpPr/>
           <p:nvPr/>
         </p:nvGrpSpPr>
         <p:grpSpPr>
-          <a:xfrm rot="841189">
-            <a:off x="2703433" y="3871990"/>
-            <a:ext cx="517023" cy="401396"/>
-            <a:chOff x="2984500" y="1910004"/>
-            <a:chExt cx="517023" cy="401396"/>
+          <a:xfrm rot="2052325">
+            <a:off x="18027386" y="15201879"/>
+            <a:ext cx="465295" cy="429840"/>
+            <a:chOff x="5764817" y="2081712"/>
+            <a:chExt cx="465295" cy="429840"/>
           </a:xfrm>
         </p:grpSpPr>
-        <p:cxnSp>
-          <p:nvCxnSpPr>
-            <p:cNvPr id="51" name="직선 화살표 연결선 50"/>
-            <p:cNvCxnSpPr/>
-            <p:nvPr/>
-          </p:nvCxnSpPr>
-          <p:spPr>
-            <a:xfrm flipV="1">
-              <a:off x="3171324" y="1910004"/>
-              <a:ext cx="330199" cy="248996"/>
-            </a:xfrm>
-            <a:prstGeom prst="straightConnector1">
-              <a:avLst/>
-            </a:prstGeom>
-            <a:ln>
-              <a:solidFill>
-                <a:schemeClr val="tx1"/>
-              </a:solidFill>
-              <a:tailEnd type="triangle"/>
-            </a:ln>
-          </p:spPr>
-          <p:style>
-            <a:lnRef idx="1">
-              <a:schemeClr val="accent1"/>
-            </a:lnRef>
-            <a:fillRef idx="0">
-              <a:schemeClr val="accent1"/>
-            </a:fillRef>
-            <a:effectRef idx="0">
-              <a:schemeClr val="accent1"/>
-            </a:effectRef>
-            <a:fontRef idx="minor">
-              <a:schemeClr val="tx1"/>
-            </a:fontRef>
-          </p:style>
-        </p:cxnSp>
         <p:sp>
           <p:nvSpPr>
-            <p:cNvPr id="52" name="타원 51"/>
+            <p:cNvPr id="80" name="타원 79"/>
             <p:cNvSpPr/>
             <p:nvPr/>
           </p:nvSpPr>
           <p:spPr>
             <a:xfrm>
-              <a:off x="2984500" y="2095500"/>
-              <a:ext cx="215900" cy="215900"/>
+              <a:off x="5764817" y="2081712"/>
+              <a:ext cx="254984" cy="254984"/>
             </a:xfrm>
             <a:prstGeom prst="ellipse">
               <a:avLst/>
             </a:prstGeom>
-            <a:solidFill>
-              <a:schemeClr val="bg1"/>
-            </a:solidFill>
-            <a:ln>
+            <a:noFill/>
+            <a:ln w="38100">
               <a:solidFill>
-                <a:schemeClr val="tx1"/>
+                <a:schemeClr val="accent1"/>
               </a:solidFill>
             </a:ln>
           </p:spPr>
@@ -5176,123 +5257,24 @@
             </a:p>
           </p:txBody>
         </p:sp>
-      </p:grpSp>
-      <p:sp>
-        <p:nvSpPr>
-          <p:cNvPr id="53" name="TextBox 52"/>
-          <p:cNvSpPr txBox="1"/>
-          <p:nvPr/>
-        </p:nvSpPr>
-        <p:spPr>
-          <a:xfrm rot="19527852">
-            <a:off x="2108125" y="1741097"/>
-            <a:ext cx="2064083" cy="276999"/>
-          </a:xfrm>
-          <a:prstGeom prst="rect">
-            <a:avLst/>
-          </a:prstGeom>
-          <a:noFill/>
-        </p:spPr>
-        <p:txBody>
-          <a:bodyPr wrap="square" rtlCol="0">
-            <a:spAutoFit/>
-          </a:bodyPr>
-          <a:lstStyle/>
-          <a:p>
-            <a:r>
-              <a:rPr lang="ko-KR" altLang="en-US" sz="1200" dirty="0" smtClean="0"/>
-              <a:t>등록할 강의평가 결과 정보</a:t>
-            </a:r>
-          </a:p>
-        </p:txBody>
-      </p:sp>
-      <p:sp>
-        <p:nvSpPr>
-          <p:cNvPr id="55" name="직사각형 54"/>
-          <p:cNvSpPr/>
-          <p:nvPr/>
-        </p:nvSpPr>
-        <p:spPr>
-          <a:xfrm>
-            <a:off x="4525453" y="2917030"/>
-            <a:ext cx="1579795" cy="516688"/>
-          </a:xfrm>
-          <a:prstGeom prst="rect">
-            <a:avLst/>
-          </a:prstGeom>
-        </p:spPr>
-        <p:style>
-          <a:lnRef idx="2">
-            <a:schemeClr val="dk1"/>
-          </a:lnRef>
-          <a:fillRef idx="1">
-            <a:schemeClr val="lt1"/>
-          </a:fillRef>
-          <a:effectRef idx="0">
-            <a:schemeClr val="dk1"/>
-          </a:effectRef>
-          <a:fontRef idx="minor">
-            <a:schemeClr val="dk1"/>
-          </a:fontRef>
-        </p:style>
-        <p:txBody>
-          <a:bodyPr rtlCol="0" anchor="ctr"/>
-          <a:lstStyle/>
-          <a:p>
-            <a:pPr algn="ctr"/>
-            <a:r>
-              <a:rPr lang="ko-KR" altLang="en-US" sz="1200" dirty="0" smtClean="0"/>
-              <a:t>강의평</a:t>
-            </a:r>
-            <a:r>
-              <a:rPr lang="ko-KR" altLang="en-US" sz="1200" dirty="0" smtClean="0"/>
-              <a:t>가</a:t>
-            </a:r>
-            <a:endParaRPr lang="en-US" altLang="ko-KR" sz="1200" dirty="0" smtClean="0"/>
-          </a:p>
-          <a:p>
-            <a:pPr algn="ctr"/>
-            <a:r>
-              <a:rPr lang="ko-KR" altLang="en-US" sz="1200" dirty="0" smtClean="0"/>
-              <a:t>수행 화면</a:t>
-            </a:r>
-            <a:endParaRPr lang="en-US" altLang="ko-KR" sz="1200" dirty="0" smtClean="0"/>
-          </a:p>
-        </p:txBody>
-      </p:sp>
-      <p:grpSp>
-        <p:nvGrpSpPr>
-          <p:cNvPr id="56" name="그룹 55"/>
-          <p:cNvGrpSpPr/>
-          <p:nvPr/>
-        </p:nvGrpSpPr>
-        <p:grpSpPr>
-          <a:xfrm rot="232782">
-            <a:off x="3075035" y="4182848"/>
-            <a:ext cx="517023" cy="401396"/>
-            <a:chOff x="2984500" y="1910004"/>
-            <a:chExt cx="517023" cy="401396"/>
-          </a:xfrm>
-        </p:grpSpPr>
         <p:cxnSp>
           <p:nvCxnSpPr>
-            <p:cNvPr id="57" name="직선 화살표 연결선 56"/>
-            <p:cNvCxnSpPr/>
+            <p:cNvPr id="81" name="직선 연결선 80"/>
+            <p:cNvCxnSpPr>
+              <a:endCxn id="80" idx="5"/>
+            </p:cNvCxnSpPr>
             <p:nvPr/>
           </p:nvCxnSpPr>
           <p:spPr>
-            <a:xfrm flipV="1">
-              <a:off x="3171324" y="1910004"/>
-              <a:ext cx="330199" cy="248996"/>
+            <a:xfrm flipH="1" flipV="1">
+              <a:off x="5982459" y="2299354"/>
+              <a:ext cx="247653" cy="212198"/>
             </a:xfrm>
-            <a:prstGeom prst="straightConnector1">
+            <a:prstGeom prst="line">
               <a:avLst/>
             </a:prstGeom>
-            <a:ln>
-              <a:solidFill>
-                <a:schemeClr val="tx1"/>
-              </a:solidFill>
-              <a:tailEnd type="triangle"/>
+            <a:ln w="38100">
+              <a:headEnd type="stealth" w="lg" len="lg"/>
             </a:ln>
           </p:spPr>
           <p:style>
@@ -5310,26 +5292,70 @@
             </a:fontRef>
           </p:style>
         </p:cxnSp>
+      </p:grpSp>
+      <p:sp>
+        <p:nvSpPr>
+          <p:cNvPr id="82" name="TextBox 81"/>
+          <p:cNvSpPr txBox="1"/>
+          <p:nvPr/>
+        </p:nvSpPr>
+        <p:spPr>
+          <a:xfrm rot="4709987">
+            <a:off x="18146528" y="15247581"/>
+            <a:ext cx="798617" cy="261610"/>
+          </a:xfrm>
+          <a:prstGeom prst="rect">
+            <a:avLst/>
+          </a:prstGeom>
+          <a:noFill/>
+        </p:spPr>
+        <p:txBody>
+          <a:bodyPr wrap="none" rtlCol="0">
+            <a:spAutoFit/>
+          </a:bodyPr>
+          <a:lstStyle/>
+          <a:p>
+            <a:pPr algn="ctr"/>
+            <a:r>
+              <a:rPr lang="ko-KR" altLang="en-US" sz="1100" dirty="0"/>
+              <a:t>회원 정보</a:t>
+            </a:r>
+            <a:endParaRPr lang="ko-KR" altLang="en-US" sz="1600" dirty="0"/>
+          </a:p>
+        </p:txBody>
+      </p:sp>
+      <p:grpSp>
+        <p:nvGrpSpPr>
+          <p:cNvPr id="83" name="그룹 82"/>
+          <p:cNvGrpSpPr/>
+          <p:nvPr/>
+        </p:nvGrpSpPr>
+        <p:grpSpPr>
+          <a:xfrm rot="13016792">
+            <a:off x="17538195" y="15353052"/>
+            <a:ext cx="465295" cy="429840"/>
+            <a:chOff x="5764817" y="2081712"/>
+            <a:chExt cx="465295" cy="429840"/>
+          </a:xfrm>
+        </p:grpSpPr>
         <p:sp>
           <p:nvSpPr>
-            <p:cNvPr id="58" name="타원 57"/>
+            <p:cNvPr id="84" name="타원 83"/>
             <p:cNvSpPr/>
             <p:nvPr/>
           </p:nvSpPr>
           <p:spPr>
             <a:xfrm>
-              <a:off x="2984500" y="2095500"/>
-              <a:ext cx="215900" cy="215900"/>
+              <a:off x="5764817" y="2081712"/>
+              <a:ext cx="254984" cy="254984"/>
             </a:xfrm>
             <a:prstGeom prst="ellipse">
               <a:avLst/>
             </a:prstGeom>
-            <a:solidFill>
-              <a:schemeClr val="bg1"/>
-            </a:solidFill>
-            <a:ln>
+            <a:noFill/>
+            <a:ln w="38100">
               <a:solidFill>
-                <a:schemeClr val="tx1"/>
+                <a:schemeClr val="accent1"/>
               </a:solidFill>
             </a:ln>
           </p:spPr>
@@ -5358,180 +5384,147 @@
             </a:p>
           </p:txBody>
         </p:sp>
+        <p:cxnSp>
+          <p:nvCxnSpPr>
+            <p:cNvPr id="85" name="직선 연결선 84"/>
+            <p:cNvCxnSpPr>
+              <a:endCxn id="84" idx="5"/>
+            </p:cNvCxnSpPr>
+            <p:nvPr/>
+          </p:nvCxnSpPr>
+          <p:spPr>
+            <a:xfrm flipH="1" flipV="1">
+              <a:off x="5982459" y="2299354"/>
+              <a:ext cx="247653" cy="212198"/>
+            </a:xfrm>
+            <a:prstGeom prst="line">
+              <a:avLst/>
+            </a:prstGeom>
+            <a:ln w="38100">
+              <a:headEnd type="stealth" w="lg" len="lg"/>
+            </a:ln>
+          </p:spPr>
+          <p:style>
+            <a:lnRef idx="1">
+              <a:schemeClr val="accent1"/>
+            </a:lnRef>
+            <a:fillRef idx="0">
+              <a:schemeClr val="accent1"/>
+            </a:fillRef>
+            <a:effectRef idx="0">
+              <a:schemeClr val="accent1"/>
+            </a:effectRef>
+            <a:fontRef idx="minor">
+              <a:schemeClr val="tx1"/>
+            </a:fontRef>
+          </p:style>
+        </p:cxnSp>
       </p:grpSp>
-      <p:cxnSp>
-        <p:nvCxnSpPr>
-          <p:cNvPr id="59" name="직선 화살표 연결선 58"/>
-          <p:cNvCxnSpPr>
-            <a:endCxn id="45" idx="0"/>
-          </p:cNvCxnSpPr>
+      <p:sp>
+        <p:nvSpPr>
+          <p:cNvPr id="86" name="TextBox 85"/>
+          <p:cNvSpPr txBox="1"/>
           <p:nvPr/>
-        </p:nvCxnSpPr>
+        </p:nvSpPr>
         <p:spPr>
-          <a:xfrm flipH="1">
-            <a:off x="2584775" y="3439165"/>
-            <a:ext cx="2534342" cy="1630736"/>
-          </a:xfrm>
-          <a:prstGeom prst="straightConnector1">
+          <a:xfrm rot="4709987">
+            <a:off x="17105164" y="15538272"/>
+            <a:ext cx="798617" cy="261610"/>
+          </a:xfrm>
+          <a:prstGeom prst="rect">
             <a:avLst/>
           </a:prstGeom>
-          <a:ln>
+          <a:noFill/>
+        </p:spPr>
+        <p:txBody>
+          <a:bodyPr wrap="none" rtlCol="0">
+            <a:spAutoFit/>
+          </a:bodyPr>
+          <a:lstStyle/>
+          <a:p>
+            <a:pPr algn="ctr"/>
+            <a:r>
+              <a:rPr lang="ko-KR" altLang="en-US" sz="1100" dirty="0"/>
+              <a:t>수강 정보</a:t>
+            </a:r>
+            <a:endParaRPr lang="ko-KR" altLang="en-US" sz="1600" dirty="0"/>
+          </a:p>
+        </p:txBody>
+      </p:sp>
+      <p:sp>
+        <p:nvSpPr>
+          <p:cNvPr id="87" name="직사각형 86"/>
+          <p:cNvSpPr/>
+          <p:nvPr/>
+        </p:nvSpPr>
+        <p:spPr>
+          <a:xfrm>
+            <a:off x="19883369" y="16219261"/>
+            <a:ext cx="1556992" cy="726131"/>
+          </a:xfrm>
+          <a:prstGeom prst="rect">
+            <a:avLst/>
+          </a:prstGeom>
+          <a:noFill/>
+          <a:ln w="31750">
             <a:solidFill>
-              <a:schemeClr val="tx1"/>
+              <a:schemeClr val="accent1">
+                <a:shade val="50000"/>
+              </a:schemeClr>
             </a:solidFill>
-            <a:tailEnd type="triangle"/>
           </a:ln>
         </p:spPr>
         <p:style>
-          <a:lnRef idx="1">
-            <a:schemeClr val="accent1"/>
+          <a:lnRef idx="2">
+            <a:schemeClr val="accent1">
+              <a:shade val="50000"/>
+            </a:schemeClr>
           </a:lnRef>
-          <a:fillRef idx="0">
+          <a:fillRef idx="1">
             <a:schemeClr val="accent1"/>
           </a:fillRef>
           <a:effectRef idx="0">
             <a:schemeClr val="accent1"/>
           </a:effectRef>
           <a:fontRef idx="minor">
-            <a:schemeClr val="tx1"/>
+            <a:schemeClr val="lt1"/>
           </a:fontRef>
         </p:style>
-      </p:cxnSp>
+        <p:txBody>
+          <a:bodyPr rtlCol="0" anchor="ctr"/>
+          <a:lstStyle/>
+          <a:p>
+            <a:pPr algn="ctr"/>
+            <a:r>
+              <a:rPr lang="ko-KR" altLang="en-US" sz="1100" dirty="0">
+                <a:solidFill>
+                  <a:schemeClr val="tx1"/>
+                </a:solidFill>
+              </a:rPr>
+              <a:t>강의평가 처리</a:t>
+            </a:r>
+          </a:p>
+        </p:txBody>
+      </p:sp>
       <p:cxnSp>
         <p:nvCxnSpPr>
-          <p:cNvPr id="62" name="직선 화살표 연결선 61"/>
+          <p:cNvPr id="88" name="직선 화살표 연결선 87"/>
           <p:cNvCxnSpPr>
-            <a:stCxn id="55" idx="2"/>
-            <a:endCxn id="46" idx="0"/>
-          </p:cNvCxnSpPr>
-          <p:nvPr/>
-        </p:nvCxnSpPr>
-        <p:spPr>
-          <a:xfrm flipH="1">
-            <a:off x="4307331" y="3433718"/>
-            <a:ext cx="1008020" cy="1636183"/>
-          </a:xfrm>
-          <a:prstGeom prst="straightConnector1">
-            <a:avLst/>
-          </a:prstGeom>
-          <a:ln>
-            <a:solidFill>
-              <a:schemeClr val="tx1"/>
-            </a:solidFill>
-            <a:tailEnd type="triangle"/>
-          </a:ln>
-        </p:spPr>
-        <p:style>
-          <a:lnRef idx="1">
-            <a:schemeClr val="accent1"/>
-          </a:lnRef>
-          <a:fillRef idx="0">
-            <a:schemeClr val="accent1"/>
-          </a:fillRef>
-          <a:effectRef idx="0">
-            <a:schemeClr val="accent1"/>
-          </a:effectRef>
-          <a:fontRef idx="minor">
-            <a:schemeClr val="tx1"/>
-          </a:fontRef>
-        </p:style>
-      </p:cxnSp>
-      <p:cxnSp>
-        <p:nvCxnSpPr>
-          <p:cNvPr id="65" name="직선 화살표 연결선 64"/>
-          <p:cNvCxnSpPr>
-            <a:endCxn id="47" idx="0"/>
+            <a:stCxn id="4" idx="2"/>
+            <a:endCxn id="87" idx="0"/>
           </p:cNvCxnSpPr>
           <p:nvPr/>
         </p:nvCxnSpPr>
         <p:spPr>
           <a:xfrm>
-            <a:off x="5458112" y="3436294"/>
-            <a:ext cx="566853" cy="1639058"/>
+            <a:off x="17809243" y="14661652"/>
+            <a:ext cx="2852623" cy="1557609"/>
           </a:xfrm>
           <a:prstGeom prst="straightConnector1">
             <a:avLst/>
           </a:prstGeom>
-          <a:ln>
-            <a:solidFill>
-              <a:schemeClr val="tx1"/>
-            </a:solidFill>
-            <a:tailEnd type="triangle"/>
-          </a:ln>
-        </p:spPr>
-        <p:style>
-          <a:lnRef idx="1">
-            <a:schemeClr val="accent1"/>
-          </a:lnRef>
-          <a:fillRef idx="0">
-            <a:schemeClr val="accent1"/>
-          </a:fillRef>
-          <a:effectRef idx="0">
-            <a:schemeClr val="accent1"/>
-          </a:effectRef>
-          <a:fontRef idx="minor">
-            <a:schemeClr val="tx1"/>
-          </a:fontRef>
-        </p:style>
-      </p:cxnSp>
-      <p:cxnSp>
-        <p:nvCxnSpPr>
-          <p:cNvPr id="68" name="직선 화살표 연결선 67"/>
-          <p:cNvCxnSpPr>
-            <a:endCxn id="48" idx="0"/>
-          </p:cNvCxnSpPr>
-          <p:nvPr/>
-        </p:nvCxnSpPr>
-        <p:spPr>
-          <a:xfrm>
-            <a:off x="5617094" y="3447430"/>
-            <a:ext cx="2181203" cy="1639220"/>
-          </a:xfrm>
-          <a:prstGeom prst="straightConnector1">
-            <a:avLst/>
-          </a:prstGeom>
-          <a:ln>
-            <a:solidFill>
-              <a:schemeClr val="tx1"/>
-            </a:solidFill>
-            <a:tailEnd type="triangle"/>
-          </a:ln>
-        </p:spPr>
-        <p:style>
-          <a:lnRef idx="1">
-            <a:schemeClr val="accent1"/>
-          </a:lnRef>
-          <a:fillRef idx="0">
-            <a:schemeClr val="accent1"/>
-          </a:fillRef>
-          <a:effectRef idx="0">
-            <a:schemeClr val="accent1"/>
-          </a:effectRef>
-          <a:fontRef idx="minor">
-            <a:schemeClr val="tx1"/>
-          </a:fontRef>
-        </p:style>
-      </p:cxnSp>
-      <p:cxnSp>
-        <p:nvCxnSpPr>
-          <p:cNvPr id="71" name="직선 화살표 연결선 70"/>
-          <p:cNvCxnSpPr>
-            <a:endCxn id="28" idx="0"/>
-          </p:cNvCxnSpPr>
-          <p:nvPr/>
-        </p:nvCxnSpPr>
-        <p:spPr>
-          <a:xfrm>
-            <a:off x="5813594" y="3436294"/>
-            <a:ext cx="3531493" cy="1578743"/>
-          </a:xfrm>
-          <a:prstGeom prst="straightConnector1">
-            <a:avLst/>
-          </a:prstGeom>
-          <a:ln>
-            <a:solidFill>
-              <a:schemeClr val="tx1"/>
-            </a:solidFill>
+          <a:ln w="38100">
+            <a:headEnd w="lg" len="lg"/>
             <a:tailEnd type="triangle"/>
           </a:ln>
         </p:spPr>
@@ -5552,74 +5545,36 @@
       </p:cxnSp>
       <p:grpSp>
         <p:nvGrpSpPr>
-          <p:cNvPr id="74" name="그룹 73"/>
+          <p:cNvPr id="89" name="그룹 88"/>
           <p:cNvGrpSpPr/>
           <p:nvPr/>
         </p:nvGrpSpPr>
         <p:grpSpPr>
-          <a:xfrm rot="20812757">
-            <a:off x="4299727" y="4179643"/>
-            <a:ext cx="517023" cy="401396"/>
-            <a:chOff x="2984500" y="1910004"/>
-            <a:chExt cx="517023" cy="401396"/>
+          <a:xfrm rot="367939">
+            <a:off x="19344736" y="15056181"/>
+            <a:ext cx="465295" cy="429840"/>
+            <a:chOff x="5764817" y="2081712"/>
+            <a:chExt cx="465295" cy="429840"/>
           </a:xfrm>
         </p:grpSpPr>
-        <p:cxnSp>
-          <p:nvCxnSpPr>
-            <p:cNvPr id="75" name="직선 화살표 연결선 74"/>
-            <p:cNvCxnSpPr/>
-            <p:nvPr/>
-          </p:nvCxnSpPr>
-          <p:spPr>
-            <a:xfrm flipV="1">
-              <a:off x="3171324" y="1910004"/>
-              <a:ext cx="330199" cy="248996"/>
-            </a:xfrm>
-            <a:prstGeom prst="straightConnector1">
-              <a:avLst/>
-            </a:prstGeom>
-            <a:ln>
-              <a:solidFill>
-                <a:schemeClr val="tx1"/>
-              </a:solidFill>
-              <a:tailEnd type="triangle"/>
-            </a:ln>
-          </p:spPr>
-          <p:style>
-            <a:lnRef idx="1">
-              <a:schemeClr val="accent1"/>
-            </a:lnRef>
-            <a:fillRef idx="0">
-              <a:schemeClr val="accent1"/>
-            </a:fillRef>
-            <a:effectRef idx="0">
-              <a:schemeClr val="accent1"/>
-            </a:effectRef>
-            <a:fontRef idx="minor">
-              <a:schemeClr val="tx1"/>
-            </a:fontRef>
-          </p:style>
-        </p:cxnSp>
         <p:sp>
           <p:nvSpPr>
-            <p:cNvPr id="76" name="타원 75"/>
+            <p:cNvPr id="90" name="타원 89"/>
             <p:cNvSpPr/>
             <p:nvPr/>
           </p:nvSpPr>
           <p:spPr>
             <a:xfrm>
-              <a:off x="2984500" y="2095500"/>
-              <a:ext cx="215900" cy="215900"/>
+              <a:off x="5764817" y="2081712"/>
+              <a:ext cx="254984" cy="254984"/>
             </a:xfrm>
             <a:prstGeom prst="ellipse">
               <a:avLst/>
             </a:prstGeom>
-            <a:solidFill>
-              <a:schemeClr val="bg1"/>
-            </a:solidFill>
-            <a:ln>
+            <a:noFill/>
+            <a:ln w="38100">
               <a:solidFill>
-                <a:schemeClr val="tx1"/>
+                <a:schemeClr val="accent1"/>
               </a:solidFill>
             </a:ln>
           </p:spPr>
@@ -5648,40 +5603,24 @@
             </a:p>
           </p:txBody>
         </p:sp>
-      </p:grpSp>
-      <p:grpSp>
-        <p:nvGrpSpPr>
-          <p:cNvPr id="77" name="그룹 76"/>
-          <p:cNvGrpSpPr/>
-          <p:nvPr/>
-        </p:nvGrpSpPr>
-        <p:grpSpPr>
-          <a:xfrm rot="17341201">
-            <a:off x="5367669" y="4242953"/>
-            <a:ext cx="517023" cy="401396"/>
-            <a:chOff x="2984500" y="1910004"/>
-            <a:chExt cx="517023" cy="401396"/>
-          </a:xfrm>
-        </p:grpSpPr>
         <p:cxnSp>
           <p:nvCxnSpPr>
-            <p:cNvPr id="78" name="직선 화살표 연결선 77"/>
-            <p:cNvCxnSpPr/>
+            <p:cNvPr id="91" name="직선 연결선 90"/>
+            <p:cNvCxnSpPr>
+              <a:endCxn id="90" idx="5"/>
+            </p:cNvCxnSpPr>
             <p:nvPr/>
           </p:nvCxnSpPr>
           <p:spPr>
-            <a:xfrm flipV="1">
-              <a:off x="3171324" y="1910004"/>
-              <a:ext cx="330199" cy="248996"/>
+            <a:xfrm flipH="1" flipV="1">
+              <a:off x="5982459" y="2299354"/>
+              <a:ext cx="247653" cy="212198"/>
             </a:xfrm>
-            <a:prstGeom prst="straightConnector1">
+            <a:prstGeom prst="line">
               <a:avLst/>
             </a:prstGeom>
-            <a:ln>
-              <a:solidFill>
-                <a:schemeClr val="tx1"/>
-              </a:solidFill>
-              <a:tailEnd type="triangle"/>
+            <a:ln w="38100">
+              <a:headEnd type="stealth" w="lg" len="lg"/>
             </a:ln>
           </p:spPr>
           <p:style>
@@ -5699,263 +5638,17 @@
             </a:fontRef>
           </p:style>
         </p:cxnSp>
-        <p:sp>
-          <p:nvSpPr>
-            <p:cNvPr id="79" name="타원 78"/>
-            <p:cNvSpPr/>
-            <p:nvPr/>
-          </p:nvSpPr>
-          <p:spPr>
-            <a:xfrm>
-              <a:off x="2984500" y="2095500"/>
-              <a:ext cx="215900" cy="215900"/>
-            </a:xfrm>
-            <a:prstGeom prst="ellipse">
-              <a:avLst/>
-            </a:prstGeom>
-            <a:solidFill>
-              <a:schemeClr val="bg1"/>
-            </a:solidFill>
-            <a:ln>
-              <a:solidFill>
-                <a:schemeClr val="tx1"/>
-              </a:solidFill>
-            </a:ln>
-          </p:spPr>
-          <p:style>
-            <a:lnRef idx="2">
-              <a:schemeClr val="accent1">
-                <a:shade val="50000"/>
-              </a:schemeClr>
-            </a:lnRef>
-            <a:fillRef idx="1">
-              <a:schemeClr val="accent1"/>
-            </a:fillRef>
-            <a:effectRef idx="0">
-              <a:schemeClr val="accent1"/>
-            </a:effectRef>
-            <a:fontRef idx="minor">
-              <a:schemeClr val="lt1"/>
-            </a:fontRef>
-          </p:style>
-          <p:txBody>
-            <a:bodyPr rtlCol="0" anchor="ctr"/>
-            <a:lstStyle/>
-            <a:p>
-              <a:pPr algn="ctr"/>
-              <a:endParaRPr lang="ko-KR" altLang="en-US"/>
-            </a:p>
-          </p:txBody>
-        </p:sp>
       </p:grpSp>
-      <p:grpSp>
-        <p:nvGrpSpPr>
-          <p:cNvPr id="80" name="그룹 79"/>
-          <p:cNvGrpSpPr/>
-          <p:nvPr/>
-        </p:nvGrpSpPr>
-        <p:grpSpPr>
-          <a:xfrm rot="4552563">
-            <a:off x="6576370" y="4372811"/>
-            <a:ext cx="517023" cy="401396"/>
-            <a:chOff x="2984500" y="1910004"/>
-            <a:chExt cx="517023" cy="401396"/>
-          </a:xfrm>
-        </p:grpSpPr>
-        <p:cxnSp>
-          <p:nvCxnSpPr>
-            <p:cNvPr id="81" name="직선 화살표 연결선 80"/>
-            <p:cNvCxnSpPr/>
-            <p:nvPr/>
-          </p:nvCxnSpPr>
-          <p:spPr>
-            <a:xfrm flipV="1">
-              <a:off x="3171324" y="1910004"/>
-              <a:ext cx="330199" cy="248996"/>
-            </a:xfrm>
-            <a:prstGeom prst="straightConnector1">
-              <a:avLst/>
-            </a:prstGeom>
-            <a:ln>
-              <a:solidFill>
-                <a:schemeClr val="tx1"/>
-              </a:solidFill>
-              <a:tailEnd type="triangle"/>
-            </a:ln>
-          </p:spPr>
-          <p:style>
-            <a:lnRef idx="1">
-              <a:schemeClr val="accent1"/>
-            </a:lnRef>
-            <a:fillRef idx="0">
-              <a:schemeClr val="accent1"/>
-            </a:fillRef>
-            <a:effectRef idx="0">
-              <a:schemeClr val="accent1"/>
-            </a:effectRef>
-            <a:fontRef idx="minor">
-              <a:schemeClr val="tx1"/>
-            </a:fontRef>
-          </p:style>
-        </p:cxnSp>
-        <p:sp>
-          <p:nvSpPr>
-            <p:cNvPr id="82" name="타원 81"/>
-            <p:cNvSpPr/>
-            <p:nvPr/>
-          </p:nvSpPr>
-          <p:spPr>
-            <a:xfrm>
-              <a:off x="2984500" y="2095500"/>
-              <a:ext cx="215900" cy="215900"/>
-            </a:xfrm>
-            <a:prstGeom prst="ellipse">
-              <a:avLst/>
-            </a:prstGeom>
-            <a:solidFill>
-              <a:schemeClr val="bg1"/>
-            </a:solidFill>
-            <a:ln>
-              <a:solidFill>
-                <a:schemeClr val="tx1"/>
-              </a:solidFill>
-            </a:ln>
-          </p:spPr>
-          <p:style>
-            <a:lnRef idx="2">
-              <a:schemeClr val="accent1">
-                <a:shade val="50000"/>
-              </a:schemeClr>
-            </a:lnRef>
-            <a:fillRef idx="1">
-              <a:schemeClr val="accent1"/>
-            </a:fillRef>
-            <a:effectRef idx="0">
-              <a:schemeClr val="accent1"/>
-            </a:effectRef>
-            <a:fontRef idx="minor">
-              <a:schemeClr val="lt1"/>
-            </a:fontRef>
-          </p:style>
-          <p:txBody>
-            <a:bodyPr rtlCol="0" anchor="ctr"/>
-            <a:lstStyle/>
-            <a:p>
-              <a:pPr algn="ctr"/>
-              <a:endParaRPr lang="ko-KR" altLang="en-US"/>
-            </a:p>
-          </p:txBody>
-        </p:sp>
-      </p:grpSp>
-      <p:grpSp>
-        <p:nvGrpSpPr>
-          <p:cNvPr id="90" name="그룹 89"/>
-          <p:cNvGrpSpPr/>
-          <p:nvPr/>
-        </p:nvGrpSpPr>
-        <p:grpSpPr>
-          <a:xfrm rot="15388229">
-            <a:off x="7029414" y="4294593"/>
-            <a:ext cx="517023" cy="401396"/>
-            <a:chOff x="2984500" y="1910004"/>
-            <a:chExt cx="517023" cy="401396"/>
-          </a:xfrm>
-        </p:grpSpPr>
-        <p:cxnSp>
-          <p:nvCxnSpPr>
-            <p:cNvPr id="91" name="직선 화살표 연결선 90"/>
-            <p:cNvCxnSpPr/>
-            <p:nvPr/>
-          </p:nvCxnSpPr>
-          <p:spPr>
-            <a:xfrm flipV="1">
-              <a:off x="3171324" y="1910004"/>
-              <a:ext cx="330199" cy="248996"/>
-            </a:xfrm>
-            <a:prstGeom prst="straightConnector1">
-              <a:avLst/>
-            </a:prstGeom>
-            <a:ln>
-              <a:solidFill>
-                <a:schemeClr val="tx1"/>
-              </a:solidFill>
-              <a:tailEnd type="triangle"/>
-            </a:ln>
-          </p:spPr>
-          <p:style>
-            <a:lnRef idx="1">
-              <a:schemeClr val="accent1"/>
-            </a:lnRef>
-            <a:fillRef idx="0">
-              <a:schemeClr val="accent1"/>
-            </a:fillRef>
-            <a:effectRef idx="0">
-              <a:schemeClr val="accent1"/>
-            </a:effectRef>
-            <a:fontRef idx="minor">
-              <a:schemeClr val="tx1"/>
-            </a:fontRef>
-          </p:style>
-        </p:cxnSp>
-        <p:sp>
-          <p:nvSpPr>
-            <p:cNvPr id="92" name="타원 91"/>
-            <p:cNvSpPr/>
-            <p:nvPr/>
-          </p:nvSpPr>
-          <p:spPr>
-            <a:xfrm>
-              <a:off x="2984500" y="2095500"/>
-              <a:ext cx="215900" cy="215900"/>
-            </a:xfrm>
-            <a:prstGeom prst="ellipse">
-              <a:avLst/>
-            </a:prstGeom>
-            <a:solidFill>
-              <a:schemeClr val="bg1"/>
-            </a:solidFill>
-            <a:ln>
-              <a:solidFill>
-                <a:schemeClr val="tx1"/>
-              </a:solidFill>
-            </a:ln>
-          </p:spPr>
-          <p:style>
-            <a:lnRef idx="2">
-              <a:schemeClr val="accent1">
-                <a:shade val="50000"/>
-              </a:schemeClr>
-            </a:lnRef>
-            <a:fillRef idx="1">
-              <a:schemeClr val="accent1"/>
-            </a:fillRef>
-            <a:effectRef idx="0">
-              <a:schemeClr val="accent1"/>
-            </a:effectRef>
-            <a:fontRef idx="minor">
-              <a:schemeClr val="lt1"/>
-            </a:fontRef>
-          </p:style>
-          <p:txBody>
-            <a:bodyPr rtlCol="0" anchor="ctr"/>
-            <a:lstStyle/>
-            <a:p>
-              <a:pPr algn="ctr"/>
-              <a:endParaRPr lang="ko-KR" altLang="en-US"/>
-            </a:p>
-          </p:txBody>
-        </p:sp>
-      </p:grpSp>
-      <p:sp>
-        <p:nvSpPr>
-          <p:cNvPr id="93" name="TextBox 92"/>
+      <p:sp>
+        <p:nvSpPr>
+          <p:cNvPr id="92" name="TextBox 91"/>
           <p:cNvSpPr txBox="1"/>
           <p:nvPr/>
         </p:nvSpPr>
         <p:spPr>
-          <a:xfrm rot="2238049">
-            <a:off x="6740263" y="4316724"/>
-            <a:ext cx="1553630" cy="261610"/>
+          <a:xfrm rot="3004916">
+            <a:off x="19336079" y="14966208"/>
+            <a:ext cx="798617" cy="261610"/>
           </a:xfrm>
           <a:prstGeom prst="rect">
             <a:avLst/>
@@ -5968,13 +5661,10 @@
           </a:bodyPr>
           <a:lstStyle/>
           <a:p>
-            <a:r>
-              <a:rPr lang="ko-KR" altLang="en-US" sz="1100" dirty="0" smtClean="0"/>
-              <a:t>등록된 강의평가 </a:t>
-            </a:r>
-            <a:r>
-              <a:rPr lang="ko-KR" altLang="en-US" sz="1100" dirty="0" smtClean="0"/>
-              <a:t>결과</a:t>
+            <a:pPr algn="ctr"/>
+            <a:r>
+              <a:rPr lang="ko-KR" altLang="en-US" sz="1100" dirty="0"/>
+              <a:t>수강 정보</a:t>
             </a:r>
             <a:endParaRPr lang="ko-KR" altLang="en-US" sz="1600" dirty="0"/>
           </a:p>
@@ -5983,7 +5673,7 @@
     </p:spTree>
     <p:extLst>
       <p:ext uri="{BB962C8B-B14F-4D97-AF65-F5344CB8AC3E}">
-        <p14:creationId xmlns:p14="http://schemas.microsoft.com/office/powerpoint/2010/main" val="3968122167"/>
+        <p14:creationId xmlns:p14="http://schemas.microsoft.com/office/powerpoint/2010/main" val="2670294775"/>
       </p:ext>
     </p:extLst>
   </p:cSld>
@@ -5996,7 +5686,7 @@
 <file path=ppt/theme/theme1.xml><?xml version="1.0" encoding="utf-8"?>
 <a:theme xmlns:a="http://schemas.openxmlformats.org/drawingml/2006/main" name="Office 테마">
   <a:themeElements>
-    <a:clrScheme name="Office">
+    <a:clrScheme name="Office 테마">
       <a:dk1>
         <a:sysClr val="windowText" lastClr="000000"/>
       </a:dk1>
@@ -6034,9 +5724,9 @@
         <a:srgbClr val="954F72"/>
       </a:folHlink>
     </a:clrScheme>
-    <a:fontScheme name="Office">
+    <a:fontScheme name="Office 테마">
       <a:majorFont>
-        <a:latin typeface="맑은 고딕" panose="020F0302020204030204"/>
+        <a:latin typeface="Calibri Light" panose="020F0302020204030204"/>
         <a:ea typeface=""/>
         <a:cs typeface=""/>
         <a:font script="Jpan" typeface="游ゴシック Light"/>
@@ -6069,26 +5759,9 @@
         <a:font script="Viet" typeface="Times New Roman"/>
         <a:font script="Uigh" typeface="Microsoft Uighur"/>
         <a:font script="Geor" typeface="Sylfaen"/>
-        <a:font script="Armn" typeface="Arial"/>
-        <a:font script="Bugi" typeface="Leelawadee UI"/>
-        <a:font script="Bopo" typeface="Microsoft JhengHei"/>
-        <a:font script="Java" typeface="Javanese Text"/>
-        <a:font script="Lisu" typeface="Segoe UI"/>
-        <a:font script="Mymr" typeface="Myanmar Text"/>
-        <a:font script="Nkoo" typeface="Ebrima"/>
-        <a:font script="Olck" typeface="Nirmala UI"/>
-        <a:font script="Osma" typeface="Ebrima"/>
-        <a:font script="Phag" typeface="Phagspa"/>
-        <a:font script="Syrn" typeface="Estrangelo Edessa"/>
-        <a:font script="Syrj" typeface="Estrangelo Edessa"/>
-        <a:font script="Syre" typeface="Estrangelo Edessa"/>
-        <a:font script="Sora" typeface="Nirmala UI"/>
-        <a:font script="Tale" typeface="Microsoft Tai Le"/>
-        <a:font script="Talu" typeface="Microsoft New Tai Lue"/>
-        <a:font script="Tfng" typeface="Ebrima"/>
       </a:majorFont>
       <a:minorFont>
-        <a:latin typeface="맑은 고딕" panose="020F0502020204030204"/>
+        <a:latin typeface="Calibri" panose="020F0502020204030204"/>
         <a:ea typeface=""/>
         <a:cs typeface=""/>
         <a:font script="Jpan" typeface="游ゴシック"/>
@@ -6121,26 +5794,9 @@
         <a:font script="Viet" typeface="Arial"/>
         <a:font script="Uigh" typeface="Microsoft Uighur"/>
         <a:font script="Geor" typeface="Sylfaen"/>
-        <a:font script="Armn" typeface="Arial"/>
-        <a:font script="Bugi" typeface="Leelawadee UI"/>
-        <a:font script="Bopo" typeface="Microsoft JhengHei"/>
-        <a:font script="Java" typeface="Javanese Text"/>
-        <a:font script="Lisu" typeface="Segoe UI"/>
-        <a:font script="Mymr" typeface="Myanmar Text"/>
-        <a:font script="Nkoo" typeface="Ebrima"/>
-        <a:font script="Olck" typeface="Nirmala UI"/>
-        <a:font script="Osma" typeface="Ebrima"/>
-        <a:font script="Phag" typeface="Phagspa"/>
-        <a:font script="Syrn" typeface="Estrangelo Edessa"/>
-        <a:font script="Syrj" typeface="Estrangelo Edessa"/>
-        <a:font script="Syre" typeface="Estrangelo Edessa"/>
-        <a:font script="Sora" typeface="Nirmala UI"/>
-        <a:font script="Tale" typeface="Microsoft Tai Le"/>
-        <a:font script="Talu" typeface="Microsoft New Tai Lue"/>
-        <a:font script="Tfng" typeface="Ebrima"/>
       </a:minorFont>
     </a:fontScheme>
-    <a:fmtScheme name="Office">
+    <a:fmtScheme name="Office 테마">
       <a:fillStyleLst>
         <a:solidFill>
           <a:schemeClr val="phClr"/>

--- a/SDD 관련 자료/작업 결과물/대화 모형도/강의평가 수행.pptx
+++ b/SDD 관련 자료/작업 결과물/대화 모형도/강의평가 수행.pptx
@@ -4392,500 +4392,6 @@
           </a:p>
         </p:txBody>
       </p:sp>
-      <p:grpSp>
-        <p:nvGrpSpPr>
-          <p:cNvPr id="50" name="그룹 49"/>
-          <p:cNvGrpSpPr/>
-          <p:nvPr/>
-        </p:nvGrpSpPr>
-        <p:grpSpPr>
-          <a:xfrm>
-            <a:off x="15346110" y="18800827"/>
-            <a:ext cx="1561933" cy="676405"/>
-            <a:chOff x="8118153" y="2442575"/>
-            <a:chExt cx="1561933" cy="676405"/>
-          </a:xfrm>
-        </p:grpSpPr>
-        <p:cxnSp>
-          <p:nvCxnSpPr>
-            <p:cNvPr id="51" name="직선 연결선 50"/>
-            <p:cNvCxnSpPr/>
-            <p:nvPr/>
-          </p:nvCxnSpPr>
-          <p:spPr>
-            <a:xfrm>
-              <a:off x="8118153" y="2442575"/>
-              <a:ext cx="1560286" cy="0"/>
-            </a:xfrm>
-            <a:prstGeom prst="line">
-              <a:avLst/>
-            </a:prstGeom>
-            <a:ln w="38100">
-              <a:solidFill>
-                <a:srgbClr val="41719C"/>
-              </a:solidFill>
-            </a:ln>
-          </p:spPr>
-          <p:style>
-            <a:lnRef idx="1">
-              <a:schemeClr val="accent1"/>
-            </a:lnRef>
-            <a:fillRef idx="0">
-              <a:schemeClr val="accent1"/>
-            </a:fillRef>
-            <a:effectRef idx="0">
-              <a:schemeClr val="accent1"/>
-            </a:effectRef>
-            <a:fontRef idx="minor">
-              <a:schemeClr val="tx1"/>
-            </a:fontRef>
-          </p:style>
-        </p:cxnSp>
-        <p:cxnSp>
-          <p:nvCxnSpPr>
-            <p:cNvPr id="52" name="직선 연결선 51"/>
-            <p:cNvCxnSpPr/>
-            <p:nvPr/>
-          </p:nvCxnSpPr>
-          <p:spPr>
-            <a:xfrm>
-              <a:off x="8119800" y="3118980"/>
-              <a:ext cx="1560286" cy="0"/>
-            </a:xfrm>
-            <a:prstGeom prst="line">
-              <a:avLst/>
-            </a:prstGeom>
-            <a:ln w="38100">
-              <a:solidFill>
-                <a:srgbClr val="41719C"/>
-              </a:solidFill>
-            </a:ln>
-          </p:spPr>
-          <p:style>
-            <a:lnRef idx="1">
-              <a:schemeClr val="accent1"/>
-            </a:lnRef>
-            <a:fillRef idx="0">
-              <a:schemeClr val="accent1"/>
-            </a:fillRef>
-            <a:effectRef idx="0">
-              <a:schemeClr val="accent1"/>
-            </a:effectRef>
-            <a:fontRef idx="minor">
-              <a:schemeClr val="tx1"/>
-            </a:fontRef>
-          </p:style>
-        </p:cxnSp>
-        <p:sp>
-          <p:nvSpPr>
-            <p:cNvPr id="53" name="직사각형 52"/>
-            <p:cNvSpPr/>
-            <p:nvPr/>
-          </p:nvSpPr>
-          <p:spPr>
-            <a:xfrm>
-              <a:off x="8217074" y="2530257"/>
-              <a:ext cx="1377863" cy="502203"/>
-            </a:xfrm>
-            <a:prstGeom prst="rect">
-              <a:avLst/>
-            </a:prstGeom>
-            <a:solidFill>
-              <a:schemeClr val="bg1"/>
-            </a:solidFill>
-            <a:ln>
-              <a:noFill/>
-            </a:ln>
-          </p:spPr>
-          <p:style>
-            <a:lnRef idx="2">
-              <a:schemeClr val="accent1">
-                <a:shade val="50000"/>
-              </a:schemeClr>
-            </a:lnRef>
-            <a:fillRef idx="1">
-              <a:schemeClr val="accent1"/>
-            </a:fillRef>
-            <a:effectRef idx="0">
-              <a:schemeClr val="accent1"/>
-            </a:effectRef>
-            <a:fontRef idx="minor">
-              <a:schemeClr val="lt1"/>
-            </a:fontRef>
-          </p:style>
-          <p:txBody>
-            <a:bodyPr rtlCol="0" anchor="ctr"/>
-            <a:lstStyle>
-              <a:defPPr>
-                <a:defRPr lang="ko-KR"/>
-              </a:defPPr>
-              <a:lvl1pPr marL="0" algn="l" defTabSz="914400" rtl="0" eaLnBrk="1" latinLnBrk="1" hangingPunct="1">
-                <a:defRPr sz="1800" kern="1200">
-                  <a:solidFill>
-                    <a:schemeClr val="lt1"/>
-                  </a:solidFill>
-                  <a:latin typeface="+mn-lt"/>
-                  <a:ea typeface="+mn-ea"/>
-                  <a:cs typeface="+mn-cs"/>
-                </a:defRPr>
-              </a:lvl1pPr>
-              <a:lvl2pPr marL="457200" algn="l" defTabSz="914400" rtl="0" eaLnBrk="1" latinLnBrk="1" hangingPunct="1">
-                <a:defRPr sz="1800" kern="1200">
-                  <a:solidFill>
-                    <a:schemeClr val="lt1"/>
-                  </a:solidFill>
-                  <a:latin typeface="+mn-lt"/>
-                  <a:ea typeface="+mn-ea"/>
-                  <a:cs typeface="+mn-cs"/>
-                </a:defRPr>
-              </a:lvl2pPr>
-              <a:lvl3pPr marL="914400" algn="l" defTabSz="914400" rtl="0" eaLnBrk="1" latinLnBrk="1" hangingPunct="1">
-                <a:defRPr sz="1800" kern="1200">
-                  <a:solidFill>
-                    <a:schemeClr val="lt1"/>
-                  </a:solidFill>
-                  <a:latin typeface="+mn-lt"/>
-                  <a:ea typeface="+mn-ea"/>
-                  <a:cs typeface="+mn-cs"/>
-                </a:defRPr>
-              </a:lvl3pPr>
-              <a:lvl4pPr marL="1371600" algn="l" defTabSz="914400" rtl="0" eaLnBrk="1" latinLnBrk="1" hangingPunct="1">
-                <a:defRPr sz="1800" kern="1200">
-                  <a:solidFill>
-                    <a:schemeClr val="lt1"/>
-                  </a:solidFill>
-                  <a:latin typeface="+mn-lt"/>
-                  <a:ea typeface="+mn-ea"/>
-                  <a:cs typeface="+mn-cs"/>
-                </a:defRPr>
-              </a:lvl4pPr>
-              <a:lvl5pPr marL="1828800" algn="l" defTabSz="914400" rtl="0" eaLnBrk="1" latinLnBrk="1" hangingPunct="1">
-                <a:defRPr sz="1800" kern="1200">
-                  <a:solidFill>
-                    <a:schemeClr val="lt1"/>
-                  </a:solidFill>
-                  <a:latin typeface="+mn-lt"/>
-                  <a:ea typeface="+mn-ea"/>
-                  <a:cs typeface="+mn-cs"/>
-                </a:defRPr>
-              </a:lvl5pPr>
-              <a:lvl6pPr marL="2286000" algn="l" defTabSz="914400" rtl="0" eaLnBrk="1" latinLnBrk="1" hangingPunct="1">
-                <a:defRPr sz="1800" kern="1200">
-                  <a:solidFill>
-                    <a:schemeClr val="lt1"/>
-                  </a:solidFill>
-                  <a:latin typeface="+mn-lt"/>
-                  <a:ea typeface="+mn-ea"/>
-                  <a:cs typeface="+mn-cs"/>
-                </a:defRPr>
-              </a:lvl6pPr>
-              <a:lvl7pPr marL="2743200" algn="l" defTabSz="914400" rtl="0" eaLnBrk="1" latinLnBrk="1" hangingPunct="1">
-                <a:defRPr sz="1800" kern="1200">
-                  <a:solidFill>
-                    <a:schemeClr val="lt1"/>
-                  </a:solidFill>
-                  <a:latin typeface="+mn-lt"/>
-                  <a:ea typeface="+mn-ea"/>
-                  <a:cs typeface="+mn-cs"/>
-                </a:defRPr>
-              </a:lvl7pPr>
-              <a:lvl8pPr marL="3200400" algn="l" defTabSz="914400" rtl="0" eaLnBrk="1" latinLnBrk="1" hangingPunct="1">
-                <a:defRPr sz="1800" kern="1200">
-                  <a:solidFill>
-                    <a:schemeClr val="lt1"/>
-                  </a:solidFill>
-                  <a:latin typeface="+mn-lt"/>
-                  <a:ea typeface="+mn-ea"/>
-                  <a:cs typeface="+mn-cs"/>
-                </a:defRPr>
-              </a:lvl8pPr>
-              <a:lvl9pPr marL="3657600" algn="l" defTabSz="914400" rtl="0" eaLnBrk="1" latinLnBrk="1" hangingPunct="1">
-                <a:defRPr sz="1800" kern="1200">
-                  <a:solidFill>
-                    <a:schemeClr val="lt1"/>
-                  </a:solidFill>
-                  <a:latin typeface="+mn-lt"/>
-                  <a:ea typeface="+mn-ea"/>
-                  <a:cs typeface="+mn-cs"/>
-                </a:defRPr>
-              </a:lvl9pPr>
-            </a:lstStyle>
-            <a:p>
-              <a:pPr algn="ctr"/>
-              <a:r>
-                <a:rPr lang="ko-KR" altLang="en-US" sz="1100" dirty="0">
-                  <a:solidFill>
-                    <a:schemeClr val="tx1"/>
-                  </a:solidFill>
-                </a:rPr>
-                <a:t>강의 평가 질문</a:t>
-              </a:r>
-              <a:br>
-                <a:rPr lang="en-US" altLang="ko-KR" sz="1100" dirty="0">
-                  <a:solidFill>
-                    <a:schemeClr val="tx1"/>
-                  </a:solidFill>
-                </a:rPr>
-              </a:br>
-              <a:r>
-                <a:rPr lang="ko-KR" altLang="en-US" sz="1100" dirty="0">
-                  <a:solidFill>
-                    <a:schemeClr val="tx1"/>
-                  </a:solidFill>
-                </a:rPr>
-                <a:t>저장소</a:t>
-              </a:r>
-            </a:p>
-          </p:txBody>
-        </p:sp>
-      </p:grpSp>
-      <p:grpSp>
-        <p:nvGrpSpPr>
-          <p:cNvPr id="55" name="그룹 54"/>
-          <p:cNvGrpSpPr/>
-          <p:nvPr/>
-        </p:nvGrpSpPr>
-        <p:grpSpPr>
-          <a:xfrm>
-            <a:off x="24414901" y="18802256"/>
-            <a:ext cx="1561933" cy="676405"/>
-            <a:chOff x="8118153" y="2442575"/>
-            <a:chExt cx="1561933" cy="676405"/>
-          </a:xfrm>
-        </p:grpSpPr>
-        <p:cxnSp>
-          <p:nvCxnSpPr>
-            <p:cNvPr id="56" name="직선 연결선 55"/>
-            <p:cNvCxnSpPr/>
-            <p:nvPr/>
-          </p:nvCxnSpPr>
-          <p:spPr>
-            <a:xfrm>
-              <a:off x="8118153" y="2442575"/>
-              <a:ext cx="1560286" cy="0"/>
-            </a:xfrm>
-            <a:prstGeom prst="line">
-              <a:avLst/>
-            </a:prstGeom>
-            <a:ln w="38100">
-              <a:solidFill>
-                <a:srgbClr val="41719C"/>
-              </a:solidFill>
-            </a:ln>
-          </p:spPr>
-          <p:style>
-            <a:lnRef idx="1">
-              <a:schemeClr val="accent1"/>
-            </a:lnRef>
-            <a:fillRef idx="0">
-              <a:schemeClr val="accent1"/>
-            </a:fillRef>
-            <a:effectRef idx="0">
-              <a:schemeClr val="accent1"/>
-            </a:effectRef>
-            <a:fontRef idx="minor">
-              <a:schemeClr val="tx1"/>
-            </a:fontRef>
-          </p:style>
-        </p:cxnSp>
-        <p:cxnSp>
-          <p:nvCxnSpPr>
-            <p:cNvPr id="69" name="직선 연결선 68"/>
-            <p:cNvCxnSpPr/>
-            <p:nvPr/>
-          </p:nvCxnSpPr>
-          <p:spPr>
-            <a:xfrm>
-              <a:off x="8119800" y="3118980"/>
-              <a:ext cx="1560286" cy="0"/>
-            </a:xfrm>
-            <a:prstGeom prst="line">
-              <a:avLst/>
-            </a:prstGeom>
-            <a:ln w="38100">
-              <a:solidFill>
-                <a:srgbClr val="41719C"/>
-              </a:solidFill>
-            </a:ln>
-          </p:spPr>
-          <p:style>
-            <a:lnRef idx="1">
-              <a:schemeClr val="accent1"/>
-            </a:lnRef>
-            <a:fillRef idx="0">
-              <a:schemeClr val="accent1"/>
-            </a:fillRef>
-            <a:effectRef idx="0">
-              <a:schemeClr val="accent1"/>
-            </a:effectRef>
-            <a:fontRef idx="minor">
-              <a:schemeClr val="tx1"/>
-            </a:fontRef>
-          </p:style>
-        </p:cxnSp>
-        <p:sp>
-          <p:nvSpPr>
-            <p:cNvPr id="70" name="직사각형 69"/>
-            <p:cNvSpPr/>
-            <p:nvPr/>
-          </p:nvSpPr>
-          <p:spPr>
-            <a:xfrm>
-              <a:off x="8217074" y="2530257"/>
-              <a:ext cx="1377863" cy="502203"/>
-            </a:xfrm>
-            <a:prstGeom prst="rect">
-              <a:avLst/>
-            </a:prstGeom>
-            <a:solidFill>
-              <a:schemeClr val="bg1"/>
-            </a:solidFill>
-            <a:ln>
-              <a:noFill/>
-            </a:ln>
-          </p:spPr>
-          <p:style>
-            <a:lnRef idx="2">
-              <a:schemeClr val="accent1">
-                <a:shade val="50000"/>
-              </a:schemeClr>
-            </a:lnRef>
-            <a:fillRef idx="1">
-              <a:schemeClr val="accent1"/>
-            </a:fillRef>
-            <a:effectRef idx="0">
-              <a:schemeClr val="accent1"/>
-            </a:effectRef>
-            <a:fontRef idx="minor">
-              <a:schemeClr val="lt1"/>
-            </a:fontRef>
-          </p:style>
-          <p:txBody>
-            <a:bodyPr rtlCol="0" anchor="ctr"/>
-            <a:lstStyle>
-              <a:defPPr>
-                <a:defRPr lang="ko-KR"/>
-              </a:defPPr>
-              <a:lvl1pPr marL="0" algn="l" defTabSz="914400" rtl="0" eaLnBrk="1" latinLnBrk="1" hangingPunct="1">
-                <a:defRPr sz="1800" kern="1200">
-                  <a:solidFill>
-                    <a:schemeClr val="lt1"/>
-                  </a:solidFill>
-                  <a:latin typeface="+mn-lt"/>
-                  <a:ea typeface="+mn-ea"/>
-                  <a:cs typeface="+mn-cs"/>
-                </a:defRPr>
-              </a:lvl1pPr>
-              <a:lvl2pPr marL="457200" algn="l" defTabSz="914400" rtl="0" eaLnBrk="1" latinLnBrk="1" hangingPunct="1">
-                <a:defRPr sz="1800" kern="1200">
-                  <a:solidFill>
-                    <a:schemeClr val="lt1"/>
-                  </a:solidFill>
-                  <a:latin typeface="+mn-lt"/>
-                  <a:ea typeface="+mn-ea"/>
-                  <a:cs typeface="+mn-cs"/>
-                </a:defRPr>
-              </a:lvl2pPr>
-              <a:lvl3pPr marL="914400" algn="l" defTabSz="914400" rtl="0" eaLnBrk="1" latinLnBrk="1" hangingPunct="1">
-                <a:defRPr sz="1800" kern="1200">
-                  <a:solidFill>
-                    <a:schemeClr val="lt1"/>
-                  </a:solidFill>
-                  <a:latin typeface="+mn-lt"/>
-                  <a:ea typeface="+mn-ea"/>
-                  <a:cs typeface="+mn-cs"/>
-                </a:defRPr>
-              </a:lvl3pPr>
-              <a:lvl4pPr marL="1371600" algn="l" defTabSz="914400" rtl="0" eaLnBrk="1" latinLnBrk="1" hangingPunct="1">
-                <a:defRPr sz="1800" kern="1200">
-                  <a:solidFill>
-                    <a:schemeClr val="lt1"/>
-                  </a:solidFill>
-                  <a:latin typeface="+mn-lt"/>
-                  <a:ea typeface="+mn-ea"/>
-                  <a:cs typeface="+mn-cs"/>
-                </a:defRPr>
-              </a:lvl4pPr>
-              <a:lvl5pPr marL="1828800" algn="l" defTabSz="914400" rtl="0" eaLnBrk="1" latinLnBrk="1" hangingPunct="1">
-                <a:defRPr sz="1800" kern="1200">
-                  <a:solidFill>
-                    <a:schemeClr val="lt1"/>
-                  </a:solidFill>
-                  <a:latin typeface="+mn-lt"/>
-                  <a:ea typeface="+mn-ea"/>
-                  <a:cs typeface="+mn-cs"/>
-                </a:defRPr>
-              </a:lvl5pPr>
-              <a:lvl6pPr marL="2286000" algn="l" defTabSz="914400" rtl="0" eaLnBrk="1" latinLnBrk="1" hangingPunct="1">
-                <a:defRPr sz="1800" kern="1200">
-                  <a:solidFill>
-                    <a:schemeClr val="lt1"/>
-                  </a:solidFill>
-                  <a:latin typeface="+mn-lt"/>
-                  <a:ea typeface="+mn-ea"/>
-                  <a:cs typeface="+mn-cs"/>
-                </a:defRPr>
-              </a:lvl6pPr>
-              <a:lvl7pPr marL="2743200" algn="l" defTabSz="914400" rtl="0" eaLnBrk="1" latinLnBrk="1" hangingPunct="1">
-                <a:defRPr sz="1800" kern="1200">
-                  <a:solidFill>
-                    <a:schemeClr val="lt1"/>
-                  </a:solidFill>
-                  <a:latin typeface="+mn-lt"/>
-                  <a:ea typeface="+mn-ea"/>
-                  <a:cs typeface="+mn-cs"/>
-                </a:defRPr>
-              </a:lvl7pPr>
-              <a:lvl8pPr marL="3200400" algn="l" defTabSz="914400" rtl="0" eaLnBrk="1" latinLnBrk="1" hangingPunct="1">
-                <a:defRPr sz="1800" kern="1200">
-                  <a:solidFill>
-                    <a:schemeClr val="lt1"/>
-                  </a:solidFill>
-                  <a:latin typeface="+mn-lt"/>
-                  <a:ea typeface="+mn-ea"/>
-                  <a:cs typeface="+mn-cs"/>
-                </a:defRPr>
-              </a:lvl8pPr>
-              <a:lvl9pPr marL="3657600" algn="l" defTabSz="914400" rtl="0" eaLnBrk="1" latinLnBrk="1" hangingPunct="1">
-                <a:defRPr sz="1800" kern="1200">
-                  <a:solidFill>
-                    <a:schemeClr val="lt1"/>
-                  </a:solidFill>
-                  <a:latin typeface="+mn-lt"/>
-                  <a:ea typeface="+mn-ea"/>
-                  <a:cs typeface="+mn-cs"/>
-                </a:defRPr>
-              </a:lvl9pPr>
-            </a:lstStyle>
-            <a:p>
-              <a:pPr algn="ctr"/>
-              <a:r>
-                <a:rPr lang="ko-KR" altLang="en-US" sz="1100" dirty="0">
-                  <a:solidFill>
-                    <a:schemeClr val="tx1"/>
-                  </a:solidFill>
-                </a:rPr>
-                <a:t>강의 평가 결과</a:t>
-              </a:r>
-              <a:br>
-                <a:rPr lang="en-US" altLang="ko-KR" sz="1100" dirty="0">
-                  <a:solidFill>
-                    <a:schemeClr val="tx1"/>
-                  </a:solidFill>
-                </a:rPr>
-              </a:br>
-              <a:r>
-                <a:rPr lang="ko-KR" altLang="en-US" sz="1100" dirty="0">
-                  <a:solidFill>
-                    <a:schemeClr val="tx1"/>
-                  </a:solidFill>
-                </a:rPr>
-                <a:t>저장소</a:t>
-              </a:r>
-            </a:p>
-          </p:txBody>
-        </p:sp>
-      </p:grpSp>
       <p:sp>
         <p:nvSpPr>
           <p:cNvPr id="71" name="직사각형 70"/>
@@ -5667,6 +5173,146 @@
               <a:t>수강 정보</a:t>
             </a:r>
             <a:endParaRPr lang="ko-KR" altLang="en-US" sz="1600" dirty="0"/>
+          </a:p>
+        </p:txBody>
+      </p:sp>
+      <p:sp>
+        <p:nvSpPr>
+          <p:cNvPr id="93" name="직사각형 92"/>
+          <p:cNvSpPr/>
+          <p:nvPr/>
+        </p:nvSpPr>
+        <p:spPr>
+          <a:xfrm>
+            <a:off x="15324371" y="18765038"/>
+            <a:ext cx="1556992" cy="726131"/>
+          </a:xfrm>
+          <a:prstGeom prst="rect">
+            <a:avLst/>
+          </a:prstGeom>
+          <a:noFill/>
+          <a:ln w="31750">
+            <a:solidFill>
+              <a:schemeClr val="accent1">
+                <a:shade val="50000"/>
+              </a:schemeClr>
+            </a:solidFill>
+          </a:ln>
+        </p:spPr>
+        <p:style>
+          <a:lnRef idx="2">
+            <a:schemeClr val="accent1">
+              <a:shade val="50000"/>
+            </a:schemeClr>
+          </a:lnRef>
+          <a:fillRef idx="1">
+            <a:schemeClr val="accent1"/>
+          </a:fillRef>
+          <a:effectRef idx="0">
+            <a:schemeClr val="accent1"/>
+          </a:effectRef>
+          <a:fontRef idx="minor">
+            <a:schemeClr val="lt1"/>
+          </a:fontRef>
+        </p:style>
+        <p:txBody>
+          <a:bodyPr rtlCol="0" anchor="ctr"/>
+          <a:lstStyle/>
+          <a:p>
+            <a:pPr algn="ctr"/>
+            <a:r>
+              <a:rPr lang="ko-KR" altLang="en-US" sz="1100" dirty="0">
+                <a:solidFill>
+                  <a:schemeClr val="tx1"/>
+                </a:solidFill>
+              </a:rPr>
+              <a:t>강의 평가 질문</a:t>
+            </a:r>
+            <a:br>
+              <a:rPr lang="en-US" altLang="ko-KR" sz="1100" dirty="0">
+                <a:solidFill>
+                  <a:schemeClr val="tx1"/>
+                </a:solidFill>
+              </a:rPr>
+            </a:br>
+            <a:r>
+              <a:rPr lang="ko-KR" altLang="en-US" sz="1100" dirty="0">
+                <a:solidFill>
+                  <a:schemeClr val="tx1"/>
+                </a:solidFill>
+              </a:rPr>
+              <a:t>정보 읽음</a:t>
+            </a:r>
+          </a:p>
+        </p:txBody>
+      </p:sp>
+      <p:sp>
+        <p:nvSpPr>
+          <p:cNvPr id="94" name="직사각형 93"/>
+          <p:cNvSpPr/>
+          <p:nvPr/>
+        </p:nvSpPr>
+        <p:spPr>
+          <a:xfrm>
+            <a:off x="24278136" y="18795817"/>
+            <a:ext cx="1556992" cy="726131"/>
+          </a:xfrm>
+          <a:prstGeom prst="rect">
+            <a:avLst/>
+          </a:prstGeom>
+          <a:noFill/>
+          <a:ln w="31750">
+            <a:solidFill>
+              <a:schemeClr val="accent1">
+                <a:shade val="50000"/>
+              </a:schemeClr>
+            </a:solidFill>
+          </a:ln>
+        </p:spPr>
+        <p:style>
+          <a:lnRef idx="2">
+            <a:schemeClr val="accent1">
+              <a:shade val="50000"/>
+            </a:schemeClr>
+          </a:lnRef>
+          <a:fillRef idx="1">
+            <a:schemeClr val="accent1"/>
+          </a:fillRef>
+          <a:effectRef idx="0">
+            <a:schemeClr val="accent1"/>
+          </a:effectRef>
+          <a:fontRef idx="minor">
+            <a:schemeClr val="lt1"/>
+          </a:fontRef>
+        </p:style>
+        <p:txBody>
+          <a:bodyPr rtlCol="0" anchor="ctr"/>
+          <a:lstStyle/>
+          <a:p>
+            <a:pPr algn="ctr"/>
+            <a:r>
+              <a:rPr lang="ko-KR" altLang="en-US" sz="1100" dirty="0">
+                <a:solidFill>
+                  <a:schemeClr val="tx1"/>
+                </a:solidFill>
+              </a:rPr>
+              <a:t>강의 평가 결과</a:t>
+            </a:r>
+            <a:br>
+              <a:rPr lang="en-US" altLang="ko-KR" sz="1100" dirty="0">
+                <a:solidFill>
+                  <a:schemeClr val="tx1"/>
+                </a:solidFill>
+              </a:rPr>
+            </a:br>
+            <a:r>
+              <a:rPr lang="ko-KR" altLang="en-US" sz="1100" dirty="0">
+                <a:solidFill>
+                  <a:schemeClr val="tx1"/>
+                </a:solidFill>
+              </a:rPr>
+              <a:t>정보 저장</a:t>
+            </a:r>
           </a:p>
         </p:txBody>
       </p:sp>
